--- a/Project Game & Watch.pptx
+++ b/Project Game & Watch.pptx
@@ -2,7 +2,7 @@
 <file path=ppt/presentation.xml><?xml version="1.0" encoding="utf-8"?>
 <p:presentation xmlns:a="http://schemas.openxmlformats.org/drawingml/2006/main" xmlns:r="http://schemas.openxmlformats.org/officeDocument/2006/relationships" xmlns:p="http://schemas.openxmlformats.org/presentationml/2006/main" autoCompressPictures="0">
   <p:sldMasterIdLst>
-    <p:sldMasterId id="2147483818" r:id="rId1"/>
+    <p:sldMasterId id="2147483878" r:id="rId1"/>
   </p:sldMasterIdLst>
   <p:sldIdLst>
     <p:sldId id="256" r:id="rId2"/>
@@ -10,8 +10,9 @@
     <p:sldId id="258" r:id="rId4"/>
     <p:sldId id="260" r:id="rId5"/>
     <p:sldId id="261" r:id="rId6"/>
-    <p:sldId id="262" r:id="rId7"/>
-    <p:sldId id="259" r:id="rId8"/>
+    <p:sldId id="263" r:id="rId7"/>
+    <p:sldId id="262" r:id="rId8"/>
+    <p:sldId id="259" r:id="rId9"/>
   </p:sldIdLst>
   <p:sldSz cx="12192000" cy="6858000"/>
   <p:notesSz cx="6858000" cy="9144000"/>
@@ -112,7 +113,18 @@
   </p:defaultTextStyle>
   <p:extLst>
     <p:ext uri="{EFAFB233-063F-42B5-8137-9DF3F51BA10A}">
-      <p15:sldGuideLst xmlns:p15="http://schemas.microsoft.com/office/powerpoint/2012/main" xmlns=""/>
+      <p15:sldGuideLst xmlns:p15="http://schemas.microsoft.com/office/powerpoint/2012/main">
+        <p15:guide id="1" orient="horz" pos="2160">
+          <p15:clr>
+            <a:srgbClr val="A4A3A4"/>
+          </p15:clr>
+        </p15:guide>
+        <p15:guide id="2" pos="3840">
+          <p15:clr>
+            <a:srgbClr val="A4A3A4"/>
+          </p15:clr>
+        </p15:guide>
+      </p15:sldGuideLst>
     </p:ext>
   </p:extLst>
 </p:presentation>
@@ -120,7 +132,7 @@
 
 <file path=ppt/slideLayouts/slideLayout1.xml><?xml version="1.0" encoding="utf-8"?>
 <p:sldLayout xmlns:a="http://schemas.openxmlformats.org/drawingml/2006/main" xmlns:r="http://schemas.openxmlformats.org/officeDocument/2006/relationships" xmlns:p="http://schemas.openxmlformats.org/presentationml/2006/main" type="title" preserve="1">
-  <p:cSld name="Diapositive de titre">
+  <p:cSld name="Title Slide">
     <p:spTree>
       <p:nvGrpSpPr>
         <p:cNvPr id="1" name=""/>
@@ -137,210 +149,104 @@
       </p:grpSpPr>
       <p:sp>
         <p:nvSpPr>
-          <p:cNvPr id="8" name="TextBox 7"/>
-          <p:cNvSpPr txBox="1"/>
-          <p:nvPr/>
+          <p:cNvPr id="2" name="Title 1"/>
+          <p:cNvSpPr>
+            <a:spLocks noGrp="1"/>
+          </p:cNvSpPr>
+          <p:nvPr>
+            <p:ph type="ctrTitle"/>
+          </p:nvPr>
         </p:nvSpPr>
         <p:spPr>
           <a:xfrm>
-            <a:off x="2438400" y="3159761"/>
-            <a:ext cx="609600" cy="1034129"/>
+            <a:off x="1524000" y="1122363"/>
+            <a:ext cx="9144000" cy="2387600"/>
           </a:xfrm>
-          <a:prstGeom prst="rect">
-            <a:avLst/>
-          </a:prstGeom>
-          <a:noFill/>
         </p:spPr>
         <p:txBody>
-          <a:bodyPr wrap="square" lIns="0" tIns="9144" rIns="0" bIns="9144" rtlCol="0" anchor="ctr" anchorCtr="0">
-            <a:spAutoFit/>
-          </a:bodyPr>
-          <a:lstStyle/>
-          <a:p>
-            <a:r>
-              <a:rPr lang="en-US" sz="6600" dirty="0" smtClean="0">
-                <a:effectLst>
-                  <a:outerShdw blurRad="38100" dist="38100" dir="2700000" algn="tl">
-                    <a:srgbClr val="000000">
-                      <a:alpha val="43137"/>
-                    </a:srgbClr>
-                  </a:outerShdw>
-                </a:effectLst>
-                <a:latin typeface="+mn-lt"/>
-              </a:rPr>
-              <a:t>{</a:t>
-            </a:r>
-            <a:endParaRPr lang="en-US" sz="6600" dirty="0">
-              <a:effectLst>
-                <a:outerShdw blurRad="38100" dist="38100" dir="2700000" algn="tl">
-                  <a:srgbClr val="000000">
-                    <a:alpha val="43137"/>
-                  </a:srgbClr>
-                </a:outerShdw>
-              </a:effectLst>
-              <a:latin typeface="+mn-lt"/>
-            </a:endParaRPr>
-          </a:p>
-        </p:txBody>
-      </p:sp>
-      <p:sp>
-        <p:nvSpPr>
-          <p:cNvPr id="2" name="Title 1"/>
-          <p:cNvSpPr>
-            <a:spLocks noGrp="1"/>
-          </p:cNvSpPr>
-          <p:nvPr>
-            <p:ph type="ctrTitle"/>
+          <a:bodyPr anchor="b"/>
+          <a:lstStyle>
+            <a:lvl1pPr algn="ctr">
+              <a:defRPr sz="6000"/>
+            </a:lvl1pPr>
+          </a:lstStyle>
+          <a:p>
+            <a:r>
+              <a:rPr lang="en-US" smtClean="0"/>
+              <a:t>Click to edit Master title style</a:t>
+            </a:r>
+            <a:endParaRPr lang="en-US"/>
+          </a:p>
+        </p:txBody>
+      </p:sp>
+      <p:sp>
+        <p:nvSpPr>
+          <p:cNvPr id="3" name="Subtitle 2"/>
+          <p:cNvSpPr>
+            <a:spLocks noGrp="1"/>
+          </p:cNvSpPr>
+          <p:nvPr>
+            <p:ph type="subTitle" idx="1"/>
           </p:nvPr>
         </p:nvSpPr>
         <p:spPr>
           <a:xfrm>
-            <a:off x="1036320" y="1219200"/>
-            <a:ext cx="10058400" cy="2152650"/>
+            <a:off x="1524000" y="3602038"/>
+            <a:ext cx="9144000" cy="1655762"/>
           </a:xfrm>
         </p:spPr>
         <p:txBody>
-          <a:bodyPr>
-            <a:noAutofit/>
-          </a:bodyPr>
+          <a:bodyPr/>
           <a:lstStyle>
-            <a:lvl1pPr>
-              <a:defRPr sz="6000">
-                <a:solidFill>
-                  <a:schemeClr val="tx1"/>
-                </a:solidFill>
-              </a:defRPr>
-            </a:lvl1pPr>
-          </a:lstStyle>
-          <a:p>
-            <a:r>
-              <a:rPr lang="fr-FR" smtClean="0"/>
-              <a:t>Modifiez le style du titre</a:t>
-            </a:r>
-            <a:endParaRPr lang="en-US" dirty="0"/>
-          </a:p>
-        </p:txBody>
-      </p:sp>
-      <p:sp>
-        <p:nvSpPr>
-          <p:cNvPr id="3" name="Subtitle 2"/>
-          <p:cNvSpPr>
-            <a:spLocks noGrp="1"/>
-          </p:cNvSpPr>
-          <p:nvPr>
-            <p:ph type="subTitle" idx="1"/>
-          </p:nvPr>
-        </p:nvSpPr>
-        <p:spPr>
-          <a:xfrm>
-            <a:off x="2844800" y="3375491"/>
-            <a:ext cx="8229600" cy="685800"/>
-          </a:xfrm>
-        </p:spPr>
-        <p:txBody>
-          <a:bodyPr anchor="ctr"/>
-          <a:lstStyle>
-            <a:lvl1pPr marL="0" indent="0" algn="l">
-              <a:buNone/>
-              <a:defRPr>
-                <a:solidFill>
-                  <a:schemeClr val="tx1"/>
-                </a:solidFill>
-              </a:defRPr>
+            <a:lvl1pPr marL="0" indent="0" algn="ctr">
+              <a:buNone/>
+              <a:defRPr sz="2400"/>
             </a:lvl1pPr>
             <a:lvl2pPr marL="457200" indent="0" algn="ctr">
               <a:buNone/>
-              <a:defRPr>
-                <a:solidFill>
-                  <a:schemeClr val="tx1">
-                    <a:tint val="75000"/>
-                  </a:schemeClr>
-                </a:solidFill>
-              </a:defRPr>
+              <a:defRPr sz="2000"/>
             </a:lvl2pPr>
             <a:lvl3pPr marL="914400" indent="0" algn="ctr">
               <a:buNone/>
-              <a:defRPr>
-                <a:solidFill>
-                  <a:schemeClr val="tx1">
-                    <a:tint val="75000"/>
-                  </a:schemeClr>
-                </a:solidFill>
-              </a:defRPr>
+              <a:defRPr sz="1800"/>
             </a:lvl3pPr>
             <a:lvl4pPr marL="1371600" indent="0" algn="ctr">
               <a:buNone/>
-              <a:defRPr>
-                <a:solidFill>
-                  <a:schemeClr val="tx1">
-                    <a:tint val="75000"/>
-                  </a:schemeClr>
-                </a:solidFill>
-              </a:defRPr>
+              <a:defRPr sz="1600"/>
             </a:lvl4pPr>
             <a:lvl5pPr marL="1828800" indent="0" algn="ctr">
               <a:buNone/>
-              <a:defRPr>
-                <a:solidFill>
-                  <a:schemeClr val="tx1">
-                    <a:tint val="75000"/>
-                  </a:schemeClr>
-                </a:solidFill>
-              </a:defRPr>
+              <a:defRPr sz="1600"/>
             </a:lvl5pPr>
             <a:lvl6pPr marL="2286000" indent="0" algn="ctr">
               <a:buNone/>
-              <a:defRPr>
-                <a:solidFill>
-                  <a:schemeClr val="tx1">
-                    <a:tint val="75000"/>
-                  </a:schemeClr>
-                </a:solidFill>
-              </a:defRPr>
+              <a:defRPr sz="1600"/>
             </a:lvl6pPr>
             <a:lvl7pPr marL="2743200" indent="0" algn="ctr">
               <a:buNone/>
-              <a:defRPr>
-                <a:solidFill>
-                  <a:schemeClr val="tx1">
-                    <a:tint val="75000"/>
-                  </a:schemeClr>
-                </a:solidFill>
-              </a:defRPr>
+              <a:defRPr sz="1600"/>
             </a:lvl7pPr>
             <a:lvl8pPr marL="3200400" indent="0" algn="ctr">
               <a:buNone/>
-              <a:defRPr>
-                <a:solidFill>
-                  <a:schemeClr val="tx1">
-                    <a:tint val="75000"/>
-                  </a:schemeClr>
-                </a:solidFill>
-              </a:defRPr>
+              <a:defRPr sz="1600"/>
             </a:lvl8pPr>
             <a:lvl9pPr marL="3657600" indent="0" algn="ctr">
               <a:buNone/>
-              <a:defRPr>
-                <a:solidFill>
-                  <a:schemeClr val="tx1">
-                    <a:tint val="75000"/>
-                  </a:schemeClr>
-                </a:solidFill>
-              </a:defRPr>
+              <a:defRPr sz="1600"/>
             </a:lvl9pPr>
           </a:lstStyle>
           <a:p>
             <a:r>
-              <a:rPr lang="fr-FR" smtClean="0"/>
-              <a:t>Modifiez le style des sous-titres du masque</a:t>
-            </a:r>
-            <a:endParaRPr lang="en-US" dirty="0"/>
-          </a:p>
-        </p:txBody>
-      </p:sp>
-      <p:sp>
-        <p:nvSpPr>
-          <p:cNvPr id="15" name="Date Placeholder 14"/>
+              <a:rPr lang="en-US" smtClean="0"/>
+              <a:t>Click to edit Master subtitle style</a:t>
+            </a:r>
+            <a:endParaRPr lang="en-US"/>
+          </a:p>
+        </p:txBody>
+      </p:sp>
+      <p:sp>
+        <p:nvSpPr>
+          <p:cNvPr id="4" name="Date Placeholder 3"/>
           <p:cNvSpPr>
             <a:spLocks noGrp="1"/>
           </p:cNvSpPr>
@@ -363,12 +269,36 @@
       </p:sp>
       <p:sp>
         <p:nvSpPr>
-          <p:cNvPr id="16" name="Slide Number Placeholder 15"/>
-          <p:cNvSpPr>
-            <a:spLocks noGrp="1"/>
-          </p:cNvSpPr>
-          <p:nvPr>
-            <p:ph type="sldNum" sz="quarter" idx="11"/>
+          <p:cNvPr id="5" name="Footer Placeholder 4"/>
+          <p:cNvSpPr>
+            <a:spLocks noGrp="1"/>
+          </p:cNvSpPr>
+          <p:nvPr>
+            <p:ph type="ftr" sz="quarter" idx="11"/>
+          </p:nvPr>
+        </p:nvSpPr>
+        <p:spPr/>
+        <p:txBody>
+          <a:bodyPr/>
+          <a:lstStyle/>
+          <a:p>
+            <a:r>
+              <a:rPr lang="en-US" smtClean="0"/>
+              <a:t>
+              </a:t>
+            </a:r>
+            <a:endParaRPr lang="en-US" dirty="0"/>
+          </a:p>
+        </p:txBody>
+      </p:sp>
+      <p:sp>
+        <p:nvSpPr>
+          <p:cNvPr id="6" name="Slide Number Placeholder 5"/>
+          <p:cNvSpPr>
+            <a:spLocks noGrp="1"/>
+          </p:cNvSpPr>
+          <p:nvPr>
+            <p:ph type="sldNum" sz="quarter" idx="12"/>
           </p:nvPr>
         </p:nvSpPr>
         <p:spPr/>
@@ -379,37 +309,18 @@
             <a:fld id="{D57F1E4F-1CFF-5643-939E-217C01CDF565}" type="slidenum">
               <a:rPr lang="en-US" smtClean="0"/>
               <a:pPr/>
-              <a:t>‹N°›</a:t>
+              <a:t>‹#›</a:t>
             </a:fld>
             <a:endParaRPr lang="en-US" dirty="0"/>
           </a:p>
         </p:txBody>
       </p:sp>
-      <p:sp>
-        <p:nvSpPr>
-          <p:cNvPr id="17" name="Footer Placeholder 16"/>
-          <p:cNvSpPr>
-            <a:spLocks noGrp="1"/>
-          </p:cNvSpPr>
-          <p:nvPr>
-            <p:ph type="ftr" sz="quarter" idx="12"/>
-          </p:nvPr>
-        </p:nvSpPr>
-        <p:spPr/>
-        <p:txBody>
-          <a:bodyPr/>
-          <a:lstStyle/>
-          <a:p>
-            <a:r>
-              <a:rPr lang="en-US" smtClean="0"/>
-              <a:t>
-              </a:t>
-            </a:r>
-            <a:endParaRPr lang="en-US" dirty="0"/>
-          </a:p>
-        </p:txBody>
-      </p:sp>
     </p:spTree>
+    <p:extLst>
+      <p:ext uri="{BB962C8B-B14F-4D97-AF65-F5344CB8AC3E}">
+        <p14:creationId xmlns:p14="http://schemas.microsoft.com/office/powerpoint/2010/main" val="517762901"/>
+      </p:ext>
+    </p:extLst>
   </p:cSld>
   <p:clrMapOvr>
     <a:masterClrMapping/>
@@ -420,7 +331,7 @@
 
 <file path=ppt/slideLayouts/slideLayout10.xml><?xml version="1.0" encoding="utf-8"?>
 <p:sldLayout xmlns:a="http://schemas.openxmlformats.org/drawingml/2006/main" xmlns:r="http://schemas.openxmlformats.org/officeDocument/2006/relationships" xmlns:p="http://schemas.openxmlformats.org/presentationml/2006/main" type="vertTx" preserve="1">
-  <p:cSld name="Titre et texte vertical">
+  <p:cSld name="Title and Vertical Text">
     <p:spTree>
       <p:nvGrpSpPr>
         <p:cNvPr id="1" name=""/>
@@ -451,10 +362,10 @@
           <a:lstStyle/>
           <a:p>
             <a:r>
-              <a:rPr lang="fr-FR" smtClean="0"/>
-              <a:t>Modifiez le style du titre</a:t>
-            </a:r>
-            <a:endParaRPr lang="en-US" dirty="0"/>
+              <a:rPr lang="en-US" smtClean="0"/>
+              <a:t>Click to edit Master title style</a:t>
+            </a:r>
+            <a:endParaRPr lang="en-US"/>
           </a:p>
         </p:txBody>
       </p:sp>
@@ -468,48 +379,43 @@
             <p:ph type="body" orient="vert" idx="1"/>
           </p:nvPr>
         </p:nvSpPr>
-        <p:spPr>
-          <a:xfrm>
-            <a:off x="2844800" y="685802"/>
-            <a:ext cx="7721600" cy="3505199"/>
-          </a:xfrm>
-        </p:spPr>
-        <p:txBody>
-          <a:bodyPr vert="eaVert" anchor="t"/>
+        <p:spPr/>
+        <p:txBody>
+          <a:bodyPr vert="eaVert"/>
           <a:lstStyle/>
           <a:p>
             <a:pPr lvl="0"/>
             <a:r>
-              <a:rPr lang="fr-FR" smtClean="0"/>
-              <a:t>Modifiez les styles du texte du masque</a:t>
+              <a:rPr lang="en-US" smtClean="0"/>
+              <a:t>Click to edit Master text styles</a:t>
             </a:r>
           </a:p>
           <a:p>
             <a:pPr lvl="1"/>
             <a:r>
-              <a:rPr lang="fr-FR" smtClean="0"/>
-              <a:t>Deuxième niveau</a:t>
+              <a:rPr lang="en-US" smtClean="0"/>
+              <a:t>Second level</a:t>
             </a:r>
           </a:p>
           <a:p>
             <a:pPr lvl="2"/>
             <a:r>
-              <a:rPr lang="fr-FR" smtClean="0"/>
-              <a:t>Troisième niveau</a:t>
+              <a:rPr lang="en-US" smtClean="0"/>
+              <a:t>Third level</a:t>
             </a:r>
           </a:p>
           <a:p>
             <a:pPr lvl="3"/>
             <a:r>
-              <a:rPr lang="fr-FR" smtClean="0"/>
-              <a:t>Quatrième niveau</a:t>
+              <a:rPr lang="en-US" smtClean="0"/>
+              <a:t>Fourth level</a:t>
             </a:r>
           </a:p>
           <a:p>
             <a:pPr lvl="4"/>
             <a:r>
-              <a:rPr lang="fr-FR" smtClean="0"/>
-              <a:t>Cinquième niveau</a:t>
+              <a:rPr lang="en-US" smtClean="0"/>
+              <a:t>Fifth level</a:t>
             </a:r>
             <a:endParaRPr lang="en-US"/>
           </a:p>
@@ -580,13 +486,18 @@
             <a:fld id="{D57F1E4F-1CFF-5643-939E-217C01CDF565}" type="slidenum">
               <a:rPr lang="en-US" smtClean="0"/>
               <a:pPr/>
-              <a:t>‹N°›</a:t>
+              <a:t>‹#›</a:t>
             </a:fld>
             <a:endParaRPr lang="en-US" dirty="0"/>
           </a:p>
         </p:txBody>
       </p:sp>
     </p:spTree>
+    <p:extLst>
+      <p:ext uri="{BB962C8B-B14F-4D97-AF65-F5344CB8AC3E}">
+        <p14:creationId xmlns:p14="http://schemas.microsoft.com/office/powerpoint/2010/main" val="222533819"/>
+      </p:ext>
+    </p:extLst>
   </p:cSld>
   <p:clrMapOvr>
     <a:masterClrMapping/>
@@ -597,7 +508,7 @@
 
 <file path=ppt/slideLayouts/slideLayout11.xml><?xml version="1.0" encoding="utf-8"?>
 <p:sldLayout xmlns:a="http://schemas.openxmlformats.org/drawingml/2006/main" xmlns:r="http://schemas.openxmlformats.org/officeDocument/2006/relationships" xmlns:p="http://schemas.openxmlformats.org/presentationml/2006/main" type="vertTitleAndTx" preserve="1">
-  <p:cSld name="Titre vertical et texte">
+  <p:cSld name="Vertical Title and Text">
     <p:spTree>
       <p:nvGrpSpPr>
         <p:cNvPr id="1" name=""/>
@@ -624,8 +535,8 @@
         </p:nvSpPr>
         <p:spPr>
           <a:xfrm>
-            <a:off x="812800" y="609601"/>
-            <a:ext cx="2844800" cy="5181600"/>
+            <a:off x="8724900" y="365125"/>
+            <a:ext cx="2628900" cy="5811838"/>
           </a:xfrm>
         </p:spPr>
         <p:txBody>
@@ -633,10 +544,10 @@
           <a:lstStyle/>
           <a:p>
             <a:r>
-              <a:rPr lang="fr-FR" smtClean="0"/>
-              <a:t>Modifiez le style du titre</a:t>
-            </a:r>
-            <a:endParaRPr lang="en-US" dirty="0"/>
+              <a:rPr lang="en-US" smtClean="0"/>
+              <a:t>Click to edit Master title style</a:t>
+            </a:r>
+            <a:endParaRPr lang="en-US"/>
           </a:p>
         </p:txBody>
       </p:sp>
@@ -652,48 +563,48 @@
         </p:nvSpPr>
         <p:spPr>
           <a:xfrm>
-            <a:off x="3860800" y="685801"/>
-            <a:ext cx="6705600" cy="4572000"/>
+            <a:off x="838200" y="365125"/>
+            <a:ext cx="7734300" cy="5811838"/>
           </a:xfrm>
         </p:spPr>
         <p:txBody>
-          <a:bodyPr vert="eaVert" anchor="t"/>
+          <a:bodyPr vert="eaVert"/>
           <a:lstStyle/>
           <a:p>
             <a:pPr lvl="0"/>
             <a:r>
-              <a:rPr lang="fr-FR" smtClean="0"/>
-              <a:t>Modifiez les styles du texte du masque</a:t>
+              <a:rPr lang="en-US" smtClean="0"/>
+              <a:t>Click to edit Master text styles</a:t>
             </a:r>
           </a:p>
           <a:p>
             <a:pPr lvl="1"/>
             <a:r>
-              <a:rPr lang="fr-FR" smtClean="0"/>
-              <a:t>Deuxième niveau</a:t>
+              <a:rPr lang="en-US" smtClean="0"/>
+              <a:t>Second level</a:t>
             </a:r>
           </a:p>
           <a:p>
             <a:pPr lvl="2"/>
             <a:r>
-              <a:rPr lang="fr-FR" smtClean="0"/>
-              <a:t>Troisième niveau</a:t>
+              <a:rPr lang="en-US" smtClean="0"/>
+              <a:t>Third level</a:t>
             </a:r>
           </a:p>
           <a:p>
             <a:pPr lvl="3"/>
             <a:r>
-              <a:rPr lang="fr-FR" smtClean="0"/>
-              <a:t>Quatrième niveau</a:t>
+              <a:rPr lang="en-US" smtClean="0"/>
+              <a:t>Fourth level</a:t>
             </a:r>
           </a:p>
           <a:p>
             <a:pPr lvl="4"/>
             <a:r>
-              <a:rPr lang="fr-FR" smtClean="0"/>
-              <a:t>Cinquième niveau</a:t>
-            </a:r>
-            <a:endParaRPr lang="en-US" dirty="0"/>
+              <a:rPr lang="en-US" smtClean="0"/>
+              <a:t>Fifth level</a:t>
+            </a:r>
+            <a:endParaRPr lang="en-US"/>
           </a:p>
         </p:txBody>
       </p:sp>
@@ -762,13 +673,18 @@
             <a:fld id="{D57F1E4F-1CFF-5643-939E-217C01CDF565}" type="slidenum">
               <a:rPr lang="en-US" smtClean="0"/>
               <a:pPr/>
-              <a:t>‹N°›</a:t>
+              <a:t>‹#›</a:t>
             </a:fld>
             <a:endParaRPr lang="en-US" dirty="0"/>
           </a:p>
         </p:txBody>
       </p:sp>
     </p:spTree>
+    <p:extLst>
+      <p:ext uri="{BB962C8B-B14F-4D97-AF65-F5344CB8AC3E}">
+        <p14:creationId xmlns:p14="http://schemas.microsoft.com/office/powerpoint/2010/main" val="3209719368"/>
+      </p:ext>
+    </p:extLst>
   </p:cSld>
   <p:clrMapOvr>
     <a:masterClrMapping/>
@@ -779,7 +695,7 @@
 
 <file path=ppt/slideLayouts/slideLayout2.xml><?xml version="1.0" encoding="utf-8"?>
 <p:sldLayout xmlns:a="http://schemas.openxmlformats.org/drawingml/2006/main" xmlns:r="http://schemas.openxmlformats.org/officeDocument/2006/relationships" xmlns:p="http://schemas.openxmlformats.org/presentationml/2006/main" type="obj" preserve="1">
-  <p:cSld name="Titre et contenu">
+  <p:cSld name="Title and Content">
     <p:spTree>
       <p:nvGrpSpPr>
         <p:cNvPr id="1" name=""/>
@@ -796,6 +712,29 @@
       </p:grpSpPr>
       <p:sp>
         <p:nvSpPr>
+          <p:cNvPr id="2" name="Title 1"/>
+          <p:cNvSpPr>
+            <a:spLocks noGrp="1"/>
+          </p:cNvSpPr>
+          <p:nvPr>
+            <p:ph type="title"/>
+          </p:nvPr>
+        </p:nvSpPr>
+        <p:spPr/>
+        <p:txBody>
+          <a:bodyPr/>
+          <a:lstStyle/>
+          <a:p>
+            <a:r>
+              <a:rPr lang="en-US" smtClean="0"/>
+              <a:t>Click to edit Master title style</a:t>
+            </a:r>
+            <a:endParaRPr lang="en-US"/>
+          </a:p>
+        </p:txBody>
+      </p:sp>
+      <p:sp>
+        <p:nvSpPr>
           <p:cNvPr id="3" name="Content Placeholder 2"/>
           <p:cNvSpPr>
             <a:spLocks noGrp="1"/>
@@ -811,36 +750,36 @@
           <a:p>
             <a:pPr lvl="0"/>
             <a:r>
-              <a:rPr lang="fr-FR" smtClean="0"/>
-              <a:t>Modifiez les styles du texte du masque</a:t>
+              <a:rPr lang="en-US" smtClean="0"/>
+              <a:t>Click to edit Master text styles</a:t>
             </a:r>
           </a:p>
           <a:p>
             <a:pPr lvl="1"/>
             <a:r>
-              <a:rPr lang="fr-FR" smtClean="0"/>
-              <a:t>Deuxième niveau</a:t>
+              <a:rPr lang="en-US" smtClean="0"/>
+              <a:t>Second level</a:t>
             </a:r>
           </a:p>
           <a:p>
             <a:pPr lvl="2"/>
             <a:r>
-              <a:rPr lang="fr-FR" smtClean="0"/>
-              <a:t>Troisième niveau</a:t>
+              <a:rPr lang="en-US" smtClean="0"/>
+              <a:t>Third level</a:t>
             </a:r>
           </a:p>
           <a:p>
             <a:pPr lvl="3"/>
             <a:r>
-              <a:rPr lang="fr-FR" smtClean="0"/>
-              <a:t>Quatrième niveau</a:t>
+              <a:rPr lang="en-US" smtClean="0"/>
+              <a:t>Fourth level</a:t>
             </a:r>
           </a:p>
           <a:p>
             <a:pPr lvl="4"/>
             <a:r>
-              <a:rPr lang="fr-FR" smtClean="0"/>
-              <a:t>Cinquième niveau</a:t>
+              <a:rPr lang="en-US" smtClean="0"/>
+              <a:t>Fifth level</a:t>
             </a:r>
             <a:endParaRPr lang="en-US"/>
           </a:p>
@@ -848,30 +787,7 @@
       </p:sp>
       <p:sp>
         <p:nvSpPr>
-          <p:cNvPr id="13" name="Title 12"/>
-          <p:cNvSpPr>
-            <a:spLocks noGrp="1"/>
-          </p:cNvSpPr>
-          <p:nvPr>
-            <p:ph type="title"/>
-          </p:nvPr>
-        </p:nvSpPr>
-        <p:spPr/>
-        <p:txBody>
-          <a:bodyPr/>
-          <a:lstStyle/>
-          <a:p>
-            <a:r>
-              <a:rPr lang="fr-FR" smtClean="0"/>
-              <a:t>Modifiez le style du titre</a:t>
-            </a:r>
-            <a:endParaRPr lang="en-US"/>
-          </a:p>
-        </p:txBody>
-      </p:sp>
-      <p:sp>
-        <p:nvSpPr>
-          <p:cNvPr id="14" name="Date Placeholder 13"/>
+          <p:cNvPr id="4" name="Date Placeholder 3"/>
           <p:cNvSpPr>
             <a:spLocks noGrp="1"/>
           </p:cNvSpPr>
@@ -894,12 +810,36 @@
       </p:sp>
       <p:sp>
         <p:nvSpPr>
-          <p:cNvPr id="15" name="Slide Number Placeholder 14"/>
-          <p:cNvSpPr>
-            <a:spLocks noGrp="1"/>
-          </p:cNvSpPr>
-          <p:nvPr>
-            <p:ph type="sldNum" sz="quarter" idx="11"/>
+          <p:cNvPr id="5" name="Footer Placeholder 4"/>
+          <p:cNvSpPr>
+            <a:spLocks noGrp="1"/>
+          </p:cNvSpPr>
+          <p:nvPr>
+            <p:ph type="ftr" sz="quarter" idx="11"/>
+          </p:nvPr>
+        </p:nvSpPr>
+        <p:spPr/>
+        <p:txBody>
+          <a:bodyPr/>
+          <a:lstStyle/>
+          <a:p>
+            <a:r>
+              <a:rPr lang="en-US" smtClean="0"/>
+              <a:t>
+              </a:t>
+            </a:r>
+            <a:endParaRPr lang="en-US" dirty="0"/>
+          </a:p>
+        </p:txBody>
+      </p:sp>
+      <p:sp>
+        <p:nvSpPr>
+          <p:cNvPr id="6" name="Slide Number Placeholder 5"/>
+          <p:cNvSpPr>
+            <a:spLocks noGrp="1"/>
+          </p:cNvSpPr>
+          <p:nvPr>
+            <p:ph type="sldNum" sz="quarter" idx="12"/>
           </p:nvPr>
         </p:nvSpPr>
         <p:spPr/>
@@ -910,37 +850,18 @@
             <a:fld id="{D57F1E4F-1CFF-5643-939E-217C01CDF565}" type="slidenum">
               <a:rPr lang="en-US" smtClean="0"/>
               <a:pPr/>
-              <a:t>‹N°›</a:t>
+              <a:t>‹#›</a:t>
             </a:fld>
             <a:endParaRPr lang="en-US" dirty="0"/>
           </a:p>
         </p:txBody>
       </p:sp>
-      <p:sp>
-        <p:nvSpPr>
-          <p:cNvPr id="16" name="Footer Placeholder 15"/>
-          <p:cNvSpPr>
-            <a:spLocks noGrp="1"/>
-          </p:cNvSpPr>
-          <p:nvPr>
-            <p:ph type="ftr" sz="quarter" idx="12"/>
-          </p:nvPr>
-        </p:nvSpPr>
-        <p:spPr/>
-        <p:txBody>
-          <a:bodyPr/>
-          <a:lstStyle/>
-          <a:p>
-            <a:r>
-              <a:rPr lang="en-US" smtClean="0"/>
-              <a:t>
-              </a:t>
-            </a:r>
-            <a:endParaRPr lang="en-US" dirty="0"/>
-          </a:p>
-        </p:txBody>
-      </p:sp>
     </p:spTree>
+    <p:extLst>
+      <p:ext uri="{BB962C8B-B14F-4D97-AF65-F5344CB8AC3E}">
+        <p14:creationId xmlns:p14="http://schemas.microsoft.com/office/powerpoint/2010/main" val="1013542988"/>
+      </p:ext>
+    </p:extLst>
   </p:cSld>
   <p:clrMapOvr>
     <a:masterClrMapping/>
@@ -951,7 +872,7 @@
 
 <file path=ppt/slideLayouts/slideLayout3.xml><?xml version="1.0" encoding="utf-8"?>
 <p:sldLayout xmlns:a="http://schemas.openxmlformats.org/drawingml/2006/main" xmlns:r="http://schemas.openxmlformats.org/officeDocument/2006/relationships" xmlns:p="http://schemas.openxmlformats.org/presentationml/2006/main" type="secHead" preserve="1">
-  <p:cSld name="Titre de section">
+  <p:cSld name="Section Header">
     <p:spTree>
       <p:nvGrpSpPr>
         <p:cNvPr id="1" name=""/>
@@ -968,49 +889,33 @@
       </p:grpSpPr>
       <p:sp>
         <p:nvSpPr>
-          <p:cNvPr id="8" name="TextBox 7"/>
-          <p:cNvSpPr txBox="1"/>
-          <p:nvPr/>
+          <p:cNvPr id="2" name="Title 1"/>
+          <p:cNvSpPr>
+            <a:spLocks noGrp="1"/>
+          </p:cNvSpPr>
+          <p:nvPr>
+            <p:ph type="title"/>
+          </p:nvPr>
         </p:nvSpPr>
         <p:spPr>
           <a:xfrm>
-            <a:off x="5689600" y="4074498"/>
-            <a:ext cx="609600" cy="1015663"/>
+            <a:off x="831850" y="1709738"/>
+            <a:ext cx="10515600" cy="2852737"/>
           </a:xfrm>
-          <a:prstGeom prst="rect">
-            <a:avLst/>
-          </a:prstGeom>
-          <a:noFill/>
         </p:spPr>
         <p:txBody>
-          <a:bodyPr wrap="square" lIns="0" tIns="0" rIns="0" bIns="0" rtlCol="0" anchor="t" anchorCtr="0">
-            <a:spAutoFit/>
-          </a:bodyPr>
-          <a:lstStyle/>
-          <a:p>
-            <a:r>
-              <a:rPr lang="en-US" sz="6600" dirty="0" smtClean="0">
-                <a:effectLst>
-                  <a:outerShdw blurRad="38100" dist="38100" dir="2700000" algn="tl">
-                    <a:srgbClr val="000000">
-                      <a:alpha val="43137"/>
-                    </a:srgbClr>
-                  </a:outerShdw>
-                </a:effectLst>
-                <a:latin typeface="+mn-lt"/>
-              </a:rPr>
-              <a:t>{</a:t>
-            </a:r>
-            <a:endParaRPr lang="en-US" sz="6600" dirty="0">
-              <a:effectLst>
-                <a:outerShdw blurRad="38100" dist="38100" dir="2700000" algn="tl">
-                  <a:srgbClr val="000000">
-                    <a:alpha val="43137"/>
-                  </a:srgbClr>
-                </a:outerShdw>
-              </a:effectLst>
-              <a:latin typeface="+mn-lt"/>
-            </a:endParaRPr>
+          <a:bodyPr anchor="b"/>
+          <a:lstStyle>
+            <a:lvl1pPr>
+              <a:defRPr sz="6000"/>
+            </a:lvl1pPr>
+          </a:lstStyle>
+          <a:p>
+            <a:r>
+              <a:rPr lang="en-US" smtClean="0"/>
+              <a:t>Click to edit Master title style</a:t>
+            </a:r>
+            <a:endParaRPr lang="en-US"/>
           </a:p>
         </p:txBody>
       </p:sp>
@@ -1026,26 +931,26 @@
         </p:nvSpPr>
         <p:spPr>
           <a:xfrm>
-            <a:off x="6096000" y="4267368"/>
-            <a:ext cx="4978400" cy="731520"/>
+            <a:off x="831850" y="4589463"/>
+            <a:ext cx="10515600" cy="1500187"/>
           </a:xfrm>
         </p:spPr>
         <p:txBody>
-          <a:bodyPr anchor="ctr">
-            <a:normAutofit/>
-          </a:bodyPr>
+          <a:bodyPr/>
           <a:lstStyle>
             <a:lvl1pPr marL="0" indent="0">
               <a:buNone/>
-              <a:defRPr sz="1800">
+              <a:defRPr sz="2400">
                 <a:solidFill>
-                  <a:schemeClr val="tx1"/>
+                  <a:schemeClr val="tx1">
+                    <a:tint val="75000"/>
+                  </a:schemeClr>
                 </a:solidFill>
               </a:defRPr>
             </a:lvl1pPr>
             <a:lvl2pPr marL="457200" indent="0">
               <a:buNone/>
-              <a:defRPr sz="1800">
+              <a:defRPr sz="2000">
                 <a:solidFill>
                   <a:schemeClr val="tx1">
                     <a:tint val="75000"/>
@@ -1055,7 +960,7 @@
             </a:lvl2pPr>
             <a:lvl3pPr marL="914400" indent="0">
               <a:buNone/>
-              <a:defRPr sz="1600">
+              <a:defRPr sz="1800">
                 <a:solidFill>
                   <a:schemeClr val="tx1">
                     <a:tint val="75000"/>
@@ -1065,7 +970,7 @@
             </a:lvl3pPr>
             <a:lvl4pPr marL="1371600" indent="0">
               <a:buNone/>
-              <a:defRPr sz="1400">
+              <a:defRPr sz="1600">
                 <a:solidFill>
                   <a:schemeClr val="tx1">
                     <a:tint val="75000"/>
@@ -1075,7 +980,7 @@
             </a:lvl4pPr>
             <a:lvl5pPr marL="1828800" indent="0">
               <a:buNone/>
-              <a:defRPr sz="1400">
+              <a:defRPr sz="1600">
                 <a:solidFill>
                   <a:schemeClr val="tx1">
                     <a:tint val="75000"/>
@@ -1085,7 +990,7 @@
             </a:lvl5pPr>
             <a:lvl6pPr marL="2286000" indent="0">
               <a:buNone/>
-              <a:defRPr sz="1400">
+              <a:defRPr sz="1600">
                 <a:solidFill>
                   <a:schemeClr val="tx1">
                     <a:tint val="75000"/>
@@ -1095,7 +1000,7 @@
             </a:lvl6pPr>
             <a:lvl7pPr marL="2743200" indent="0">
               <a:buNone/>
-              <a:defRPr sz="1400">
+              <a:defRPr sz="1600">
                 <a:solidFill>
                   <a:schemeClr val="tx1">
                     <a:tint val="75000"/>
@@ -1105,7 +1010,7 @@
             </a:lvl7pPr>
             <a:lvl8pPr marL="3200400" indent="0">
               <a:buNone/>
-              <a:defRPr sz="1400">
+              <a:defRPr sz="1600">
                 <a:solidFill>
                   <a:schemeClr val="tx1">
                     <a:tint val="75000"/>
@@ -1115,7 +1020,7 @@
             </a:lvl8pPr>
             <a:lvl9pPr marL="3657600" indent="0">
               <a:buNone/>
-              <a:defRPr sz="1400">
+              <a:defRPr sz="1600">
                 <a:solidFill>
                   <a:schemeClr val="tx1">
                     <a:tint val="75000"/>
@@ -1127,15 +1032,15 @@
           <a:p>
             <a:pPr lvl="0"/>
             <a:r>
-              <a:rPr lang="fr-FR" smtClean="0"/>
-              <a:t>Modifiez les styles du texte du masque</a:t>
-            </a:r>
-          </a:p>
-        </p:txBody>
-      </p:sp>
-      <p:sp>
-        <p:nvSpPr>
-          <p:cNvPr id="12" name="Date Placeholder 11"/>
+              <a:rPr lang="en-US" smtClean="0"/>
+              <a:t>Click to edit Master text styles</a:t>
+            </a:r>
+          </a:p>
+        </p:txBody>
+      </p:sp>
+      <p:sp>
+        <p:nvSpPr>
+          <p:cNvPr id="4" name="Date Placeholder 3"/>
           <p:cNvSpPr>
             <a:spLocks noGrp="1"/>
           </p:cNvSpPr>
@@ -1158,12 +1063,36 @@
       </p:sp>
       <p:sp>
         <p:nvSpPr>
-          <p:cNvPr id="13" name="Slide Number Placeholder 12"/>
-          <p:cNvSpPr>
-            <a:spLocks noGrp="1"/>
-          </p:cNvSpPr>
-          <p:nvPr>
-            <p:ph type="sldNum" sz="quarter" idx="11"/>
+          <p:cNvPr id="5" name="Footer Placeholder 4"/>
+          <p:cNvSpPr>
+            <a:spLocks noGrp="1"/>
+          </p:cNvSpPr>
+          <p:nvPr>
+            <p:ph type="ftr" sz="quarter" idx="11"/>
+          </p:nvPr>
+        </p:nvSpPr>
+        <p:spPr/>
+        <p:txBody>
+          <a:bodyPr/>
+          <a:lstStyle/>
+          <a:p>
+            <a:r>
+              <a:rPr lang="en-US" smtClean="0"/>
+              <a:t>
+              </a:t>
+            </a:r>
+            <a:endParaRPr lang="en-US" dirty="0"/>
+          </a:p>
+        </p:txBody>
+      </p:sp>
+      <p:sp>
+        <p:nvSpPr>
+          <p:cNvPr id="6" name="Slide Number Placeholder 5"/>
+          <p:cNvSpPr>
+            <a:spLocks noGrp="1"/>
+          </p:cNvSpPr>
+          <p:nvPr>
+            <p:ph type="sldNum" sz="quarter" idx="12"/>
           </p:nvPr>
         </p:nvSpPr>
         <p:spPr/>
@@ -1174,87 +1103,18 @@
             <a:fld id="{D57F1E4F-1CFF-5643-939E-217C01CDF565}" type="slidenum">
               <a:rPr lang="en-US" smtClean="0"/>
               <a:pPr/>
-              <a:t>‹N°›</a:t>
+              <a:t>‹#›</a:t>
             </a:fld>
             <a:endParaRPr lang="en-US" dirty="0"/>
           </a:p>
         </p:txBody>
       </p:sp>
-      <p:sp>
-        <p:nvSpPr>
-          <p:cNvPr id="14" name="Footer Placeholder 13"/>
-          <p:cNvSpPr>
-            <a:spLocks noGrp="1"/>
-          </p:cNvSpPr>
-          <p:nvPr>
-            <p:ph type="ftr" sz="quarter" idx="12"/>
-          </p:nvPr>
-        </p:nvSpPr>
-        <p:spPr/>
-        <p:txBody>
-          <a:bodyPr/>
-          <a:lstStyle/>
-          <a:p>
-            <a:r>
-              <a:rPr lang="en-US" smtClean="0"/>
-              <a:t>
-              </a:t>
-            </a:r>
-            <a:endParaRPr lang="en-US" dirty="0"/>
-          </a:p>
-        </p:txBody>
-      </p:sp>
-      <p:sp>
-        <p:nvSpPr>
-          <p:cNvPr id="4" name="Title 3"/>
-          <p:cNvSpPr>
-            <a:spLocks noGrp="1"/>
-          </p:cNvSpPr>
-          <p:nvPr>
-            <p:ph type="title"/>
-          </p:nvPr>
-        </p:nvSpPr>
-        <p:spPr>
-          <a:xfrm>
-            <a:off x="3048000" y="1905000"/>
-            <a:ext cx="8046720" cy="2350008"/>
-          </a:xfrm>
-        </p:spPr>
-        <p:txBody>
-          <a:bodyPr/>
-          <a:lstStyle>
-            <a:lvl1pPr marL="0" algn="l" defTabSz="914400" rtl="0" eaLnBrk="1" latinLnBrk="0" hangingPunct="1">
-              <a:spcBef>
-                <a:spcPct val="0"/>
-              </a:spcBef>
-              <a:buNone/>
-              <a:defRPr lang="en-US" sz="5400" b="0" kern="1200" cap="none" dirty="0" smtClean="0">
-                <a:solidFill>
-                  <a:schemeClr val="tx1"/>
-                </a:solidFill>
-                <a:effectLst>
-                  <a:outerShdw blurRad="38100" dist="38100" dir="2700000" algn="tl">
-                    <a:srgbClr val="000000">
-                      <a:alpha val="43137"/>
-                    </a:srgbClr>
-                  </a:outerShdw>
-                </a:effectLst>
-                <a:latin typeface="+mj-lt"/>
-                <a:ea typeface="+mj-ea"/>
-                <a:cs typeface="+mj-cs"/>
-              </a:defRPr>
-            </a:lvl1pPr>
-          </a:lstStyle>
-          <a:p>
-            <a:r>
-              <a:rPr lang="fr-FR" smtClean="0"/>
-              <a:t>Modifiez le style du titre</a:t>
-            </a:r>
-            <a:endParaRPr lang="en-US" dirty="0"/>
-          </a:p>
-        </p:txBody>
-      </p:sp>
     </p:spTree>
+    <p:extLst>
+      <p:ext uri="{BB962C8B-B14F-4D97-AF65-F5344CB8AC3E}">
+        <p14:creationId xmlns:p14="http://schemas.microsoft.com/office/powerpoint/2010/main" val="2112582724"/>
+      </p:ext>
+    </p:extLst>
   </p:cSld>
   <p:clrMapOvr>
     <a:masterClrMapping/>
@@ -1265,7 +1125,7 @@
 
 <file path=ppt/slideLayouts/slideLayout4.xml><?xml version="1.0" encoding="utf-8"?>
 <p:sldLayout xmlns:a="http://schemas.openxmlformats.org/drawingml/2006/main" xmlns:r="http://schemas.openxmlformats.org/officeDocument/2006/relationships" xmlns:p="http://schemas.openxmlformats.org/presentationml/2006/main" type="twoObj" preserve="1">
-  <p:cSld name="Deux contenus">
+  <p:cSld name="Two Content">
     <p:spTree>
       <p:nvGrpSpPr>
         <p:cNvPr id="1" name=""/>
@@ -1282,7 +1142,144 @@
       </p:grpSpPr>
       <p:sp>
         <p:nvSpPr>
-          <p:cNvPr id="8" name="Date Placeholder 7"/>
+          <p:cNvPr id="2" name="Title 1"/>
+          <p:cNvSpPr>
+            <a:spLocks noGrp="1"/>
+          </p:cNvSpPr>
+          <p:nvPr>
+            <p:ph type="title"/>
+          </p:nvPr>
+        </p:nvSpPr>
+        <p:spPr/>
+        <p:txBody>
+          <a:bodyPr/>
+          <a:lstStyle/>
+          <a:p>
+            <a:r>
+              <a:rPr lang="en-US" smtClean="0"/>
+              <a:t>Click to edit Master title style</a:t>
+            </a:r>
+            <a:endParaRPr lang="en-US"/>
+          </a:p>
+        </p:txBody>
+      </p:sp>
+      <p:sp>
+        <p:nvSpPr>
+          <p:cNvPr id="3" name="Content Placeholder 2"/>
+          <p:cNvSpPr>
+            <a:spLocks noGrp="1"/>
+          </p:cNvSpPr>
+          <p:nvPr>
+            <p:ph sz="half" idx="1"/>
+          </p:nvPr>
+        </p:nvSpPr>
+        <p:spPr>
+          <a:xfrm>
+            <a:off x="838200" y="1825625"/>
+            <a:ext cx="5181600" cy="4351338"/>
+          </a:xfrm>
+        </p:spPr>
+        <p:txBody>
+          <a:bodyPr/>
+          <a:lstStyle/>
+          <a:p>
+            <a:pPr lvl="0"/>
+            <a:r>
+              <a:rPr lang="en-US" smtClean="0"/>
+              <a:t>Click to edit Master text styles</a:t>
+            </a:r>
+          </a:p>
+          <a:p>
+            <a:pPr lvl="1"/>
+            <a:r>
+              <a:rPr lang="en-US" smtClean="0"/>
+              <a:t>Second level</a:t>
+            </a:r>
+          </a:p>
+          <a:p>
+            <a:pPr lvl="2"/>
+            <a:r>
+              <a:rPr lang="en-US" smtClean="0"/>
+              <a:t>Third level</a:t>
+            </a:r>
+          </a:p>
+          <a:p>
+            <a:pPr lvl="3"/>
+            <a:r>
+              <a:rPr lang="en-US" smtClean="0"/>
+              <a:t>Fourth level</a:t>
+            </a:r>
+          </a:p>
+          <a:p>
+            <a:pPr lvl="4"/>
+            <a:r>
+              <a:rPr lang="en-US" smtClean="0"/>
+              <a:t>Fifth level</a:t>
+            </a:r>
+            <a:endParaRPr lang="en-US"/>
+          </a:p>
+        </p:txBody>
+      </p:sp>
+      <p:sp>
+        <p:nvSpPr>
+          <p:cNvPr id="4" name="Content Placeholder 3"/>
+          <p:cNvSpPr>
+            <a:spLocks noGrp="1"/>
+          </p:cNvSpPr>
+          <p:nvPr>
+            <p:ph sz="half" idx="2"/>
+          </p:nvPr>
+        </p:nvSpPr>
+        <p:spPr>
+          <a:xfrm>
+            <a:off x="6172200" y="1825625"/>
+            <a:ext cx="5181600" cy="4351338"/>
+          </a:xfrm>
+        </p:spPr>
+        <p:txBody>
+          <a:bodyPr/>
+          <a:lstStyle/>
+          <a:p>
+            <a:pPr lvl="0"/>
+            <a:r>
+              <a:rPr lang="en-US" smtClean="0"/>
+              <a:t>Click to edit Master text styles</a:t>
+            </a:r>
+          </a:p>
+          <a:p>
+            <a:pPr lvl="1"/>
+            <a:r>
+              <a:rPr lang="en-US" smtClean="0"/>
+              <a:t>Second level</a:t>
+            </a:r>
+          </a:p>
+          <a:p>
+            <a:pPr lvl="2"/>
+            <a:r>
+              <a:rPr lang="en-US" smtClean="0"/>
+              <a:t>Third level</a:t>
+            </a:r>
+          </a:p>
+          <a:p>
+            <a:pPr lvl="3"/>
+            <a:r>
+              <a:rPr lang="en-US" smtClean="0"/>
+              <a:t>Fourth level</a:t>
+            </a:r>
+          </a:p>
+          <a:p>
+            <a:pPr lvl="4"/>
+            <a:r>
+              <a:rPr lang="en-US" smtClean="0"/>
+              <a:t>Fifth level</a:t>
+            </a:r>
+            <a:endParaRPr lang="en-US"/>
+          </a:p>
+        </p:txBody>
+      </p:sp>
+      <p:sp>
+        <p:nvSpPr>
+          <p:cNvPr id="5" name="Date Placeholder 4"/>
           <p:cNvSpPr>
             <a:spLocks noGrp="1"/>
           </p:cNvSpPr>
@@ -1305,12 +1302,36 @@
       </p:sp>
       <p:sp>
         <p:nvSpPr>
-          <p:cNvPr id="9" name="Slide Number Placeholder 8"/>
-          <p:cNvSpPr>
-            <a:spLocks noGrp="1"/>
-          </p:cNvSpPr>
-          <p:nvPr>
-            <p:ph type="sldNum" sz="quarter" idx="11"/>
+          <p:cNvPr id="6" name="Footer Placeholder 5"/>
+          <p:cNvSpPr>
+            <a:spLocks noGrp="1"/>
+          </p:cNvSpPr>
+          <p:nvPr>
+            <p:ph type="ftr" sz="quarter" idx="11"/>
+          </p:nvPr>
+        </p:nvSpPr>
+        <p:spPr/>
+        <p:txBody>
+          <a:bodyPr/>
+          <a:lstStyle/>
+          <a:p>
+            <a:r>
+              <a:rPr lang="en-US" smtClean="0"/>
+              <a:t>
+              </a:t>
+            </a:r>
+            <a:endParaRPr lang="en-US" dirty="0"/>
+          </a:p>
+        </p:txBody>
+      </p:sp>
+      <p:sp>
+        <p:nvSpPr>
+          <p:cNvPr id="7" name="Slide Number Placeholder 6"/>
+          <p:cNvSpPr>
+            <a:spLocks noGrp="1"/>
+          </p:cNvSpPr>
+          <p:nvPr>
+            <p:ph type="sldNum" sz="quarter" idx="12"/>
           </p:nvPr>
         </p:nvSpPr>
         <p:spPr/>
@@ -1321,174 +1342,18 @@
             <a:fld id="{D57F1E4F-1CFF-5643-939E-217C01CDF565}" type="slidenum">
               <a:rPr lang="en-US" smtClean="0"/>
               <a:pPr/>
-              <a:t>‹N°›</a:t>
+              <a:t>‹#›</a:t>
             </a:fld>
             <a:endParaRPr lang="en-US" dirty="0"/>
           </a:p>
         </p:txBody>
       </p:sp>
-      <p:sp>
-        <p:nvSpPr>
-          <p:cNvPr id="10" name="Footer Placeholder 9"/>
-          <p:cNvSpPr>
-            <a:spLocks noGrp="1"/>
-          </p:cNvSpPr>
-          <p:nvPr>
-            <p:ph type="ftr" sz="quarter" idx="12"/>
-          </p:nvPr>
-        </p:nvSpPr>
-        <p:spPr/>
-        <p:txBody>
-          <a:bodyPr/>
-          <a:lstStyle/>
-          <a:p>
-            <a:r>
-              <a:rPr lang="en-US" smtClean="0"/>
-              <a:t>
-              </a:t>
-            </a:r>
-            <a:endParaRPr lang="en-US" dirty="0"/>
-          </a:p>
-        </p:txBody>
-      </p:sp>
-      <p:sp>
-        <p:nvSpPr>
-          <p:cNvPr id="11" name="Title 10"/>
-          <p:cNvSpPr>
-            <a:spLocks noGrp="1"/>
-          </p:cNvSpPr>
-          <p:nvPr>
-            <p:ph type="title"/>
-          </p:nvPr>
-        </p:nvSpPr>
-        <p:spPr/>
-        <p:txBody>
-          <a:bodyPr/>
-          <a:lstStyle/>
-          <a:p>
-            <a:r>
-              <a:rPr lang="fr-FR" smtClean="0"/>
-              <a:t>Modifiez le style du titre</a:t>
-            </a:r>
-            <a:endParaRPr lang="en-US" dirty="0"/>
-          </a:p>
-        </p:txBody>
-      </p:sp>
-      <p:sp>
-        <p:nvSpPr>
-          <p:cNvPr id="5" name="Content Placeholder 4"/>
-          <p:cNvSpPr>
-            <a:spLocks noGrp="1"/>
-          </p:cNvSpPr>
-          <p:nvPr>
-            <p:ph sz="quarter" idx="13"/>
-          </p:nvPr>
-        </p:nvSpPr>
-        <p:spPr>
-          <a:xfrm>
-            <a:off x="1792224" y="658368"/>
-            <a:ext cx="4364736" cy="3429000"/>
-          </a:xfrm>
-        </p:spPr>
-        <p:txBody>
-          <a:bodyPr/>
-          <a:lstStyle/>
-          <a:p>
-            <a:pPr lvl="0"/>
-            <a:r>
-              <a:rPr lang="fr-FR" smtClean="0"/>
-              <a:t>Modifiez les styles du texte du masque</a:t>
-            </a:r>
-          </a:p>
-          <a:p>
-            <a:pPr lvl="1"/>
-            <a:r>
-              <a:rPr lang="fr-FR" smtClean="0"/>
-              <a:t>Deuxième niveau</a:t>
-            </a:r>
-          </a:p>
-          <a:p>
-            <a:pPr lvl="2"/>
-            <a:r>
-              <a:rPr lang="fr-FR" smtClean="0"/>
-              <a:t>Troisième niveau</a:t>
-            </a:r>
-          </a:p>
-          <a:p>
-            <a:pPr lvl="3"/>
-            <a:r>
-              <a:rPr lang="fr-FR" smtClean="0"/>
-              <a:t>Quatrième niveau</a:t>
-            </a:r>
-          </a:p>
-          <a:p>
-            <a:pPr lvl="4"/>
-            <a:r>
-              <a:rPr lang="fr-FR" smtClean="0"/>
-              <a:t>Cinquième niveau</a:t>
-            </a:r>
-            <a:endParaRPr lang="en-US" dirty="0"/>
-          </a:p>
-        </p:txBody>
-      </p:sp>
-      <p:sp>
-        <p:nvSpPr>
-          <p:cNvPr id="7" name="Content Placeholder 6"/>
-          <p:cNvSpPr>
-            <a:spLocks noGrp="1"/>
-          </p:cNvSpPr>
-          <p:nvPr>
-            <p:ph sz="quarter" idx="14"/>
-          </p:nvPr>
-        </p:nvSpPr>
-        <p:spPr>
-          <a:xfrm>
-            <a:off x="6705600" y="658369"/>
-            <a:ext cx="4364736" cy="3432175"/>
-          </a:xfrm>
-        </p:spPr>
-        <p:txBody>
-          <a:bodyPr/>
-          <a:lstStyle/>
-          <a:p>
-            <a:pPr lvl="0"/>
-            <a:r>
-              <a:rPr lang="fr-FR" smtClean="0"/>
-              <a:t>Modifiez les styles du texte du masque</a:t>
-            </a:r>
-          </a:p>
-          <a:p>
-            <a:pPr lvl="1"/>
-            <a:r>
-              <a:rPr lang="fr-FR" smtClean="0"/>
-              <a:t>Deuxième niveau</a:t>
-            </a:r>
-          </a:p>
-          <a:p>
-            <a:pPr lvl="2"/>
-            <a:r>
-              <a:rPr lang="fr-FR" smtClean="0"/>
-              <a:t>Troisième niveau</a:t>
-            </a:r>
-          </a:p>
-          <a:p>
-            <a:pPr lvl="3"/>
-            <a:r>
-              <a:rPr lang="fr-FR" smtClean="0"/>
-              <a:t>Quatrième niveau</a:t>
-            </a:r>
-          </a:p>
-          <a:p>
-            <a:pPr lvl="4"/>
-            <a:r>
-              <a:rPr lang="fr-FR" smtClean="0"/>
-              <a:t>Cinquième niveau</a:t>
-            </a:r>
-            <a:endParaRPr lang="en-US"/>
-          </a:p>
-        </p:txBody>
-      </p:sp>
     </p:spTree>
+    <p:extLst>
+      <p:ext uri="{BB962C8B-B14F-4D97-AF65-F5344CB8AC3E}">
+        <p14:creationId xmlns:p14="http://schemas.microsoft.com/office/powerpoint/2010/main" val="319767841"/>
+      </p:ext>
+    </p:extLst>
   </p:cSld>
   <p:clrMapOvr>
     <a:masterClrMapping/>
@@ -1499,7 +1364,7 @@
 
 <file path=ppt/slideLayouts/slideLayout5.xml><?xml version="1.0" encoding="utf-8"?>
 <p:sldLayout xmlns:a="http://schemas.openxmlformats.org/drawingml/2006/main" xmlns:r="http://schemas.openxmlformats.org/officeDocument/2006/relationships" xmlns:p="http://schemas.openxmlformats.org/presentationml/2006/main" type="twoTxTwoObj" preserve="1">
-  <p:cSld name="Comparaison">
+  <p:cSld name="Comparison">
     <p:spTree>
       <p:nvGrpSpPr>
         <p:cNvPr id="1" name=""/>
@@ -1516,28 +1381,54 @@
       </p:grpSpPr>
       <p:sp>
         <p:nvSpPr>
-          <p:cNvPr id="3" name="Text Placeholder 2"/>
-          <p:cNvSpPr>
-            <a:spLocks noGrp="1"/>
-          </p:cNvSpPr>
-          <p:nvPr>
-            <p:ph type="body" idx="1"/>
+          <p:cNvPr id="2" name="Title 1"/>
+          <p:cNvSpPr>
+            <a:spLocks noGrp="1"/>
+          </p:cNvSpPr>
+          <p:nvPr>
+            <p:ph type="title"/>
           </p:nvPr>
         </p:nvSpPr>
         <p:spPr>
           <a:xfrm>
-            <a:off x="1788160" y="661976"/>
-            <a:ext cx="4364736" cy="639762"/>
+            <a:off x="839788" y="365125"/>
+            <a:ext cx="10515600" cy="1325563"/>
           </a:xfrm>
         </p:spPr>
         <p:txBody>
-          <a:bodyPr anchor="ctr">
-            <a:noAutofit/>
-          </a:bodyPr>
+          <a:bodyPr/>
+          <a:lstStyle/>
+          <a:p>
+            <a:r>
+              <a:rPr lang="en-US" smtClean="0"/>
+              <a:t>Click to edit Master title style</a:t>
+            </a:r>
+            <a:endParaRPr lang="en-US"/>
+          </a:p>
+        </p:txBody>
+      </p:sp>
+      <p:sp>
+        <p:nvSpPr>
+          <p:cNvPr id="3" name="Text Placeholder 2"/>
+          <p:cNvSpPr>
+            <a:spLocks noGrp="1"/>
+          </p:cNvSpPr>
+          <p:nvPr>
+            <p:ph type="body" idx="1"/>
+          </p:nvPr>
+        </p:nvSpPr>
+        <p:spPr>
+          <a:xfrm>
+            <a:off x="839788" y="1681163"/>
+            <a:ext cx="5157787" cy="823912"/>
+          </a:xfrm>
+        </p:spPr>
+        <p:txBody>
+          <a:bodyPr anchor="b"/>
           <a:lstStyle>
             <a:lvl1pPr marL="0" indent="0">
               <a:buNone/>
-              <a:defRPr sz="2200" b="0"/>
+              <a:defRPr sz="2400" b="1"/>
             </a:lvl1pPr>
             <a:lvl2pPr marL="457200" indent="0">
               <a:buNone/>
@@ -1575,8 +1466,8 @@
           <a:p>
             <a:pPr lvl="0"/>
             <a:r>
-              <a:rPr lang="fr-FR" smtClean="0"/>
-              <a:t>Modifiez les styles du texte du masque</a:t>
+              <a:rPr lang="en-US" smtClean="0"/>
+              <a:t>Click to edit Master text styles</a:t>
             </a:r>
           </a:p>
         </p:txBody>
@@ -1593,76 +1484,48 @@
         </p:nvSpPr>
         <p:spPr>
           <a:xfrm>
-            <a:off x="1792224" y="1371600"/>
-            <a:ext cx="4368800" cy="2743200"/>
+            <a:off x="839788" y="2505075"/>
+            <a:ext cx="5157787" cy="3684588"/>
           </a:xfrm>
         </p:spPr>
         <p:txBody>
-          <a:bodyPr anchor="t"/>
-          <a:lstStyle>
-            <a:lvl1pPr>
-              <a:defRPr sz="2400"/>
-            </a:lvl1pPr>
-            <a:lvl2pPr>
-              <a:defRPr sz="2000"/>
-            </a:lvl2pPr>
-            <a:lvl3pPr>
-              <a:defRPr sz="1800"/>
-            </a:lvl3pPr>
-            <a:lvl4pPr>
-              <a:defRPr sz="1600"/>
-            </a:lvl4pPr>
-            <a:lvl5pPr>
-              <a:defRPr sz="1600"/>
-            </a:lvl5pPr>
-            <a:lvl6pPr>
-              <a:defRPr sz="1600"/>
-            </a:lvl6pPr>
-            <a:lvl7pPr>
-              <a:defRPr sz="1600"/>
-            </a:lvl7pPr>
-            <a:lvl8pPr>
-              <a:defRPr sz="1600"/>
-            </a:lvl8pPr>
-            <a:lvl9pPr>
-              <a:defRPr sz="1600"/>
-            </a:lvl9pPr>
-          </a:lstStyle>
+          <a:bodyPr/>
+          <a:lstStyle/>
           <a:p>
             <a:pPr lvl="0"/>
             <a:r>
-              <a:rPr lang="fr-FR" smtClean="0"/>
-              <a:t>Modifiez les styles du texte du masque</a:t>
+              <a:rPr lang="en-US" smtClean="0"/>
+              <a:t>Click to edit Master text styles</a:t>
             </a:r>
           </a:p>
           <a:p>
             <a:pPr lvl="1"/>
             <a:r>
-              <a:rPr lang="fr-FR" smtClean="0"/>
-              <a:t>Deuxième niveau</a:t>
+              <a:rPr lang="en-US" smtClean="0"/>
+              <a:t>Second level</a:t>
             </a:r>
           </a:p>
           <a:p>
             <a:pPr lvl="2"/>
             <a:r>
-              <a:rPr lang="fr-FR" smtClean="0"/>
-              <a:t>Troisième niveau</a:t>
+              <a:rPr lang="en-US" smtClean="0"/>
+              <a:t>Third level</a:t>
             </a:r>
           </a:p>
           <a:p>
             <a:pPr lvl="3"/>
             <a:r>
-              <a:rPr lang="fr-FR" smtClean="0"/>
-              <a:t>Quatrième niveau</a:t>
+              <a:rPr lang="en-US" smtClean="0"/>
+              <a:t>Fourth level</a:t>
             </a:r>
           </a:p>
           <a:p>
             <a:pPr lvl="4"/>
             <a:r>
-              <a:rPr lang="fr-FR" smtClean="0"/>
-              <a:t>Cinquième niveau</a:t>
-            </a:r>
-            <a:endParaRPr lang="en-US" dirty="0"/>
+              <a:rPr lang="en-US" smtClean="0"/>
+              <a:t>Fifth level</a:t>
+            </a:r>
+            <a:endParaRPr lang="en-US"/>
           </a:p>
         </p:txBody>
       </p:sp>
@@ -1678,18 +1541,16 @@
         </p:nvSpPr>
         <p:spPr>
           <a:xfrm>
-            <a:off x="6705600" y="661976"/>
-            <a:ext cx="4364736" cy="639762"/>
+            <a:off x="6172200" y="1681163"/>
+            <a:ext cx="5183188" cy="823912"/>
           </a:xfrm>
         </p:spPr>
         <p:txBody>
-          <a:bodyPr anchor="ctr">
-            <a:noAutofit/>
-          </a:bodyPr>
+          <a:bodyPr anchor="b"/>
           <a:lstStyle>
             <a:lvl1pPr marL="0" indent="0">
               <a:buNone/>
-              <a:defRPr sz="2200" b="0"/>
+              <a:defRPr sz="2400" b="1"/>
             </a:lvl1pPr>
             <a:lvl2pPr marL="457200" indent="0">
               <a:buNone/>
@@ -1727,8 +1588,8 @@
           <a:p>
             <a:pPr lvl="0"/>
             <a:r>
-              <a:rPr lang="fr-FR" smtClean="0"/>
-              <a:t>Modifiez les styles du texte du masque</a:t>
+              <a:rPr lang="en-US" smtClean="0"/>
+              <a:t>Click to edit Master text styles</a:t>
             </a:r>
           </a:p>
         </p:txBody>
@@ -1745,201 +1606,54 @@
         </p:nvSpPr>
         <p:spPr>
           <a:xfrm>
-            <a:off x="6705600" y="1371600"/>
-            <a:ext cx="4364736" cy="2743200"/>
+            <a:off x="6172200" y="2505075"/>
+            <a:ext cx="5183188" cy="3684588"/>
           </a:xfrm>
         </p:spPr>
         <p:txBody>
-          <a:bodyPr anchor="t"/>
-          <a:lstStyle>
-            <a:lvl1pPr>
-              <a:defRPr sz="2400"/>
-            </a:lvl1pPr>
-            <a:lvl2pPr>
-              <a:defRPr sz="2000"/>
-            </a:lvl2pPr>
-            <a:lvl3pPr>
-              <a:defRPr sz="1800"/>
-            </a:lvl3pPr>
-            <a:lvl4pPr>
-              <a:defRPr sz="1600"/>
-            </a:lvl4pPr>
-            <a:lvl5pPr>
-              <a:defRPr sz="1600"/>
-            </a:lvl5pPr>
-            <a:lvl6pPr>
-              <a:defRPr sz="1600"/>
-            </a:lvl6pPr>
-            <a:lvl7pPr>
-              <a:defRPr sz="1600"/>
-            </a:lvl7pPr>
-            <a:lvl8pPr>
-              <a:defRPr sz="1600"/>
-            </a:lvl8pPr>
-            <a:lvl9pPr>
-              <a:defRPr sz="1600"/>
-            </a:lvl9pPr>
-          </a:lstStyle>
+          <a:bodyPr/>
+          <a:lstStyle/>
           <a:p>
             <a:pPr lvl="0"/>
             <a:r>
-              <a:rPr lang="fr-FR" smtClean="0"/>
-              <a:t>Modifiez les styles du texte du masque</a:t>
+              <a:rPr lang="en-US" smtClean="0"/>
+              <a:t>Click to edit Master text styles</a:t>
             </a:r>
           </a:p>
           <a:p>
             <a:pPr lvl="1"/>
             <a:r>
-              <a:rPr lang="fr-FR" smtClean="0"/>
-              <a:t>Deuxième niveau</a:t>
+              <a:rPr lang="en-US" smtClean="0"/>
+              <a:t>Second level</a:t>
             </a:r>
           </a:p>
           <a:p>
             <a:pPr lvl="2"/>
             <a:r>
-              <a:rPr lang="fr-FR" smtClean="0"/>
-              <a:t>Troisième niveau</a:t>
+              <a:rPr lang="en-US" smtClean="0"/>
+              <a:t>Third level</a:t>
             </a:r>
           </a:p>
           <a:p>
             <a:pPr lvl="3"/>
             <a:r>
-              <a:rPr lang="fr-FR" smtClean="0"/>
-              <a:t>Quatrième niveau</a:t>
+              <a:rPr lang="en-US" smtClean="0"/>
+              <a:t>Fourth level</a:t>
             </a:r>
           </a:p>
           <a:p>
             <a:pPr lvl="4"/>
             <a:r>
-              <a:rPr lang="fr-FR" smtClean="0"/>
-              <a:t>Cinquième niveau</a:t>
-            </a:r>
-            <a:endParaRPr lang="en-US" dirty="0"/>
-          </a:p>
-        </p:txBody>
-      </p:sp>
-      <p:sp>
-        <p:nvSpPr>
-          <p:cNvPr id="13" name="TextBox 12"/>
-          <p:cNvSpPr txBox="1"/>
-          <p:nvPr/>
-        </p:nvSpPr>
-        <p:spPr>
-          <a:xfrm>
-            <a:off x="1408853" y="520192"/>
-            <a:ext cx="609600" cy="923330"/>
-          </a:xfrm>
-          <a:prstGeom prst="rect">
-            <a:avLst/>
-          </a:prstGeom>
-          <a:noFill/>
-        </p:spPr>
-        <p:txBody>
-          <a:bodyPr wrap="square" lIns="0" tIns="0" rIns="0" bIns="0" rtlCol="0" anchor="t" anchorCtr="0">
-            <a:spAutoFit/>
-          </a:bodyPr>
-          <a:lstStyle/>
-          <a:p>
-            <a:r>
-              <a:rPr lang="en-US" sz="6000" dirty="0" smtClean="0">
-                <a:effectLst>
-                  <a:outerShdw blurRad="38100" dist="38100" dir="2700000" algn="tl">
-                    <a:srgbClr val="000000">
-                      <a:alpha val="43137"/>
-                    </a:srgbClr>
-                  </a:outerShdw>
-                </a:effectLst>
-                <a:latin typeface="+mn-lt"/>
-              </a:rPr>
-              <a:t>{</a:t>
-            </a:r>
-            <a:endParaRPr lang="en-US" sz="6000" dirty="0">
-              <a:effectLst>
-                <a:outerShdw blurRad="38100" dist="38100" dir="2700000" algn="tl">
-                  <a:srgbClr val="000000">
-                    <a:alpha val="43137"/>
-                  </a:srgbClr>
-                </a:outerShdw>
-              </a:effectLst>
-              <a:latin typeface="+mn-lt"/>
-            </a:endParaRPr>
-          </a:p>
-        </p:txBody>
-      </p:sp>
-      <p:sp>
-        <p:nvSpPr>
-          <p:cNvPr id="18" name="TextBox 17"/>
-          <p:cNvSpPr txBox="1"/>
-          <p:nvPr/>
-        </p:nvSpPr>
-        <p:spPr>
-          <a:xfrm>
-            <a:off x="6373707" y="520192"/>
-            <a:ext cx="609600" cy="923330"/>
-          </a:xfrm>
-          <a:prstGeom prst="rect">
-            <a:avLst/>
-          </a:prstGeom>
-          <a:noFill/>
-        </p:spPr>
-        <p:txBody>
-          <a:bodyPr wrap="square" lIns="0" tIns="0" rIns="0" bIns="0" rtlCol="0" anchor="t" anchorCtr="0">
-            <a:spAutoFit/>
-          </a:bodyPr>
-          <a:lstStyle/>
-          <a:p>
-            <a:r>
-              <a:rPr lang="en-US" sz="6000" dirty="0" smtClean="0">
-                <a:effectLst>
-                  <a:outerShdw blurRad="38100" dist="38100" dir="2700000" algn="tl">
-                    <a:srgbClr val="000000">
-                      <a:alpha val="43137"/>
-                    </a:srgbClr>
-                  </a:outerShdw>
-                </a:effectLst>
-                <a:latin typeface="+mn-lt"/>
-              </a:rPr>
-              <a:t>{</a:t>
-            </a:r>
-            <a:endParaRPr lang="en-US" sz="6000" dirty="0">
-              <a:effectLst>
-                <a:outerShdw blurRad="38100" dist="38100" dir="2700000" algn="tl">
-                  <a:srgbClr val="000000">
-                    <a:alpha val="43137"/>
-                  </a:srgbClr>
-                </a:outerShdw>
-              </a:effectLst>
-              <a:latin typeface="+mn-lt"/>
-            </a:endParaRPr>
-          </a:p>
-        </p:txBody>
-      </p:sp>
-      <p:sp>
-        <p:nvSpPr>
-          <p:cNvPr id="12" name="Title 11"/>
-          <p:cNvSpPr>
-            <a:spLocks noGrp="1"/>
-          </p:cNvSpPr>
-          <p:nvPr>
-            <p:ph type="title"/>
-          </p:nvPr>
-        </p:nvSpPr>
-        <p:spPr/>
-        <p:txBody>
-          <a:bodyPr/>
-          <a:lstStyle/>
-          <a:p>
-            <a:r>
-              <a:rPr lang="fr-FR" smtClean="0"/>
-              <a:t>Modifiez le style du titre</a:t>
-            </a:r>
-            <a:endParaRPr lang="en-US" dirty="0"/>
-          </a:p>
-        </p:txBody>
-      </p:sp>
-      <p:sp>
-        <p:nvSpPr>
-          <p:cNvPr id="14" name="Date Placeholder 13"/>
+              <a:rPr lang="en-US" smtClean="0"/>
+              <a:t>Fifth level</a:t>
+            </a:r>
+            <a:endParaRPr lang="en-US"/>
+          </a:p>
+        </p:txBody>
+      </p:sp>
+      <p:sp>
+        <p:nvSpPr>
+          <p:cNvPr id="7" name="Date Placeholder 6"/>
           <p:cNvSpPr>
             <a:spLocks noGrp="1"/>
           </p:cNvSpPr>
@@ -1962,12 +1676,36 @@
       </p:sp>
       <p:sp>
         <p:nvSpPr>
-          <p:cNvPr id="15" name="Slide Number Placeholder 14"/>
-          <p:cNvSpPr>
-            <a:spLocks noGrp="1"/>
-          </p:cNvSpPr>
-          <p:nvPr>
-            <p:ph type="sldNum" sz="quarter" idx="11"/>
+          <p:cNvPr id="8" name="Footer Placeholder 7"/>
+          <p:cNvSpPr>
+            <a:spLocks noGrp="1"/>
+          </p:cNvSpPr>
+          <p:nvPr>
+            <p:ph type="ftr" sz="quarter" idx="11"/>
+          </p:nvPr>
+        </p:nvSpPr>
+        <p:spPr/>
+        <p:txBody>
+          <a:bodyPr/>
+          <a:lstStyle/>
+          <a:p>
+            <a:r>
+              <a:rPr lang="en-US" smtClean="0"/>
+              <a:t>
+              </a:t>
+            </a:r>
+            <a:endParaRPr lang="en-US" dirty="0"/>
+          </a:p>
+        </p:txBody>
+      </p:sp>
+      <p:sp>
+        <p:nvSpPr>
+          <p:cNvPr id="9" name="Slide Number Placeholder 8"/>
+          <p:cNvSpPr>
+            <a:spLocks noGrp="1"/>
+          </p:cNvSpPr>
+          <p:nvPr>
+            <p:ph type="sldNum" sz="quarter" idx="12"/>
           </p:nvPr>
         </p:nvSpPr>
         <p:spPr/>
@@ -1978,37 +1716,18 @@
             <a:fld id="{D57F1E4F-1CFF-5643-939E-217C01CDF565}" type="slidenum">
               <a:rPr lang="en-US" smtClean="0"/>
               <a:pPr/>
-              <a:t>‹N°›</a:t>
+              <a:t>‹#›</a:t>
             </a:fld>
             <a:endParaRPr lang="en-US" dirty="0"/>
           </a:p>
         </p:txBody>
       </p:sp>
-      <p:sp>
-        <p:nvSpPr>
-          <p:cNvPr id="16" name="Footer Placeholder 15"/>
-          <p:cNvSpPr>
-            <a:spLocks noGrp="1"/>
-          </p:cNvSpPr>
-          <p:nvPr>
-            <p:ph type="ftr" sz="quarter" idx="12"/>
-          </p:nvPr>
-        </p:nvSpPr>
-        <p:spPr/>
-        <p:txBody>
-          <a:bodyPr/>
-          <a:lstStyle/>
-          <a:p>
-            <a:r>
-              <a:rPr lang="en-US" smtClean="0"/>
-              <a:t>
-              </a:t>
-            </a:r>
-            <a:endParaRPr lang="en-US" dirty="0"/>
-          </a:p>
-        </p:txBody>
-      </p:sp>
     </p:spTree>
+    <p:extLst>
+      <p:ext uri="{BB962C8B-B14F-4D97-AF65-F5344CB8AC3E}">
+        <p14:creationId xmlns:p14="http://schemas.microsoft.com/office/powerpoint/2010/main" val="90796407"/>
+      </p:ext>
+    </p:extLst>
   </p:cSld>
   <p:clrMapOvr>
     <a:masterClrMapping/>
@@ -2019,7 +1738,7 @@
 
 <file path=ppt/slideLayouts/slideLayout6.xml><?xml version="1.0" encoding="utf-8"?>
 <p:sldLayout xmlns:a="http://schemas.openxmlformats.org/drawingml/2006/main" xmlns:r="http://schemas.openxmlformats.org/officeDocument/2006/relationships" xmlns:p="http://schemas.openxmlformats.org/presentationml/2006/main" type="titleOnly" preserve="1">
-  <p:cSld name="Titre seul">
+  <p:cSld name="Title Only">
     <p:spTree>
       <p:nvGrpSpPr>
         <p:cNvPr id="1" name=""/>
@@ -2036,7 +1755,7 @@
       </p:grpSpPr>
       <p:sp>
         <p:nvSpPr>
-          <p:cNvPr id="6" name="Title 5"/>
+          <p:cNvPr id="2" name="Title 1"/>
           <p:cNvSpPr>
             <a:spLocks noGrp="1"/>
           </p:cNvSpPr>
@@ -2050,8 +1769,8 @@
           <a:lstStyle/>
           <a:p>
             <a:r>
-              <a:rPr lang="fr-FR" smtClean="0"/>
-              <a:t>Modifiez le style du titre</a:t>
+              <a:rPr lang="en-US" smtClean="0"/>
+              <a:t>Click to edit Master title style</a:t>
             </a:r>
             <a:endParaRPr lang="en-US"/>
           </a:p>
@@ -2059,7 +1778,7 @@
       </p:sp>
       <p:sp>
         <p:nvSpPr>
-          <p:cNvPr id="7" name="Date Placeholder 6"/>
+          <p:cNvPr id="3" name="Date Placeholder 2"/>
           <p:cNvSpPr>
             <a:spLocks noGrp="1"/>
           </p:cNvSpPr>
@@ -2082,12 +1801,36 @@
       </p:sp>
       <p:sp>
         <p:nvSpPr>
-          <p:cNvPr id="8" name="Slide Number Placeholder 7"/>
-          <p:cNvSpPr>
-            <a:spLocks noGrp="1"/>
-          </p:cNvSpPr>
-          <p:nvPr>
-            <p:ph type="sldNum" sz="quarter" idx="11"/>
+          <p:cNvPr id="4" name="Footer Placeholder 3"/>
+          <p:cNvSpPr>
+            <a:spLocks noGrp="1"/>
+          </p:cNvSpPr>
+          <p:nvPr>
+            <p:ph type="ftr" sz="quarter" idx="11"/>
+          </p:nvPr>
+        </p:nvSpPr>
+        <p:spPr/>
+        <p:txBody>
+          <a:bodyPr/>
+          <a:lstStyle/>
+          <a:p>
+            <a:r>
+              <a:rPr lang="en-US" smtClean="0"/>
+              <a:t>
+              </a:t>
+            </a:r>
+            <a:endParaRPr lang="en-US" dirty="0"/>
+          </a:p>
+        </p:txBody>
+      </p:sp>
+      <p:sp>
+        <p:nvSpPr>
+          <p:cNvPr id="5" name="Slide Number Placeholder 4"/>
+          <p:cNvSpPr>
+            <a:spLocks noGrp="1"/>
+          </p:cNvSpPr>
+          <p:nvPr>
+            <p:ph type="sldNum" sz="quarter" idx="12"/>
           </p:nvPr>
         </p:nvSpPr>
         <p:spPr/>
@@ -2098,37 +1841,18 @@
             <a:fld id="{D57F1E4F-1CFF-5643-939E-217C01CDF565}" type="slidenum">
               <a:rPr lang="en-US" smtClean="0"/>
               <a:pPr/>
-              <a:t>‹N°›</a:t>
+              <a:t>‹#›</a:t>
             </a:fld>
             <a:endParaRPr lang="en-US" dirty="0"/>
           </a:p>
         </p:txBody>
       </p:sp>
-      <p:sp>
-        <p:nvSpPr>
-          <p:cNvPr id="9" name="Footer Placeholder 8"/>
-          <p:cNvSpPr>
-            <a:spLocks noGrp="1"/>
-          </p:cNvSpPr>
-          <p:nvPr>
-            <p:ph type="ftr" sz="quarter" idx="12"/>
-          </p:nvPr>
-        </p:nvSpPr>
-        <p:spPr/>
-        <p:txBody>
-          <a:bodyPr/>
-          <a:lstStyle/>
-          <a:p>
-            <a:r>
-              <a:rPr lang="en-US" smtClean="0"/>
-              <a:t>
-              </a:t>
-            </a:r>
-            <a:endParaRPr lang="en-US" dirty="0"/>
-          </a:p>
-        </p:txBody>
-      </p:sp>
     </p:spTree>
+    <p:extLst>
+      <p:ext uri="{BB962C8B-B14F-4D97-AF65-F5344CB8AC3E}">
+        <p14:creationId xmlns:p14="http://schemas.microsoft.com/office/powerpoint/2010/main" val="2378713748"/>
+      </p:ext>
+    </p:extLst>
   </p:cSld>
   <p:clrMapOvr>
     <a:masterClrMapping/>
@@ -2139,7 +1863,7 @@
 
 <file path=ppt/slideLayouts/slideLayout7.xml><?xml version="1.0" encoding="utf-8"?>
 <p:sldLayout xmlns:a="http://schemas.openxmlformats.org/drawingml/2006/main" xmlns:r="http://schemas.openxmlformats.org/officeDocument/2006/relationships" xmlns:p="http://schemas.openxmlformats.org/presentationml/2006/main" type="blank" preserve="1">
-  <p:cSld name="Vide">
+  <p:cSld name="Blank">
     <p:spTree>
       <p:nvGrpSpPr>
         <p:cNvPr id="1" name=""/>
@@ -2156,7 +1880,7 @@
       </p:grpSpPr>
       <p:sp>
         <p:nvSpPr>
-          <p:cNvPr id="5" name="Date Placeholder 4"/>
+          <p:cNvPr id="2" name="Date Placeholder 1"/>
           <p:cNvSpPr>
             <a:spLocks noGrp="1"/>
           </p:cNvSpPr>
@@ -2179,12 +1903,36 @@
       </p:sp>
       <p:sp>
         <p:nvSpPr>
-          <p:cNvPr id="6" name="Slide Number Placeholder 5"/>
-          <p:cNvSpPr>
-            <a:spLocks noGrp="1"/>
-          </p:cNvSpPr>
-          <p:nvPr>
-            <p:ph type="sldNum" sz="quarter" idx="11"/>
+          <p:cNvPr id="3" name="Footer Placeholder 2"/>
+          <p:cNvSpPr>
+            <a:spLocks noGrp="1"/>
+          </p:cNvSpPr>
+          <p:nvPr>
+            <p:ph type="ftr" sz="quarter" idx="11"/>
+          </p:nvPr>
+        </p:nvSpPr>
+        <p:spPr/>
+        <p:txBody>
+          <a:bodyPr/>
+          <a:lstStyle/>
+          <a:p>
+            <a:r>
+              <a:rPr lang="en-US" smtClean="0"/>
+              <a:t>
+              </a:t>
+            </a:r>
+            <a:endParaRPr lang="en-US" dirty="0"/>
+          </a:p>
+        </p:txBody>
+      </p:sp>
+      <p:sp>
+        <p:nvSpPr>
+          <p:cNvPr id="4" name="Slide Number Placeholder 3"/>
+          <p:cNvSpPr>
+            <a:spLocks noGrp="1"/>
+          </p:cNvSpPr>
+          <p:nvPr>
+            <p:ph type="sldNum" sz="quarter" idx="12"/>
           </p:nvPr>
         </p:nvSpPr>
         <p:spPr/>
@@ -2195,37 +1943,18 @@
             <a:fld id="{D57F1E4F-1CFF-5643-939E-217C01CDF565}" type="slidenum">
               <a:rPr lang="en-US" smtClean="0"/>
               <a:pPr/>
-              <a:t>‹N°›</a:t>
+              <a:t>‹#›</a:t>
             </a:fld>
             <a:endParaRPr lang="en-US" dirty="0"/>
           </a:p>
         </p:txBody>
       </p:sp>
-      <p:sp>
-        <p:nvSpPr>
-          <p:cNvPr id="7" name="Footer Placeholder 6"/>
-          <p:cNvSpPr>
-            <a:spLocks noGrp="1"/>
-          </p:cNvSpPr>
-          <p:nvPr>
-            <p:ph type="ftr" sz="quarter" idx="12"/>
-          </p:nvPr>
-        </p:nvSpPr>
-        <p:spPr/>
-        <p:txBody>
-          <a:bodyPr/>
-          <a:lstStyle/>
-          <a:p>
-            <a:r>
-              <a:rPr lang="en-US" smtClean="0"/>
-              <a:t>
-              </a:t>
-            </a:r>
-            <a:endParaRPr lang="en-US" dirty="0"/>
-          </a:p>
-        </p:txBody>
-      </p:sp>
     </p:spTree>
+    <p:extLst>
+      <p:ext uri="{BB962C8B-B14F-4D97-AF65-F5344CB8AC3E}">
+        <p14:creationId xmlns:p14="http://schemas.microsoft.com/office/powerpoint/2010/main" val="955002892"/>
+      </p:ext>
+    </p:extLst>
   </p:cSld>
   <p:clrMapOvr>
     <a:masterClrMapping/>
@@ -2236,7 +1965,7 @@
 
 <file path=ppt/slideLayouts/slideLayout8.xml><?xml version="1.0" encoding="utf-8"?>
 <p:sldLayout xmlns:a="http://schemas.openxmlformats.org/drawingml/2006/main" xmlns:r="http://schemas.openxmlformats.org/officeDocument/2006/relationships" xmlns:p="http://schemas.openxmlformats.org/presentationml/2006/main" type="objTx" preserve="1">
-  <p:cSld name="Contenu avec légende">
+  <p:cSld name="Content with Caption">
     <p:spTree>
       <p:nvGrpSpPr>
         <p:cNvPr id="1" name=""/>
@@ -2253,49 +1982,33 @@
       </p:grpSpPr>
       <p:sp>
         <p:nvSpPr>
-          <p:cNvPr id="9" name="TextBox 8"/>
-          <p:cNvSpPr txBox="1"/>
-          <p:nvPr/>
+          <p:cNvPr id="2" name="Title 1"/>
+          <p:cNvSpPr>
+            <a:spLocks noGrp="1"/>
+          </p:cNvSpPr>
+          <p:nvPr>
+            <p:ph type="title"/>
+          </p:nvPr>
         </p:nvSpPr>
         <p:spPr>
           <a:xfrm>
-            <a:off x="7105227" y="1774588"/>
-            <a:ext cx="609600" cy="1231106"/>
+            <a:off x="839788" y="457200"/>
+            <a:ext cx="3932237" cy="1600200"/>
           </a:xfrm>
-          <a:prstGeom prst="rect">
-            <a:avLst/>
-          </a:prstGeom>
-          <a:noFill/>
         </p:spPr>
         <p:txBody>
-          <a:bodyPr wrap="square" lIns="0" tIns="0" rIns="0" bIns="0" rtlCol="0" anchor="t" anchorCtr="0">
-            <a:spAutoFit/>
-          </a:bodyPr>
-          <a:lstStyle/>
-          <a:p>
-            <a:r>
-              <a:rPr lang="en-US" sz="8000" dirty="0" smtClean="0">
-                <a:effectLst>
-                  <a:outerShdw blurRad="38100" dist="38100" dir="2700000" algn="tl">
-                    <a:srgbClr val="000000">
-                      <a:alpha val="43137"/>
-                    </a:srgbClr>
-                  </a:outerShdw>
-                </a:effectLst>
-                <a:latin typeface="+mn-lt"/>
-              </a:rPr>
-              <a:t>{</a:t>
-            </a:r>
-            <a:endParaRPr lang="en-US" sz="8000" dirty="0">
-              <a:effectLst>
-                <a:outerShdw blurRad="38100" dist="38100" dir="2700000" algn="tl">
-                  <a:srgbClr val="000000">
-                    <a:alpha val="43137"/>
-                  </a:srgbClr>
-                </a:outerShdw>
-              </a:effectLst>
-              <a:latin typeface="+mn-lt"/>
-            </a:endParaRPr>
+          <a:bodyPr anchor="b"/>
+          <a:lstStyle>
+            <a:lvl1pPr>
+              <a:defRPr sz="3200"/>
+            </a:lvl1pPr>
+          </a:lstStyle>
+          <a:p>
+            <a:r>
+              <a:rPr lang="en-US" smtClean="0"/>
+              <a:t>Click to edit Master title style</a:t>
+            </a:r>
+            <a:endParaRPr lang="en-US"/>
           </a:p>
         </p:txBody>
       </p:sp>
@@ -2311,27 +2024,27 @@
         </p:nvSpPr>
         <p:spPr>
           <a:xfrm>
-            <a:off x="1117600" y="685801"/>
-            <a:ext cx="5791200" cy="3429000"/>
+            <a:off x="5183188" y="987425"/>
+            <a:ext cx="6172200" cy="4873625"/>
           </a:xfrm>
         </p:spPr>
         <p:txBody>
-          <a:bodyPr anchor="ctr"/>
+          <a:bodyPr/>
           <a:lstStyle>
             <a:lvl1pPr>
-              <a:defRPr sz="2400"/>
+              <a:defRPr sz="3200"/>
             </a:lvl1pPr>
             <a:lvl2pPr>
-              <a:defRPr sz="2200"/>
+              <a:defRPr sz="2800"/>
             </a:lvl2pPr>
             <a:lvl3pPr>
-              <a:defRPr sz="2000"/>
+              <a:defRPr sz="2400"/>
             </a:lvl3pPr>
             <a:lvl4pPr>
-              <a:defRPr sz="1800"/>
+              <a:defRPr sz="2000"/>
             </a:lvl4pPr>
             <a:lvl5pPr>
-              <a:defRPr sz="1800"/>
+              <a:defRPr sz="2000"/>
             </a:lvl5pPr>
             <a:lvl6pPr>
               <a:defRPr sz="2000"/>
@@ -2349,38 +2062,38 @@
           <a:p>
             <a:pPr lvl="0"/>
             <a:r>
-              <a:rPr lang="fr-FR" smtClean="0"/>
-              <a:t>Modifiez les styles du texte du masque</a:t>
+              <a:rPr lang="en-US" smtClean="0"/>
+              <a:t>Click to edit Master text styles</a:t>
             </a:r>
           </a:p>
           <a:p>
             <a:pPr lvl="1"/>
             <a:r>
-              <a:rPr lang="fr-FR" smtClean="0"/>
-              <a:t>Deuxième niveau</a:t>
+              <a:rPr lang="en-US" smtClean="0"/>
+              <a:t>Second level</a:t>
             </a:r>
           </a:p>
           <a:p>
             <a:pPr lvl="2"/>
             <a:r>
-              <a:rPr lang="fr-FR" smtClean="0"/>
-              <a:t>Troisième niveau</a:t>
+              <a:rPr lang="en-US" smtClean="0"/>
+              <a:t>Third level</a:t>
             </a:r>
           </a:p>
           <a:p>
             <a:pPr lvl="3"/>
             <a:r>
-              <a:rPr lang="fr-FR" smtClean="0"/>
-              <a:t>Quatrième niveau</a:t>
+              <a:rPr lang="en-US" smtClean="0"/>
+              <a:t>Fourth level</a:t>
             </a:r>
           </a:p>
           <a:p>
             <a:pPr lvl="4"/>
             <a:r>
-              <a:rPr lang="fr-FR" smtClean="0"/>
-              <a:t>Cinquième niveau</a:t>
-            </a:r>
-            <a:endParaRPr lang="en-US" dirty="0"/>
+              <a:rPr lang="en-US" smtClean="0"/>
+              <a:t>Fifth level</a:t>
+            </a:r>
+            <a:endParaRPr lang="en-US"/>
           </a:p>
         </p:txBody>
       </p:sp>
@@ -2396,14 +2109,12 @@
         </p:nvSpPr>
         <p:spPr>
           <a:xfrm>
-            <a:off x="7620000" y="685801"/>
-            <a:ext cx="3454400" cy="3429000"/>
+            <a:off x="839788" y="2057400"/>
+            <a:ext cx="3932237" cy="3811588"/>
           </a:xfrm>
         </p:spPr>
         <p:txBody>
-          <a:bodyPr anchor="ctr">
-            <a:normAutofit/>
-          </a:bodyPr>
+          <a:bodyPr/>
           <a:lstStyle>
             <a:lvl1pPr marL="0" indent="0">
               <a:buNone/>
@@ -2411,49 +2122,49 @@
             </a:lvl1pPr>
             <a:lvl2pPr marL="457200" indent="0">
               <a:buNone/>
-              <a:defRPr sz="1200"/>
+              <a:defRPr sz="1400"/>
             </a:lvl2pPr>
             <a:lvl3pPr marL="914400" indent="0">
               <a:buNone/>
-              <a:defRPr sz="1000"/>
+              <a:defRPr sz="1200"/>
             </a:lvl3pPr>
             <a:lvl4pPr marL="1371600" indent="0">
               <a:buNone/>
-              <a:defRPr sz="900"/>
+              <a:defRPr sz="1000"/>
             </a:lvl4pPr>
             <a:lvl5pPr marL="1828800" indent="0">
               <a:buNone/>
-              <a:defRPr sz="900"/>
+              <a:defRPr sz="1000"/>
             </a:lvl5pPr>
             <a:lvl6pPr marL="2286000" indent="0">
               <a:buNone/>
-              <a:defRPr sz="900"/>
+              <a:defRPr sz="1000"/>
             </a:lvl6pPr>
             <a:lvl7pPr marL="2743200" indent="0">
               <a:buNone/>
-              <a:defRPr sz="900"/>
+              <a:defRPr sz="1000"/>
             </a:lvl7pPr>
             <a:lvl8pPr marL="3200400" indent="0">
               <a:buNone/>
-              <a:defRPr sz="900"/>
+              <a:defRPr sz="1000"/>
             </a:lvl8pPr>
             <a:lvl9pPr marL="3657600" indent="0">
               <a:buNone/>
-              <a:defRPr sz="900"/>
+              <a:defRPr sz="1000"/>
             </a:lvl9pPr>
           </a:lstStyle>
           <a:p>
             <a:pPr lvl="0"/>
             <a:r>
-              <a:rPr lang="fr-FR" smtClean="0"/>
-              <a:t>Modifiez les styles du texte du masque</a:t>
-            </a:r>
-          </a:p>
-        </p:txBody>
-      </p:sp>
-      <p:sp>
-        <p:nvSpPr>
-          <p:cNvPr id="15" name="Date Placeholder 14"/>
+              <a:rPr lang="en-US" smtClean="0"/>
+              <a:t>Click to edit Master text styles</a:t>
+            </a:r>
+          </a:p>
+        </p:txBody>
+      </p:sp>
+      <p:sp>
+        <p:nvSpPr>
+          <p:cNvPr id="5" name="Date Placeholder 4"/>
           <p:cNvSpPr>
             <a:spLocks noGrp="1"/>
           </p:cNvSpPr>
@@ -2476,12 +2187,36 @@
       </p:sp>
       <p:sp>
         <p:nvSpPr>
-          <p:cNvPr id="16" name="Slide Number Placeholder 15"/>
-          <p:cNvSpPr>
-            <a:spLocks noGrp="1"/>
-          </p:cNvSpPr>
-          <p:nvPr>
-            <p:ph type="sldNum" sz="quarter" idx="11"/>
+          <p:cNvPr id="6" name="Footer Placeholder 5"/>
+          <p:cNvSpPr>
+            <a:spLocks noGrp="1"/>
+          </p:cNvSpPr>
+          <p:nvPr>
+            <p:ph type="ftr" sz="quarter" idx="11"/>
+          </p:nvPr>
+        </p:nvSpPr>
+        <p:spPr/>
+        <p:txBody>
+          <a:bodyPr/>
+          <a:lstStyle/>
+          <a:p>
+            <a:r>
+              <a:rPr lang="en-US" smtClean="0"/>
+              <a:t>
+              </a:t>
+            </a:r>
+            <a:endParaRPr lang="en-US" dirty="0"/>
+          </a:p>
+        </p:txBody>
+      </p:sp>
+      <p:sp>
+        <p:nvSpPr>
+          <p:cNvPr id="7" name="Slide Number Placeholder 6"/>
+          <p:cNvSpPr>
+            <a:spLocks noGrp="1"/>
+          </p:cNvSpPr>
+          <p:nvPr>
+            <p:ph type="sldNum" sz="quarter" idx="12"/>
           </p:nvPr>
         </p:nvSpPr>
         <p:spPr/>
@@ -2492,60 +2227,18 @@
             <a:fld id="{D57F1E4F-1CFF-5643-939E-217C01CDF565}" type="slidenum">
               <a:rPr lang="en-US" smtClean="0"/>
               <a:pPr/>
-              <a:t>‹N°›</a:t>
+              <a:t>‹#›</a:t>
             </a:fld>
             <a:endParaRPr lang="en-US" dirty="0"/>
           </a:p>
         </p:txBody>
       </p:sp>
-      <p:sp>
-        <p:nvSpPr>
-          <p:cNvPr id="17" name="Footer Placeholder 16"/>
-          <p:cNvSpPr>
-            <a:spLocks noGrp="1"/>
-          </p:cNvSpPr>
-          <p:nvPr>
-            <p:ph type="ftr" sz="quarter" idx="12"/>
-          </p:nvPr>
-        </p:nvSpPr>
-        <p:spPr/>
-        <p:txBody>
-          <a:bodyPr/>
-          <a:lstStyle/>
-          <a:p>
-            <a:r>
-              <a:rPr lang="en-US" smtClean="0"/>
-              <a:t>
-              </a:t>
-            </a:r>
-            <a:endParaRPr lang="en-US" dirty="0"/>
-          </a:p>
-        </p:txBody>
-      </p:sp>
-      <p:sp>
-        <p:nvSpPr>
-          <p:cNvPr id="18" name="Title 17"/>
-          <p:cNvSpPr>
-            <a:spLocks noGrp="1"/>
-          </p:cNvSpPr>
-          <p:nvPr>
-            <p:ph type="title"/>
-          </p:nvPr>
-        </p:nvSpPr>
-        <p:spPr/>
-        <p:txBody>
-          <a:bodyPr/>
-          <a:lstStyle/>
-          <a:p>
-            <a:r>
-              <a:rPr lang="fr-FR" smtClean="0"/>
-              <a:t>Modifiez le style du titre</a:t>
-            </a:r>
-            <a:endParaRPr lang="en-US" dirty="0"/>
-          </a:p>
-        </p:txBody>
-      </p:sp>
     </p:spTree>
+    <p:extLst>
+      <p:ext uri="{BB962C8B-B14F-4D97-AF65-F5344CB8AC3E}">
+        <p14:creationId xmlns:p14="http://schemas.microsoft.com/office/powerpoint/2010/main" val="646316158"/>
+      </p:ext>
+    </p:extLst>
   </p:cSld>
   <p:clrMapOvr>
     <a:masterClrMapping/>
@@ -2556,7 +2249,7 @@
 
 <file path=ppt/slideLayouts/slideLayout9.xml><?xml version="1.0" encoding="utf-8"?>
 <p:sldLayout xmlns:a="http://schemas.openxmlformats.org/drawingml/2006/main" xmlns:r="http://schemas.openxmlformats.org/officeDocument/2006/relationships" xmlns:p="http://schemas.openxmlformats.org/presentationml/2006/main" type="picTx" preserve="1">
-  <p:cSld name="Image avec légende">
+  <p:cSld name="Picture with Caption">
     <p:spTree>
       <p:nvGrpSpPr>
         <p:cNvPr id="1" name=""/>
@@ -2573,26 +2266,51 @@
       </p:grpSpPr>
       <p:sp>
         <p:nvSpPr>
-          <p:cNvPr id="3" name="Picture Placeholder 2"/>
-          <p:cNvSpPr>
-            <a:spLocks noGrp="1"/>
-          </p:cNvSpPr>
-          <p:nvPr>
-            <p:ph type="pic" idx="1"/>
+          <p:cNvPr id="2" name="Title 1"/>
+          <p:cNvSpPr>
+            <a:spLocks noGrp="1"/>
+          </p:cNvSpPr>
+          <p:nvPr>
+            <p:ph type="title"/>
           </p:nvPr>
         </p:nvSpPr>
         <p:spPr>
           <a:xfrm>
-            <a:off x="1625600" y="612776"/>
-            <a:ext cx="8940800" cy="2546985"/>
+            <a:off x="839788" y="457200"/>
+            <a:ext cx="3932237" cy="1600200"/>
           </a:xfrm>
-          <a:effectLst>
-            <a:outerShdw blurRad="152400" dist="317500" dir="5400000" sx="90000" sy="-19000" rotWithShape="0">
-              <a:prstClr val="black">
-                <a:alpha val="15000"/>
-              </a:prstClr>
-            </a:outerShdw>
-          </a:effectLst>
+        </p:spPr>
+        <p:txBody>
+          <a:bodyPr anchor="b"/>
+          <a:lstStyle>
+            <a:lvl1pPr>
+              <a:defRPr sz="3200"/>
+            </a:lvl1pPr>
+          </a:lstStyle>
+          <a:p>
+            <a:r>
+              <a:rPr lang="en-US" smtClean="0"/>
+              <a:t>Click to edit Master title style</a:t>
+            </a:r>
+            <a:endParaRPr lang="en-US"/>
+          </a:p>
+        </p:txBody>
+      </p:sp>
+      <p:sp>
+        <p:nvSpPr>
+          <p:cNvPr id="3" name="Picture Placeholder 2"/>
+          <p:cNvSpPr>
+            <a:spLocks noGrp="1"/>
+          </p:cNvSpPr>
+          <p:nvPr>
+            <p:ph type="pic" idx="1"/>
+          </p:nvPr>
+        </p:nvSpPr>
+        <p:spPr>
+          <a:xfrm>
+            <a:off x="5183188" y="987425"/>
+            <a:ext cx="6172200" cy="4873625"/>
+          </a:xfrm>
         </p:spPr>
         <p:txBody>
           <a:bodyPr/>
@@ -2635,10 +2353,6 @@
             </a:lvl9pPr>
           </a:lstStyle>
           <a:p>
-            <a:r>
-              <a:rPr lang="fr-FR" smtClean="0"/>
-              <a:t>Cliquez sur l'icône pour ajouter une image</a:t>
-            </a:r>
             <a:endParaRPr lang="en-US"/>
           </a:p>
         </p:txBody>
@@ -2655,14 +2369,12 @@
         </p:nvSpPr>
         <p:spPr>
           <a:xfrm>
-            <a:off x="3657600" y="3453047"/>
-            <a:ext cx="6705600" cy="720804"/>
+            <a:off x="839788" y="2057400"/>
+            <a:ext cx="3932237" cy="3811588"/>
           </a:xfrm>
         </p:spPr>
         <p:txBody>
-          <a:bodyPr anchor="ctr">
-            <a:normAutofit/>
-          </a:bodyPr>
+          <a:bodyPr/>
           <a:lstStyle>
             <a:lvl1pPr marL="0" indent="0">
               <a:buNone/>
@@ -2670,120 +2382,49 @@
             </a:lvl1pPr>
             <a:lvl2pPr marL="457200" indent="0">
               <a:buNone/>
-              <a:defRPr sz="1200"/>
+              <a:defRPr sz="1400"/>
             </a:lvl2pPr>
             <a:lvl3pPr marL="914400" indent="0">
               <a:buNone/>
-              <a:defRPr sz="1000"/>
+              <a:defRPr sz="1200"/>
             </a:lvl3pPr>
             <a:lvl4pPr marL="1371600" indent="0">
               <a:buNone/>
-              <a:defRPr sz="900"/>
+              <a:defRPr sz="1000"/>
             </a:lvl4pPr>
             <a:lvl5pPr marL="1828800" indent="0">
               <a:buNone/>
-              <a:defRPr sz="900"/>
+              <a:defRPr sz="1000"/>
             </a:lvl5pPr>
             <a:lvl6pPr marL="2286000" indent="0">
               <a:buNone/>
-              <a:defRPr sz="900"/>
+              <a:defRPr sz="1000"/>
             </a:lvl6pPr>
             <a:lvl7pPr marL="2743200" indent="0">
               <a:buNone/>
-              <a:defRPr sz="900"/>
+              <a:defRPr sz="1000"/>
             </a:lvl7pPr>
             <a:lvl8pPr marL="3200400" indent="0">
               <a:buNone/>
-              <a:defRPr sz="900"/>
+              <a:defRPr sz="1000"/>
             </a:lvl8pPr>
             <a:lvl9pPr marL="3657600" indent="0">
               <a:buNone/>
-              <a:defRPr sz="900"/>
+              <a:defRPr sz="1000"/>
             </a:lvl9pPr>
           </a:lstStyle>
           <a:p>
             <a:pPr lvl="0"/>
             <a:r>
-              <a:rPr lang="fr-FR" smtClean="0"/>
-              <a:t>Modifiez les styles du texte du masque</a:t>
-            </a:r>
-          </a:p>
-        </p:txBody>
-      </p:sp>
-      <p:sp>
-        <p:nvSpPr>
-          <p:cNvPr id="9" name="TextBox 8"/>
-          <p:cNvSpPr txBox="1"/>
-          <p:nvPr/>
-        </p:nvSpPr>
-        <p:spPr>
-          <a:xfrm>
-            <a:off x="3247136" y="3331464"/>
-            <a:ext cx="609600" cy="923330"/>
-          </a:xfrm>
-          <a:prstGeom prst="rect">
-            <a:avLst/>
-          </a:prstGeom>
-          <a:noFill/>
-        </p:spPr>
-        <p:txBody>
-          <a:bodyPr wrap="square" lIns="0" tIns="0" rIns="0" bIns="0" rtlCol="0" anchor="t" anchorCtr="0">
-            <a:spAutoFit/>
-          </a:bodyPr>
-          <a:lstStyle/>
-          <a:p>
-            <a:r>
-              <a:rPr lang="en-US" sz="6000" dirty="0" smtClean="0">
-                <a:effectLst>
-                  <a:outerShdw blurRad="38100" dist="38100" dir="2700000" algn="tl">
-                    <a:srgbClr val="000000">
-                      <a:alpha val="43137"/>
-                    </a:srgbClr>
-                  </a:outerShdw>
-                </a:effectLst>
-                <a:latin typeface="+mn-lt"/>
-              </a:rPr>
-              <a:t>{</a:t>
-            </a:r>
-            <a:endParaRPr lang="en-US" sz="6000" dirty="0">
-              <a:effectLst>
-                <a:outerShdw blurRad="38100" dist="38100" dir="2700000" algn="tl">
-                  <a:srgbClr val="000000">
-                    <a:alpha val="43137"/>
-                  </a:srgbClr>
-                </a:outerShdw>
-              </a:effectLst>
-              <a:latin typeface="+mn-lt"/>
-            </a:endParaRPr>
-          </a:p>
-        </p:txBody>
-      </p:sp>
-      <p:sp>
-        <p:nvSpPr>
-          <p:cNvPr id="11" name="Title 10"/>
-          <p:cNvSpPr>
-            <a:spLocks noGrp="1"/>
-          </p:cNvSpPr>
-          <p:nvPr>
-            <p:ph type="title"/>
-          </p:nvPr>
-        </p:nvSpPr>
-        <p:spPr/>
-        <p:txBody>
-          <a:bodyPr/>
-          <a:lstStyle/>
-          <a:p>
-            <a:r>
-              <a:rPr lang="fr-FR" smtClean="0"/>
-              <a:t>Modifiez le style du titre</a:t>
-            </a:r>
-            <a:endParaRPr lang="en-US"/>
-          </a:p>
-        </p:txBody>
-      </p:sp>
-      <p:sp>
-        <p:nvSpPr>
-          <p:cNvPr id="13" name="Date Placeholder 12"/>
+              <a:rPr lang="en-US" smtClean="0"/>
+              <a:t>Click to edit Master text styles</a:t>
+            </a:r>
+          </a:p>
+        </p:txBody>
+      </p:sp>
+      <p:sp>
+        <p:nvSpPr>
+          <p:cNvPr id="5" name="Date Placeholder 4"/>
           <p:cNvSpPr>
             <a:spLocks noGrp="1"/>
           </p:cNvSpPr>
@@ -2806,12 +2447,36 @@
       </p:sp>
       <p:sp>
         <p:nvSpPr>
-          <p:cNvPr id="14" name="Slide Number Placeholder 13"/>
-          <p:cNvSpPr>
-            <a:spLocks noGrp="1"/>
-          </p:cNvSpPr>
-          <p:nvPr>
-            <p:ph type="sldNum" sz="quarter" idx="11"/>
+          <p:cNvPr id="6" name="Footer Placeholder 5"/>
+          <p:cNvSpPr>
+            <a:spLocks noGrp="1"/>
+          </p:cNvSpPr>
+          <p:nvPr>
+            <p:ph type="ftr" sz="quarter" idx="11"/>
+          </p:nvPr>
+        </p:nvSpPr>
+        <p:spPr/>
+        <p:txBody>
+          <a:bodyPr/>
+          <a:lstStyle/>
+          <a:p>
+            <a:r>
+              <a:rPr lang="en-US" smtClean="0"/>
+              <a:t>
+              </a:t>
+            </a:r>
+            <a:endParaRPr lang="en-US" dirty="0"/>
+          </a:p>
+        </p:txBody>
+      </p:sp>
+      <p:sp>
+        <p:nvSpPr>
+          <p:cNvPr id="7" name="Slide Number Placeholder 6"/>
+          <p:cNvSpPr>
+            <a:spLocks noGrp="1"/>
+          </p:cNvSpPr>
+          <p:nvPr>
+            <p:ph type="sldNum" sz="quarter" idx="12"/>
           </p:nvPr>
         </p:nvSpPr>
         <p:spPr/>
@@ -2822,37 +2487,18 @@
             <a:fld id="{D57F1E4F-1CFF-5643-939E-217C01CDF565}" type="slidenum">
               <a:rPr lang="en-US" smtClean="0"/>
               <a:pPr/>
-              <a:t>‹N°›</a:t>
+              <a:t>‹#›</a:t>
             </a:fld>
             <a:endParaRPr lang="en-US" dirty="0"/>
           </a:p>
         </p:txBody>
       </p:sp>
-      <p:sp>
-        <p:nvSpPr>
-          <p:cNvPr id="15" name="Footer Placeholder 14"/>
-          <p:cNvSpPr>
-            <a:spLocks noGrp="1"/>
-          </p:cNvSpPr>
-          <p:nvPr>
-            <p:ph type="ftr" sz="quarter" idx="12"/>
-          </p:nvPr>
-        </p:nvSpPr>
-        <p:spPr/>
-        <p:txBody>
-          <a:bodyPr/>
-          <a:lstStyle/>
-          <a:p>
-            <a:r>
-              <a:rPr lang="en-US" smtClean="0"/>
-              <a:t>
-              </a:t>
-            </a:r>
-            <a:endParaRPr lang="en-US" dirty="0"/>
-          </a:p>
-        </p:txBody>
-      </p:sp>
     </p:spTree>
+    <p:extLst>
+      <p:ext uri="{BB962C8B-B14F-4D97-AF65-F5344CB8AC3E}">
+        <p14:creationId xmlns:p14="http://schemas.microsoft.com/office/powerpoint/2010/main" val="552569644"/>
+      </p:ext>
+    </p:extLst>
   </p:cSld>
   <p:clrMapOvr>
     <a:masterClrMapping/>
@@ -2865,8 +2511,8 @@
 <p:sldMaster xmlns:a="http://schemas.openxmlformats.org/drawingml/2006/main" xmlns:r="http://schemas.openxmlformats.org/officeDocument/2006/relationships" xmlns:p="http://schemas.openxmlformats.org/presentationml/2006/main">
   <p:cSld>
     <p:bg>
-      <p:bgRef idx="1003">
-        <a:schemeClr val="bg2"/>
+      <p:bgRef idx="1001">
+        <a:schemeClr val="bg1"/>
       </p:bgRef>
     </p:bg>
     <p:spTree>
@@ -2885,282 +2531,34 @@
       </p:grpSpPr>
       <p:sp>
         <p:nvSpPr>
-          <p:cNvPr id="7" name="Rectangle 6"/>
-          <p:cNvSpPr/>
-          <p:nvPr/>
+          <p:cNvPr id="2" name="Title Placeholder 1"/>
+          <p:cNvSpPr>
+            <a:spLocks noGrp="1"/>
+          </p:cNvSpPr>
+          <p:nvPr>
+            <p:ph type="title"/>
+          </p:nvPr>
         </p:nvSpPr>
         <p:spPr>
           <a:xfrm>
-            <a:off x="0" y="0"/>
-            <a:ext cx="12192000" cy="6858000"/>
-          </a:xfrm>
-          <a:prstGeom prst="rect">
-            <a:avLst/>
-          </a:prstGeom>
-          <a:gradFill>
-            <a:gsLst>
-              <a:gs pos="0">
-                <a:schemeClr val="accent6">
-                  <a:lumMod val="50000"/>
-                  <a:alpha val="36000"/>
-                </a:schemeClr>
-              </a:gs>
-              <a:gs pos="100000">
-                <a:schemeClr val="bg2">
-                  <a:alpha val="10000"/>
-                </a:schemeClr>
-              </a:gs>
-            </a:gsLst>
-            <a:lin ang="5400000" scaled="0"/>
-          </a:gradFill>
-          <a:ln>
-            <a:noFill/>
-          </a:ln>
-        </p:spPr>
-        <p:style>
-          <a:lnRef idx="2">
-            <a:schemeClr val="accent1">
-              <a:shade val="50000"/>
-            </a:schemeClr>
-          </a:lnRef>
-          <a:fillRef idx="1">
-            <a:schemeClr val="accent1"/>
-          </a:fillRef>
-          <a:effectRef idx="0">
-            <a:schemeClr val="accent1"/>
-          </a:effectRef>
-          <a:fontRef idx="minor">
-            <a:schemeClr val="lt1"/>
-          </a:fontRef>
-        </p:style>
-        <p:txBody>
-          <a:bodyPr rtlCol="0" anchor="ctr"/>
-          <a:lstStyle/>
-          <a:p>
-            <a:pPr algn="ctr"/>
-            <a:endParaRPr lang="en-US"/>
-          </a:p>
-        </p:txBody>
-      </p:sp>
-      <p:sp>
-        <p:nvSpPr>
-          <p:cNvPr id="8" name="Oval 7"/>
-          <p:cNvSpPr/>
-          <p:nvPr/>
-        </p:nvSpPr>
-        <p:spPr>
-          <a:xfrm rot="19724275">
-            <a:off x="1830961" y="1038441"/>
-            <a:ext cx="9654160" cy="5706987"/>
-          </a:xfrm>
-          <a:prstGeom prst="ellipse">
-            <a:avLst/>
-          </a:prstGeom>
-          <a:gradFill flip="none" rotWithShape="1">
-            <a:gsLst>
-              <a:gs pos="0">
-                <a:schemeClr val="accent6">
-                  <a:lumMod val="60000"/>
-                  <a:lumOff val="40000"/>
-                  <a:alpha val="7000"/>
-                </a:schemeClr>
-              </a:gs>
-              <a:gs pos="58000">
-                <a:schemeClr val="bg2">
-                  <a:alpha val="0"/>
-                </a:schemeClr>
-              </a:gs>
-            </a:gsLst>
-            <a:path path="circle">
-              <a:fillToRect l="50000" t="50000" r="50000" b="50000"/>
-            </a:path>
-            <a:tileRect/>
-          </a:gradFill>
-          <a:ln>
-            <a:noFill/>
-          </a:ln>
-        </p:spPr>
-        <p:style>
-          <a:lnRef idx="2">
-            <a:schemeClr val="accent1">
-              <a:shade val="50000"/>
-            </a:schemeClr>
-          </a:lnRef>
-          <a:fillRef idx="1">
-            <a:schemeClr val="accent1"/>
-          </a:fillRef>
-          <a:effectRef idx="0">
-            <a:schemeClr val="accent1"/>
-          </a:effectRef>
-          <a:fontRef idx="minor">
-            <a:schemeClr val="lt1"/>
-          </a:fontRef>
-        </p:style>
-        <p:txBody>
-          <a:bodyPr rtlCol="0" anchor="ctr"/>
-          <a:lstStyle/>
-          <a:p>
-            <a:pPr algn="ctr"/>
-            <a:endParaRPr lang="en-US"/>
-          </a:p>
-        </p:txBody>
-      </p:sp>
-      <p:sp>
-        <p:nvSpPr>
-          <p:cNvPr id="9" name="Oval 8"/>
-          <p:cNvSpPr/>
-          <p:nvPr/>
-        </p:nvSpPr>
-        <p:spPr>
-          <a:xfrm rot="17656910">
-            <a:off x="557464" y="419133"/>
-            <a:ext cx="5538472" cy="5973945"/>
-          </a:xfrm>
-          <a:prstGeom prst="ellipse">
-            <a:avLst/>
-          </a:prstGeom>
-          <a:gradFill flip="none" rotWithShape="1">
-            <a:gsLst>
-              <a:gs pos="0">
-                <a:schemeClr val="accent6">
-                  <a:lumMod val="60000"/>
-                  <a:lumOff val="40000"/>
-                  <a:alpha val="8000"/>
-                </a:schemeClr>
-              </a:gs>
-              <a:gs pos="58000">
-                <a:schemeClr val="bg2">
-                  <a:alpha val="0"/>
-                </a:schemeClr>
-              </a:gs>
-            </a:gsLst>
-            <a:path path="circle">
-              <a:fillToRect l="50000" t="50000" r="50000" b="50000"/>
-            </a:path>
-            <a:tileRect/>
-          </a:gradFill>
-          <a:ln>
-            <a:noFill/>
-          </a:ln>
-        </p:spPr>
-        <p:style>
-          <a:lnRef idx="2">
-            <a:schemeClr val="accent1">
-              <a:shade val="50000"/>
-            </a:schemeClr>
-          </a:lnRef>
-          <a:fillRef idx="1">
-            <a:schemeClr val="accent1"/>
-          </a:fillRef>
-          <a:effectRef idx="0">
-            <a:schemeClr val="accent1"/>
-          </a:effectRef>
-          <a:fontRef idx="minor">
-            <a:schemeClr val="lt1"/>
-          </a:fontRef>
-        </p:style>
-        <p:txBody>
-          <a:bodyPr rtlCol="0" anchor="ctr"/>
-          <a:lstStyle/>
-          <a:p>
-            <a:pPr algn="ctr"/>
-            <a:endParaRPr lang="en-US"/>
-          </a:p>
-        </p:txBody>
-      </p:sp>
-      <p:sp>
-        <p:nvSpPr>
-          <p:cNvPr id="10" name="Oval 9"/>
-          <p:cNvSpPr/>
-          <p:nvPr/>
-        </p:nvSpPr>
-        <p:spPr>
-          <a:xfrm rot="19724275">
-            <a:off x="4370607" y="116855"/>
-            <a:ext cx="8639149" cy="4754757"/>
-          </a:xfrm>
-          <a:prstGeom prst="ellipse">
-            <a:avLst/>
-          </a:prstGeom>
-          <a:gradFill flip="none" rotWithShape="1">
-            <a:gsLst>
-              <a:gs pos="0">
-                <a:schemeClr val="accent6">
-                  <a:lumMod val="60000"/>
-                  <a:lumOff val="40000"/>
-                  <a:alpha val="8000"/>
-                </a:schemeClr>
-              </a:gs>
-              <a:gs pos="58000">
-                <a:schemeClr val="bg2">
-                  <a:alpha val="0"/>
-                </a:schemeClr>
-              </a:gs>
-            </a:gsLst>
-            <a:path path="circle">
-              <a:fillToRect l="50000" t="50000" r="50000" b="50000"/>
-            </a:path>
-            <a:tileRect/>
-          </a:gradFill>
-          <a:ln>
-            <a:noFill/>
-          </a:ln>
-        </p:spPr>
-        <p:style>
-          <a:lnRef idx="2">
-            <a:schemeClr val="accent1">
-              <a:shade val="50000"/>
-            </a:schemeClr>
-          </a:lnRef>
-          <a:fillRef idx="1">
-            <a:schemeClr val="accent1"/>
-          </a:fillRef>
-          <a:effectRef idx="0">
-            <a:schemeClr val="accent1"/>
-          </a:effectRef>
-          <a:fontRef idx="minor">
-            <a:schemeClr val="lt1"/>
-          </a:fontRef>
-        </p:style>
-        <p:txBody>
-          <a:bodyPr rtlCol="0" anchor="ctr"/>
-          <a:lstStyle/>
-          <a:p>
-            <a:pPr algn="ctr"/>
-            <a:endParaRPr lang="en-US"/>
-          </a:p>
-        </p:txBody>
-      </p:sp>
-      <p:sp>
-        <p:nvSpPr>
-          <p:cNvPr id="2" name="Title Placeholder 1"/>
-          <p:cNvSpPr>
-            <a:spLocks noGrp="1"/>
-          </p:cNvSpPr>
-          <p:nvPr>
-            <p:ph type="title"/>
-          </p:nvPr>
-        </p:nvSpPr>
-        <p:spPr>
-          <a:xfrm>
-            <a:off x="1036320" y="4876800"/>
-            <a:ext cx="10058400" cy="914400"/>
+            <a:off x="838200" y="365125"/>
+            <a:ext cx="10515600" cy="1325563"/>
           </a:xfrm>
           <a:prstGeom prst="rect">
             <a:avLst/>
           </a:prstGeom>
         </p:spPr>
         <p:txBody>
-          <a:bodyPr vert="horz" lIns="91440" tIns="45720" rIns="91440" bIns="45720" rtlCol="0" anchor="b">
-            <a:noAutofit/>
+          <a:bodyPr vert="horz" lIns="91440" tIns="45720" rIns="91440" bIns="45720" rtlCol="0" anchor="ctr">
+            <a:normAutofit/>
           </a:bodyPr>
           <a:lstStyle/>
           <a:p>
             <a:r>
-              <a:rPr lang="fr-FR" smtClean="0"/>
-              <a:t>Modifiez le style du titre</a:t>
-            </a:r>
-            <a:endParaRPr lang="en-US" dirty="0"/>
+              <a:rPr lang="en-US" smtClean="0"/>
+              <a:t>Click to edit Master title style</a:t>
+            </a:r>
+            <a:endParaRPr lang="en-US"/>
           </a:p>
         </p:txBody>
       </p:sp>
@@ -3176,53 +2574,53 @@
         </p:nvSpPr>
         <p:spPr>
           <a:xfrm>
-            <a:off x="2844800" y="685802"/>
-            <a:ext cx="8128000" cy="3657599"/>
+            <a:off x="838200" y="1825625"/>
+            <a:ext cx="10515600" cy="4351338"/>
           </a:xfrm>
           <a:prstGeom prst="rect">
             <a:avLst/>
           </a:prstGeom>
         </p:spPr>
         <p:txBody>
-          <a:bodyPr vert="horz" lIns="91440" tIns="45720" rIns="91440" bIns="45720" rtlCol="0" anchor="ctr">
+          <a:bodyPr vert="horz" lIns="91440" tIns="45720" rIns="91440" bIns="45720" rtlCol="0">
             <a:normAutofit/>
           </a:bodyPr>
           <a:lstStyle/>
           <a:p>
             <a:pPr lvl="0"/>
             <a:r>
-              <a:rPr lang="fr-FR" smtClean="0"/>
-              <a:t>Modifiez les styles du texte du masque</a:t>
+              <a:rPr lang="en-US" smtClean="0"/>
+              <a:t>Click to edit Master text styles</a:t>
             </a:r>
           </a:p>
           <a:p>
             <a:pPr lvl="1"/>
             <a:r>
-              <a:rPr lang="fr-FR" smtClean="0"/>
-              <a:t>Deuxième niveau</a:t>
+              <a:rPr lang="en-US" smtClean="0"/>
+              <a:t>Second level</a:t>
             </a:r>
           </a:p>
           <a:p>
             <a:pPr lvl="2"/>
             <a:r>
-              <a:rPr lang="fr-FR" smtClean="0"/>
-              <a:t>Troisième niveau</a:t>
+              <a:rPr lang="en-US" smtClean="0"/>
+              <a:t>Third level</a:t>
             </a:r>
           </a:p>
           <a:p>
             <a:pPr lvl="3"/>
             <a:r>
-              <a:rPr lang="fr-FR" smtClean="0"/>
-              <a:t>Quatrième niveau</a:t>
+              <a:rPr lang="en-US" smtClean="0"/>
+              <a:t>Fourth level</a:t>
             </a:r>
           </a:p>
           <a:p>
             <a:pPr lvl="4"/>
             <a:r>
-              <a:rPr lang="fr-FR" smtClean="0"/>
-              <a:t>Cinquième niveau</a:t>
-            </a:r>
-            <a:endParaRPr lang="en-US" dirty="0"/>
+              <a:rPr lang="en-US" smtClean="0"/>
+              <a:t>Fifth level</a:t>
+            </a:r>
+            <a:endParaRPr lang="en-US"/>
           </a:p>
         </p:txBody>
       </p:sp>
@@ -3238,24 +2636,23 @@
         </p:nvSpPr>
         <p:spPr>
           <a:xfrm>
-            <a:off x="8229600" y="6154739"/>
-            <a:ext cx="2844800" cy="365125"/>
+            <a:off x="838200" y="6356350"/>
+            <a:ext cx="2743200" cy="365125"/>
           </a:xfrm>
           <a:prstGeom prst="rect">
             <a:avLst/>
           </a:prstGeom>
         </p:spPr>
         <p:txBody>
-          <a:bodyPr vert="horz" lIns="91440" tIns="45720" rIns="91440" bIns="45720" rtlCol="0" anchor="t"/>
+          <a:bodyPr vert="horz" lIns="91440" tIns="45720" rIns="91440" bIns="45720" rtlCol="0" anchor="ctr"/>
           <a:lstStyle>
-            <a:lvl1pPr algn="r">
-              <a:defRPr sz="1100">
+            <a:lvl1pPr algn="l">
+              <a:defRPr sz="1200">
                 <a:solidFill>
                   <a:schemeClr val="tx1">
-                    <a:alpha val="60000"/>
+                    <a:tint val="75000"/>
                   </a:schemeClr>
                 </a:solidFill>
-                <a:effectLst/>
               </a:defRPr>
             </a:lvl1pPr>
           </a:lstStyle>
@@ -3280,24 +2677,23 @@
         </p:nvSpPr>
         <p:spPr>
           <a:xfrm>
-            <a:off x="1097280" y="6154739"/>
-            <a:ext cx="6096000" cy="365125"/>
+            <a:off x="4038600" y="6356350"/>
+            <a:ext cx="4114800" cy="365125"/>
           </a:xfrm>
           <a:prstGeom prst="rect">
             <a:avLst/>
           </a:prstGeom>
         </p:spPr>
         <p:txBody>
-          <a:bodyPr vert="horz" lIns="91440" tIns="45720" rIns="91440" bIns="45720" rtlCol="0" anchor="t"/>
+          <a:bodyPr vert="horz" lIns="91440" tIns="45720" rIns="91440" bIns="45720" rtlCol="0" anchor="ctr"/>
           <a:lstStyle>
-            <a:lvl1pPr algn="l">
-              <a:defRPr sz="1100">
+            <a:lvl1pPr algn="ctr">
+              <a:defRPr sz="1200">
                 <a:solidFill>
                   <a:schemeClr val="tx1">
-                    <a:alpha val="60000"/>
+                    <a:tint val="75000"/>
                   </a:schemeClr>
                 </a:solidFill>
-                <a:effectLst/>
               </a:defRPr>
             </a:lvl1pPr>
           </a:lstStyle>
@@ -3323,24 +2719,23 @@
         </p:nvSpPr>
         <p:spPr>
           <a:xfrm>
-            <a:off x="1097280" y="5842000"/>
-            <a:ext cx="2844800" cy="304800"/>
+            <a:off x="8610600" y="6356350"/>
+            <a:ext cx="2743200" cy="365125"/>
           </a:xfrm>
           <a:prstGeom prst="rect">
             <a:avLst/>
           </a:prstGeom>
         </p:spPr>
         <p:txBody>
-          <a:bodyPr vert="horz" lIns="91440" tIns="45720" rIns="91440" bIns="9144" rtlCol="0" anchor="b"/>
+          <a:bodyPr vert="horz" lIns="91440" tIns="45720" rIns="91440" bIns="45720" rtlCol="0" anchor="ctr"/>
           <a:lstStyle>
-            <a:lvl1pPr algn="l">
-              <a:defRPr sz="1600">
+            <a:lvl1pPr algn="r">
+              <a:defRPr sz="1200">
                 <a:solidFill>
                   <a:schemeClr val="tx1">
-                    <a:alpha val="60000"/>
+                    <a:tint val="75000"/>
                   </a:schemeClr>
                 </a:solidFill>
-                <a:effectLst/>
               </a:defRPr>
             </a:lvl1pPr>
           </a:lstStyle>
@@ -3348,315 +2743,212 @@
             <a:fld id="{D57F1E4F-1CFF-5643-939E-217C01CDF565}" type="slidenum">
               <a:rPr lang="en-US" smtClean="0"/>
               <a:pPr/>
-              <a:t>‹N°›</a:t>
+              <a:t>‹#›</a:t>
             </a:fld>
             <a:endParaRPr lang="en-US" dirty="0"/>
           </a:p>
         </p:txBody>
       </p:sp>
     </p:spTree>
+    <p:extLst>
+      <p:ext uri="{BB962C8B-B14F-4D97-AF65-F5344CB8AC3E}">
+        <p14:creationId xmlns:p14="http://schemas.microsoft.com/office/powerpoint/2010/main" val="1078398211"/>
+      </p:ext>
+    </p:extLst>
   </p:cSld>
-  <p:clrMap bg1="dk1" tx1="lt1" bg2="dk2" tx2="lt2" accent1="accent1" accent2="accent2" accent3="accent3" accent4="accent4" accent5="accent5" accent6="accent6" hlink="hlink" folHlink="folHlink"/>
+  <p:clrMap bg1="lt1" tx1="dk1" bg2="lt2" tx2="dk2" accent1="accent1" accent2="accent2" accent3="accent3" accent4="accent4" accent5="accent5" accent6="accent6" hlink="hlink" folHlink="folHlink"/>
   <p:sldLayoutIdLst>
-    <p:sldLayoutId id="2147483819" r:id="rId1"/>
-    <p:sldLayoutId id="2147483820" r:id="rId2"/>
-    <p:sldLayoutId id="2147483821" r:id="rId3"/>
-    <p:sldLayoutId id="2147483822" r:id="rId4"/>
-    <p:sldLayoutId id="2147483823" r:id="rId5"/>
-    <p:sldLayoutId id="2147483824" r:id="rId6"/>
-    <p:sldLayoutId id="2147483825" r:id="rId7"/>
-    <p:sldLayoutId id="2147483826" r:id="rId8"/>
-    <p:sldLayoutId id="2147483827" r:id="rId9"/>
-    <p:sldLayoutId id="2147483828" r:id="rId10"/>
-    <p:sldLayoutId id="2147483829" r:id="rId11"/>
+    <p:sldLayoutId id="2147483879" r:id="rId1"/>
+    <p:sldLayoutId id="2147483880" r:id="rId2"/>
+    <p:sldLayoutId id="2147483881" r:id="rId3"/>
+    <p:sldLayoutId id="2147483882" r:id="rId4"/>
+    <p:sldLayoutId id="2147483883" r:id="rId5"/>
+    <p:sldLayoutId id="2147483884" r:id="rId6"/>
+    <p:sldLayoutId id="2147483885" r:id="rId7"/>
+    <p:sldLayoutId id="2147483886" r:id="rId8"/>
+    <p:sldLayoutId id="2147483887" r:id="rId9"/>
+    <p:sldLayoutId id="2147483888" r:id="rId10"/>
+    <p:sldLayoutId id="2147483889" r:id="rId11"/>
   </p:sldLayoutIdLst>
   <p:hf sldNum="0" hdr="0" ftr="0" dt="0"/>
   <p:txStyles>
     <p:titleStyle>
       <a:lvl1pPr algn="l" defTabSz="914400" rtl="0" eaLnBrk="1" latinLnBrk="0" hangingPunct="1">
+        <a:lnSpc>
+          <a:spcPct val="90000"/>
+        </a:lnSpc>
         <a:spcBef>
           <a:spcPct val="0"/>
         </a:spcBef>
         <a:buNone/>
-        <a:defRPr sz="4900" kern="1200">
+        <a:defRPr sz="4400" kern="1200">
           <a:solidFill>
             <a:schemeClr val="tx1"/>
           </a:solidFill>
-          <a:effectLst>
-            <a:outerShdw blurRad="38100" dist="38100" dir="2700000" algn="tl">
-              <a:srgbClr val="000000">
-                <a:alpha val="43137"/>
-              </a:srgbClr>
-            </a:outerShdw>
-          </a:effectLst>
           <a:latin typeface="+mj-lt"/>
           <a:ea typeface="+mj-ea"/>
           <a:cs typeface="+mj-cs"/>
         </a:defRPr>
       </a:lvl1pPr>
-      <a:lvl2pPr eaLnBrk="1" hangingPunct="1">
-        <a:defRPr>
-          <a:solidFill>
-            <a:schemeClr val="tx2"/>
-          </a:solidFill>
-        </a:defRPr>
-      </a:lvl2pPr>
-      <a:lvl3pPr eaLnBrk="1" hangingPunct="1">
-        <a:defRPr>
-          <a:solidFill>
-            <a:schemeClr val="tx2"/>
-          </a:solidFill>
-        </a:defRPr>
-      </a:lvl3pPr>
-      <a:lvl4pPr eaLnBrk="1" hangingPunct="1">
-        <a:defRPr>
-          <a:solidFill>
-            <a:schemeClr val="tx2"/>
-          </a:solidFill>
-        </a:defRPr>
-      </a:lvl4pPr>
-      <a:lvl5pPr eaLnBrk="1" hangingPunct="1">
-        <a:defRPr>
-          <a:solidFill>
-            <a:schemeClr val="tx2"/>
-          </a:solidFill>
-        </a:defRPr>
-      </a:lvl5pPr>
-      <a:lvl6pPr eaLnBrk="1" hangingPunct="1">
-        <a:defRPr>
-          <a:solidFill>
-            <a:schemeClr val="tx2"/>
-          </a:solidFill>
-        </a:defRPr>
-      </a:lvl6pPr>
-      <a:lvl7pPr eaLnBrk="1" hangingPunct="1">
-        <a:defRPr>
-          <a:solidFill>
-            <a:schemeClr val="tx2"/>
-          </a:solidFill>
-        </a:defRPr>
-      </a:lvl7pPr>
-      <a:lvl8pPr eaLnBrk="1" hangingPunct="1">
-        <a:defRPr>
-          <a:solidFill>
-            <a:schemeClr val="tx2"/>
-          </a:solidFill>
-        </a:defRPr>
-      </a:lvl8pPr>
-      <a:lvl9pPr eaLnBrk="1" hangingPunct="1">
-        <a:defRPr>
-          <a:solidFill>
-            <a:schemeClr val="tx2"/>
-          </a:solidFill>
-        </a:defRPr>
-      </a:lvl9pPr>
     </p:titleStyle>
     <p:bodyStyle>
-      <a:lvl1pPr marL="274320" indent="-256032" algn="l" defTabSz="914400" rtl="0" eaLnBrk="1" latinLnBrk="0" hangingPunct="1">
+      <a:lvl1pPr marL="228600" indent="-228600" algn="l" defTabSz="914400" rtl="0" eaLnBrk="1" latinLnBrk="0" hangingPunct="1">
+        <a:lnSpc>
+          <a:spcPct val="90000"/>
+        </a:lnSpc>
         <a:spcBef>
-          <a:spcPct val="20000"/>
+          <a:spcPts val="1000"/>
         </a:spcBef>
-        <a:spcAft>
-          <a:spcPts val="0"/>
-        </a:spcAft>
-        <a:buSzPct val="60000"/>
-        <a:buFont typeface="Wingdings" pitchFamily="2" charset="2"/>
-        <a:buChar char=""/>
-        <a:defRPr sz="2100" kern="1200">
+        <a:buFont typeface="Arial" panose="020B0604020202020204" pitchFamily="34" charset="0"/>
+        <a:buChar char="•"/>
+        <a:defRPr sz="2800" kern="1200">
           <a:solidFill>
             <a:schemeClr val="tx1"/>
           </a:solidFill>
-          <a:effectLst>
-            <a:outerShdw blurRad="38100" dist="38100" dir="2700000" algn="tl">
-              <a:srgbClr val="000000">
-                <a:alpha val="43137"/>
-              </a:srgbClr>
-            </a:outerShdw>
-          </a:effectLst>
           <a:latin typeface="+mn-lt"/>
           <a:ea typeface="+mn-ea"/>
           <a:cs typeface="+mn-cs"/>
         </a:defRPr>
       </a:lvl1pPr>
-      <a:lvl2pPr marL="640080" indent="-256032" algn="l" defTabSz="914400" rtl="0" eaLnBrk="1" latinLnBrk="0" hangingPunct="1">
+      <a:lvl2pPr marL="685800" indent="-228600" algn="l" defTabSz="914400" rtl="0" eaLnBrk="1" latinLnBrk="0" hangingPunct="1">
+        <a:lnSpc>
+          <a:spcPct val="90000"/>
+        </a:lnSpc>
         <a:spcBef>
-          <a:spcPct val="20000"/>
+          <a:spcPts val="500"/>
         </a:spcBef>
-        <a:buSzPct val="60000"/>
-        <a:buFont typeface="Wingdings" pitchFamily="2" charset="2"/>
-        <a:buChar char=""/>
-        <a:defRPr sz="1900" kern="1200">
+        <a:buFont typeface="Arial" panose="020B0604020202020204" pitchFamily="34" charset="0"/>
+        <a:buChar char="•"/>
+        <a:defRPr sz="2400" kern="1200">
           <a:solidFill>
             <a:schemeClr val="tx1"/>
           </a:solidFill>
-          <a:effectLst>
-            <a:outerShdw blurRad="38100" dist="38100" dir="2700000" algn="tl">
-              <a:srgbClr val="000000">
-                <a:alpha val="43137"/>
-              </a:srgbClr>
-            </a:outerShdw>
-          </a:effectLst>
           <a:latin typeface="+mn-lt"/>
           <a:ea typeface="+mn-ea"/>
           <a:cs typeface="+mn-cs"/>
         </a:defRPr>
       </a:lvl2pPr>
-      <a:lvl3pPr marL="1005840" indent="-256032" algn="l" defTabSz="914400" rtl="0" eaLnBrk="1" latinLnBrk="0" hangingPunct="1">
+      <a:lvl3pPr marL="1143000" indent="-228600" algn="l" defTabSz="914400" rtl="0" eaLnBrk="1" latinLnBrk="0" hangingPunct="1">
+        <a:lnSpc>
+          <a:spcPct val="90000"/>
+        </a:lnSpc>
         <a:spcBef>
-          <a:spcPct val="20000"/>
+          <a:spcPts val="500"/>
         </a:spcBef>
-        <a:buSzPct val="60000"/>
-        <a:buFont typeface="Wingdings" pitchFamily="2" charset="2"/>
-        <a:buChar char=""/>
-        <a:defRPr sz="1700" kern="1200">
+        <a:buFont typeface="Arial" panose="020B0604020202020204" pitchFamily="34" charset="0"/>
+        <a:buChar char="•"/>
+        <a:defRPr sz="2000" kern="1200">
           <a:solidFill>
             <a:schemeClr val="tx1"/>
           </a:solidFill>
-          <a:effectLst>
-            <a:outerShdw blurRad="38100" dist="38100" dir="2700000" algn="tl">
-              <a:srgbClr val="000000">
-                <a:alpha val="43137"/>
-              </a:srgbClr>
-            </a:outerShdw>
-          </a:effectLst>
           <a:latin typeface="+mn-lt"/>
           <a:ea typeface="+mn-ea"/>
           <a:cs typeface="+mn-cs"/>
         </a:defRPr>
       </a:lvl3pPr>
-      <a:lvl4pPr marL="1371600" indent="-256032" algn="l" defTabSz="914400" rtl="0" eaLnBrk="1" latinLnBrk="0" hangingPunct="1">
+      <a:lvl4pPr marL="1600200" indent="-228600" algn="l" defTabSz="914400" rtl="0" eaLnBrk="1" latinLnBrk="0" hangingPunct="1">
+        <a:lnSpc>
+          <a:spcPct val="90000"/>
+        </a:lnSpc>
         <a:spcBef>
-          <a:spcPct val="20000"/>
+          <a:spcPts val="500"/>
         </a:spcBef>
-        <a:buSzPct val="60000"/>
-        <a:buFont typeface="Wingdings" pitchFamily="2" charset="2"/>
-        <a:buChar char=""/>
-        <a:defRPr sz="1600" kern="1200">
+        <a:buFont typeface="Arial" panose="020B0604020202020204" pitchFamily="34" charset="0"/>
+        <a:buChar char="•"/>
+        <a:defRPr sz="1800" kern="1200">
           <a:solidFill>
             <a:schemeClr val="tx1"/>
           </a:solidFill>
-          <a:effectLst>
-            <a:outerShdw blurRad="38100" dist="38100" dir="2700000" algn="tl">
-              <a:srgbClr val="000000">
-                <a:alpha val="43137"/>
-              </a:srgbClr>
-            </a:outerShdw>
-          </a:effectLst>
           <a:latin typeface="+mn-lt"/>
           <a:ea typeface="+mn-ea"/>
           <a:cs typeface="+mn-cs"/>
         </a:defRPr>
       </a:lvl4pPr>
-      <a:lvl5pPr marL="1645920" indent="-256032" algn="l" defTabSz="914400" rtl="0" eaLnBrk="1" latinLnBrk="0" hangingPunct="1">
+      <a:lvl5pPr marL="2057400" indent="-228600" algn="l" defTabSz="914400" rtl="0" eaLnBrk="1" latinLnBrk="0" hangingPunct="1">
+        <a:lnSpc>
+          <a:spcPct val="90000"/>
+        </a:lnSpc>
         <a:spcBef>
-          <a:spcPct val="20000"/>
+          <a:spcPts val="500"/>
         </a:spcBef>
-        <a:buSzPct val="60000"/>
-        <a:buFont typeface="Wingdings" pitchFamily="2" charset="2"/>
-        <a:buChar char=""/>
-        <a:defRPr sz="1500" kern="1200">
+        <a:buFont typeface="Arial" panose="020B0604020202020204" pitchFamily="34" charset="0"/>
+        <a:buChar char="•"/>
+        <a:defRPr sz="1800" kern="1200">
           <a:solidFill>
             <a:schemeClr val="tx1"/>
           </a:solidFill>
-          <a:effectLst>
-            <a:outerShdw blurRad="38100" dist="38100" dir="2700000" algn="tl">
-              <a:srgbClr val="000000">
-                <a:alpha val="43137"/>
-              </a:srgbClr>
-            </a:outerShdw>
-          </a:effectLst>
           <a:latin typeface="+mn-lt"/>
           <a:ea typeface="+mn-ea"/>
           <a:cs typeface="+mn-cs"/>
         </a:defRPr>
       </a:lvl5pPr>
-      <a:lvl6pPr marL="1965960" indent="-256032" algn="l" defTabSz="914400" rtl="0" eaLnBrk="1" latinLnBrk="0" hangingPunct="1">
+      <a:lvl6pPr marL="2514600" indent="-228600" algn="l" defTabSz="914400" rtl="0" eaLnBrk="1" latinLnBrk="0" hangingPunct="1">
+        <a:lnSpc>
+          <a:spcPct val="90000"/>
+        </a:lnSpc>
         <a:spcBef>
-          <a:spcPct val="20000"/>
+          <a:spcPts val="500"/>
         </a:spcBef>
-        <a:buSzPct val="60000"/>
-        <a:buFont typeface="Wingdings" pitchFamily="2" charset="2"/>
-        <a:buChar char=""/>
-        <a:defRPr sz="1400" kern="1200">
+        <a:buFont typeface="Arial" panose="020B0604020202020204" pitchFamily="34" charset="0"/>
+        <a:buChar char="•"/>
+        <a:defRPr sz="1800" kern="1200">
           <a:solidFill>
             <a:schemeClr val="tx1"/>
           </a:solidFill>
-          <a:effectLst>
-            <a:outerShdw blurRad="38100" dist="38100" dir="2700000" algn="ctr" rotWithShape="0">
-              <a:srgbClr val="000000">
-                <a:alpha val="43000"/>
-              </a:srgbClr>
-            </a:outerShdw>
-          </a:effectLst>
           <a:latin typeface="+mn-lt"/>
           <a:ea typeface="+mn-ea"/>
           <a:cs typeface="+mn-cs"/>
         </a:defRPr>
       </a:lvl6pPr>
-      <a:lvl7pPr marL="2240280" indent="-256032" algn="l" defTabSz="914400" rtl="0" eaLnBrk="1" latinLnBrk="0" hangingPunct="1">
+      <a:lvl7pPr marL="2971800" indent="-228600" algn="l" defTabSz="914400" rtl="0" eaLnBrk="1" latinLnBrk="0" hangingPunct="1">
+        <a:lnSpc>
+          <a:spcPct val="90000"/>
+        </a:lnSpc>
         <a:spcBef>
-          <a:spcPct val="20000"/>
+          <a:spcPts val="500"/>
         </a:spcBef>
-        <a:buSzPct val="60000"/>
-        <a:buFont typeface="Wingdings" pitchFamily="2" charset="2"/>
-        <a:buChar char=""/>
-        <a:defRPr sz="1400" kern="1200">
+        <a:buFont typeface="Arial" panose="020B0604020202020204" pitchFamily="34" charset="0"/>
+        <a:buChar char="•"/>
+        <a:defRPr sz="1800" kern="1200">
           <a:solidFill>
             <a:schemeClr val="tx1"/>
           </a:solidFill>
-          <a:effectLst>
-            <a:outerShdw blurRad="38100" dist="38100" dir="2700000" algn="ctr" rotWithShape="0">
-              <a:srgbClr val="000000">
-                <a:alpha val="43000"/>
-              </a:srgbClr>
-            </a:outerShdw>
-          </a:effectLst>
           <a:latin typeface="+mn-lt"/>
           <a:ea typeface="+mn-ea"/>
           <a:cs typeface="+mn-cs"/>
         </a:defRPr>
       </a:lvl7pPr>
-      <a:lvl8pPr marL="2514600" indent="-256032" algn="l" defTabSz="914400" rtl="0" eaLnBrk="1" latinLnBrk="0" hangingPunct="1">
+      <a:lvl8pPr marL="3429000" indent="-228600" algn="l" defTabSz="914400" rtl="0" eaLnBrk="1" latinLnBrk="0" hangingPunct="1">
+        <a:lnSpc>
+          <a:spcPct val="90000"/>
+        </a:lnSpc>
         <a:spcBef>
-          <a:spcPct val="20000"/>
+          <a:spcPts val="500"/>
         </a:spcBef>
-        <a:buSzPct val="60000"/>
-        <a:buFont typeface="Wingdings" pitchFamily="2" charset="2"/>
-        <a:buChar char=""/>
-        <a:defRPr sz="1400" kern="1200">
+        <a:buFont typeface="Arial" panose="020B0604020202020204" pitchFamily="34" charset="0"/>
+        <a:buChar char="•"/>
+        <a:defRPr sz="1800" kern="1200">
           <a:solidFill>
             <a:schemeClr val="tx1"/>
           </a:solidFill>
-          <a:effectLst>
-            <a:outerShdw blurRad="38100" dist="38100" dir="2700000" algn="ctr" rotWithShape="0">
-              <a:srgbClr val="000000">
-                <a:alpha val="43000"/>
-              </a:srgbClr>
-            </a:outerShdw>
-          </a:effectLst>
           <a:latin typeface="+mn-lt"/>
           <a:ea typeface="+mn-ea"/>
           <a:cs typeface="+mn-cs"/>
         </a:defRPr>
       </a:lvl8pPr>
-      <a:lvl9pPr marL="2834640" indent="-256032" algn="l" defTabSz="914400" rtl="0" eaLnBrk="1" latinLnBrk="0" hangingPunct="1">
+      <a:lvl9pPr marL="3886200" indent="-228600" algn="l" defTabSz="914400" rtl="0" eaLnBrk="1" latinLnBrk="0" hangingPunct="1">
+        <a:lnSpc>
+          <a:spcPct val="90000"/>
+        </a:lnSpc>
         <a:spcBef>
-          <a:spcPct val="20000"/>
+          <a:spcPts val="500"/>
         </a:spcBef>
-        <a:buSzPct val="60000"/>
-        <a:buFont typeface="Wingdings" pitchFamily="2" charset="2"/>
-        <a:buChar char=""/>
-        <a:defRPr sz="1400" kern="1200">
+        <a:buFont typeface="Arial" panose="020B0604020202020204" pitchFamily="34" charset="0"/>
+        <a:buChar char="•"/>
+        <a:defRPr sz="1800" kern="1200">
           <a:solidFill>
             <a:schemeClr val="tx1"/>
           </a:solidFill>
-          <a:effectLst>
-            <a:outerShdw blurRad="38100" dist="38100" dir="2700000" algn="ctr" rotWithShape="0">
-              <a:srgbClr val="000000">
-                <a:alpha val="43000"/>
-              </a:srgbClr>
-            </a:outerShdw>
-          </a:effectLst>
           <a:latin typeface="+mn-lt"/>
           <a:ea typeface="+mn-ea"/>
           <a:cs typeface="+mn-cs"/>
@@ -3815,7 +3107,7 @@
         <p:spPr/>
         <p:txBody>
           <a:bodyPr>
-            <a:normAutofit lnSpcReduction="10000"/>
+            <a:normAutofit/>
           </a:bodyPr>
           <a:lstStyle/>
           <a:p>
@@ -3863,6 +3155,29 @@
       </p:grpSpPr>
       <p:sp>
         <p:nvSpPr>
+          <p:cNvPr id="4" name="Title 3"/>
+          <p:cNvSpPr>
+            <a:spLocks noGrp="1"/>
+          </p:cNvSpPr>
+          <p:nvPr>
+            <p:ph type="title"/>
+          </p:nvPr>
+        </p:nvSpPr>
+        <p:spPr/>
+        <p:txBody>
+          <a:bodyPr/>
+          <a:lstStyle/>
+          <a:p>
+            <a:r>
+              <a:rPr lang="en-US" dirty="0" smtClean="0"/>
+              <a:t>Premise</a:t>
+            </a:r>
+            <a:endParaRPr lang="en-US" dirty="0"/>
+          </a:p>
+        </p:txBody>
+      </p:sp>
+      <p:sp>
+        <p:nvSpPr>
           <p:cNvPr id="5" name="Content Placeholder 4"/>
           <p:cNvSpPr>
             <a:spLocks noGrp="1"/>
@@ -3880,29 +3195,6 @@
               <a:rPr lang="en-US" dirty="0" smtClean="0"/>
               <a:t>Project Game &amp; Watch takes the 80’s theme to the Game &amp; Watch / Tiger handheld games and applies the aesthetics to a puzzle platformer in which you have to guide the main character to the end goal of each puzzle level.</a:t>
             </a:r>
-          </a:p>
-        </p:txBody>
-      </p:sp>
-      <p:sp>
-        <p:nvSpPr>
-          <p:cNvPr id="4" name="Title 3"/>
-          <p:cNvSpPr>
-            <a:spLocks noGrp="1"/>
-          </p:cNvSpPr>
-          <p:nvPr>
-            <p:ph type="title"/>
-          </p:nvPr>
-        </p:nvSpPr>
-        <p:spPr/>
-        <p:txBody>
-          <a:bodyPr/>
-          <a:lstStyle/>
-          <a:p>
-            <a:r>
-              <a:rPr lang="en-US" dirty="0" smtClean="0"/>
-              <a:t>Premise</a:t>
-            </a:r>
-            <a:endParaRPr lang="en-US" dirty="0"/>
           </a:p>
         </p:txBody>
       </p:sp>
@@ -4020,6 +3312,29 @@
       </p:grpSpPr>
       <p:sp>
         <p:nvSpPr>
+          <p:cNvPr id="2" name="Titre 1"/>
+          <p:cNvSpPr>
+            <a:spLocks noGrp="1"/>
+          </p:cNvSpPr>
+          <p:nvPr>
+            <p:ph type="title"/>
+          </p:nvPr>
+        </p:nvSpPr>
+        <p:spPr/>
+        <p:txBody>
+          <a:bodyPr/>
+          <a:lstStyle/>
+          <a:p>
+            <a:r>
+              <a:rPr lang="en-CA" dirty="0" smtClean="0"/>
+              <a:t>Game Experience</a:t>
+            </a:r>
+            <a:endParaRPr lang="fr-CA" dirty="0"/>
+          </a:p>
+        </p:txBody>
+      </p:sp>
+      <p:sp>
+        <p:nvSpPr>
           <p:cNvPr id="3" name="Espace réservé du contenu 2"/>
           <p:cNvSpPr>
             <a:spLocks noGrp="1"/>
@@ -4090,29 +3405,6 @@
             </a:r>
           </a:p>
           <a:p>
-            <a:endParaRPr lang="fr-CA" dirty="0"/>
-          </a:p>
-        </p:txBody>
-      </p:sp>
-      <p:sp>
-        <p:nvSpPr>
-          <p:cNvPr id="2" name="Titre 1"/>
-          <p:cNvSpPr>
-            <a:spLocks noGrp="1"/>
-          </p:cNvSpPr>
-          <p:nvPr>
-            <p:ph type="title"/>
-          </p:nvPr>
-        </p:nvSpPr>
-        <p:spPr/>
-        <p:txBody>
-          <a:bodyPr/>
-          <a:lstStyle/>
-          <a:p>
-            <a:r>
-              <a:rPr lang="en-CA" dirty="0" smtClean="0"/>
-              <a:t>Game Experience</a:t>
-            </a:r>
             <a:endParaRPr lang="fr-CA" dirty="0"/>
           </a:p>
         </p:txBody>
@@ -4149,6 +3441,29 @@
       </p:grpSpPr>
       <p:sp>
         <p:nvSpPr>
+          <p:cNvPr id="2" name="Titre 1"/>
+          <p:cNvSpPr>
+            <a:spLocks noGrp="1"/>
+          </p:cNvSpPr>
+          <p:nvPr>
+            <p:ph type="title"/>
+          </p:nvPr>
+        </p:nvSpPr>
+        <p:spPr/>
+        <p:txBody>
+          <a:bodyPr/>
+          <a:lstStyle/>
+          <a:p>
+            <a:r>
+              <a:rPr lang="en-CA" dirty="0" smtClean="0"/>
+              <a:t>Gameplay Mechanics</a:t>
+            </a:r>
+            <a:endParaRPr lang="fr-CA" dirty="0"/>
+          </a:p>
+        </p:txBody>
+      </p:sp>
+      <p:sp>
+        <p:nvSpPr>
           <p:cNvPr id="3" name="Espace réservé du contenu 2"/>
           <p:cNvSpPr>
             <a:spLocks noGrp="1"/>
@@ -4160,7 +3475,7 @@
         <p:spPr/>
         <p:txBody>
           <a:bodyPr>
-            <a:normAutofit fontScale="92500" lnSpcReduction="10000"/>
+            <a:normAutofit lnSpcReduction="10000"/>
           </a:bodyPr>
           <a:lstStyle/>
           <a:p>
@@ -4235,29 +3550,6 @@
             <a:r>
               <a:rPr lang="en-CA" dirty="0" smtClean="0"/>
               <a:t>Floats over vertical fans, move faster or is blocked with horizontal fans.</a:t>
-            </a:r>
-            <a:endParaRPr lang="fr-CA" dirty="0"/>
-          </a:p>
-        </p:txBody>
-      </p:sp>
-      <p:sp>
-        <p:nvSpPr>
-          <p:cNvPr id="2" name="Titre 1"/>
-          <p:cNvSpPr>
-            <a:spLocks noGrp="1"/>
-          </p:cNvSpPr>
-          <p:nvPr>
-            <p:ph type="title"/>
-          </p:nvPr>
-        </p:nvSpPr>
-        <p:spPr/>
-        <p:txBody>
-          <a:bodyPr/>
-          <a:lstStyle/>
-          <a:p>
-            <a:r>
-              <a:rPr lang="en-CA" dirty="0" smtClean="0"/>
-              <a:t>Gameplay Mechanics</a:t>
             </a:r>
             <a:endParaRPr lang="fr-CA" dirty="0"/>
           </a:p>
@@ -4295,6 +3587,29 @@
       </p:grpSpPr>
       <p:sp>
         <p:nvSpPr>
+          <p:cNvPr id="2" name="Titre 1"/>
+          <p:cNvSpPr>
+            <a:spLocks noGrp="1"/>
+          </p:cNvSpPr>
+          <p:nvPr>
+            <p:ph type="title"/>
+          </p:nvPr>
+        </p:nvSpPr>
+        <p:spPr/>
+        <p:txBody>
+          <a:bodyPr/>
+          <a:lstStyle/>
+          <a:p>
+            <a:r>
+              <a:rPr lang="en-CA" dirty="0" smtClean="0"/>
+              <a:t>Gameplay Mechanics (cont.)</a:t>
+            </a:r>
+            <a:endParaRPr lang="fr-CA" dirty="0"/>
+          </a:p>
+        </p:txBody>
+      </p:sp>
+      <p:sp>
+        <p:nvSpPr>
           <p:cNvPr id="3" name="Espace réservé du contenu 2"/>
           <p:cNvSpPr>
             <a:spLocks noGrp="1"/>
@@ -4306,7 +3621,7 @@
         <p:spPr/>
         <p:txBody>
           <a:bodyPr>
-            <a:normAutofit fontScale="62500" lnSpcReduction="20000"/>
+            <a:normAutofit fontScale="92500" lnSpcReduction="10000"/>
           </a:bodyPr>
           <a:lstStyle/>
           <a:p>
@@ -4408,90 +3723,13 @@
             <a:pPr lvl="2"/>
             <a:r>
               <a:rPr lang="en-CA" dirty="0" smtClean="0"/>
-              <a:t>Disappearing: Disappears periodically.</a:t>
-            </a:r>
-          </a:p>
-          <a:p>
-            <a:pPr lvl="1">
-              <a:buFont typeface="Courier New" panose="02070309020205020404" pitchFamily="49" charset="0"/>
-              <a:buChar char="o"/>
-            </a:pPr>
+              <a:t>Disappearing: Disappears periodically</a:t>
+            </a:r>
             <a:r>
               <a:rPr lang="en-CA" dirty="0" smtClean="0"/>
-              <a:t>Bouncers: Bounces the character up at different arcs, needs to be pre-activated.</a:t>
-            </a:r>
-          </a:p>
-          <a:p>
-            <a:pPr lvl="1">
-              <a:buFont typeface="Courier New" panose="02070309020205020404" pitchFamily="49" charset="0"/>
-              <a:buChar char="o"/>
-            </a:pPr>
-            <a:r>
-              <a:rPr lang="en-CA" dirty="0" smtClean="0"/>
-              <a:t>Spikes: Kills character on touching.</a:t>
-            </a:r>
-          </a:p>
-          <a:p>
-            <a:pPr lvl="2"/>
-            <a:r>
-              <a:rPr lang="en-CA" dirty="0" smtClean="0"/>
-              <a:t>Eternal</a:t>
-            </a:r>
-            <a:r>
-              <a:rPr lang="en-CA" dirty="0" smtClean="0"/>
-              <a:t>: Remain open.</a:t>
-            </a:r>
-          </a:p>
-          <a:p>
-            <a:pPr lvl="2"/>
-            <a:r>
-              <a:rPr lang="en-CA" dirty="0" smtClean="0"/>
-              <a:t>Closable: Can be closed when interacted.</a:t>
-            </a:r>
-          </a:p>
-          <a:p>
-            <a:pPr lvl="3">
-              <a:buFont typeface="Courier New" panose="02070309020205020404" pitchFamily="49" charset="0"/>
-              <a:buChar char="o"/>
-            </a:pPr>
-            <a:r>
-              <a:rPr lang="en-CA" dirty="0" smtClean="0"/>
-              <a:t>Timed: Reopens after a timed period.</a:t>
-            </a:r>
-          </a:p>
-          <a:p>
-            <a:pPr lvl="3">
-              <a:buFont typeface="Courier New" panose="02070309020205020404" pitchFamily="49" charset="0"/>
-              <a:buChar char="o"/>
-            </a:pPr>
-            <a:r>
-              <a:rPr lang="en-CA" dirty="0" smtClean="0"/>
-              <a:t>Fixed: Remains closed .</a:t>
+              <a:t>.</a:t>
             </a:r>
             <a:endParaRPr lang="en-CA" dirty="0" smtClean="0"/>
-          </a:p>
-        </p:txBody>
-      </p:sp>
-      <p:sp>
-        <p:nvSpPr>
-          <p:cNvPr id="2" name="Titre 1"/>
-          <p:cNvSpPr>
-            <a:spLocks noGrp="1"/>
-          </p:cNvSpPr>
-          <p:nvPr>
-            <p:ph type="title"/>
-          </p:nvPr>
-        </p:nvSpPr>
-        <p:spPr/>
-        <p:txBody>
-          <a:bodyPr/>
-          <a:lstStyle/>
-          <a:p>
-            <a:r>
-              <a:rPr lang="en-CA" dirty="0" smtClean="0"/>
-              <a:t>Gameplay Mechanics (cont.)</a:t>
-            </a:r>
-            <a:endParaRPr lang="fr-CA" dirty="0"/>
           </a:p>
         </p:txBody>
       </p:sp>
@@ -4527,7 +3765,30 @@
       </p:grpSpPr>
       <p:sp>
         <p:nvSpPr>
-          <p:cNvPr id="3" name="Espace réservé du contenu 2"/>
+          <p:cNvPr id="2" name="Title 1"/>
+          <p:cNvSpPr>
+            <a:spLocks noGrp="1"/>
+          </p:cNvSpPr>
+          <p:nvPr>
+            <p:ph type="title"/>
+          </p:nvPr>
+        </p:nvSpPr>
+        <p:spPr/>
+        <p:txBody>
+          <a:bodyPr/>
+          <a:lstStyle/>
+          <a:p>
+            <a:r>
+              <a:rPr lang="en-CA" dirty="0"/>
+              <a:t>Gameplay Mechanics (cont.)</a:t>
+            </a:r>
+            <a:endParaRPr lang="en-US" dirty="0"/>
+          </a:p>
+        </p:txBody>
+      </p:sp>
+      <p:sp>
+        <p:nvSpPr>
+          <p:cNvPr id="3" name="Content Placeholder 2"/>
           <p:cNvSpPr>
             <a:spLocks noGrp="1"/>
           </p:cNvSpPr>
@@ -4537,39 +3798,50 @@
         </p:nvSpPr>
         <p:spPr/>
         <p:txBody>
-          <a:bodyPr>
-            <a:normAutofit fontScale="85000" lnSpcReduction="10000"/>
-          </a:bodyPr>
-          <a:lstStyle/>
+          <a:bodyPr/>
+          <a:lstStyle/>
+          <a:p>
+            <a:pPr lvl="1">
+              <a:buFont typeface="Courier New" panose="02070309020205020404" pitchFamily="49" charset="0"/>
+              <a:buChar char="o"/>
+            </a:pPr>
+            <a:r>
+              <a:rPr lang="en-CA" dirty="0"/>
+              <a:t>Bouncers: Bounces the character up at different arcs, needs to be pre-activated.</a:t>
+            </a:r>
+          </a:p>
+          <a:p>
+            <a:pPr lvl="1">
+              <a:buFont typeface="Courier New" panose="02070309020205020404" pitchFamily="49" charset="0"/>
+              <a:buChar char="o"/>
+            </a:pPr>
+            <a:r>
+              <a:rPr lang="en-CA" dirty="0"/>
+              <a:t>Spikes: Kills character on touching.</a:t>
+            </a:r>
+          </a:p>
+          <a:p>
+            <a:pPr lvl="2"/>
+            <a:r>
+              <a:rPr lang="en-CA" dirty="0"/>
+              <a:t>Eternal: Remain open.</a:t>
+            </a:r>
+          </a:p>
+          <a:p>
+            <a:pPr lvl="2"/>
+            <a:r>
+              <a:rPr lang="en-CA" dirty="0"/>
+              <a:t>Closable: Can be closed when interacted.</a:t>
+            </a:r>
+          </a:p>
           <a:p>
             <a:pPr lvl="3">
               <a:buFont typeface="Courier New" panose="02070309020205020404" pitchFamily="49" charset="0"/>
               <a:buChar char="o"/>
             </a:pPr>
-            <a:endParaRPr lang="en-CA" dirty="0" smtClean="0"/>
-          </a:p>
-          <a:p>
-            <a:pPr lvl="1">
-              <a:buFont typeface="Courier New" panose="02070309020205020404" pitchFamily="49" charset="0"/>
-              <a:buChar char="o"/>
-            </a:pPr>
-            <a:r>
-              <a:rPr lang="en-CA" dirty="0" smtClean="0"/>
-              <a:t>Gates: Blocks path until opened.</a:t>
-            </a:r>
-          </a:p>
-          <a:p>
-            <a:pPr lvl="2"/>
-            <a:r>
-              <a:rPr lang="en-CA" dirty="0" smtClean="0"/>
-              <a:t>Eternal: Remain open.</a:t>
-            </a:r>
-          </a:p>
-          <a:p>
-            <a:pPr lvl="2"/>
-            <a:r>
-              <a:rPr lang="en-CA" dirty="0" smtClean="0"/>
-              <a:t>Closable: Can be closed when interacted.</a:t>
+            <a:r>
+              <a:rPr lang="en-CA" dirty="0"/>
+              <a:t>Timed: Reopens after a timed period.</a:t>
             </a:r>
           </a:p>
           <a:p>
@@ -4578,110 +3850,21 @@
               <a:buChar char="o"/>
             </a:pPr>
             <a:r>
+              <a:rPr lang="en-CA" dirty="0"/>
+              <a:t>Fixed: Remains closed </a:t>
+            </a:r>
+            <a:r>
               <a:rPr lang="en-CA" dirty="0" smtClean="0"/>
-              <a:t>Timed: Reopens after a timed period.</a:t>
-            </a:r>
-          </a:p>
-          <a:p>
-            <a:pPr lvl="3">
-              <a:buFont typeface="Courier New" panose="02070309020205020404" pitchFamily="49" charset="0"/>
-              <a:buChar char="o"/>
-            </a:pPr>
-            <a:r>
-              <a:rPr lang="en-CA" dirty="0" smtClean="0"/>
-              <a:t>Fixed: Remains closed .</a:t>
-            </a:r>
-          </a:p>
-          <a:p>
-            <a:pPr lvl="1">
-              <a:buFont typeface="Courier New" panose="02070309020205020404" pitchFamily="49" charset="0"/>
-              <a:buChar char="o"/>
-            </a:pPr>
-            <a:r>
-              <a:rPr lang="en-CA" dirty="0" smtClean="0"/>
-              <a:t>Fans: Push in the direction they face.</a:t>
-            </a:r>
-          </a:p>
-          <a:p>
-            <a:pPr lvl="2"/>
-            <a:r>
-              <a:rPr lang="en-CA" dirty="0" smtClean="0"/>
-              <a:t>Vertical: Push up or down.</a:t>
-            </a:r>
-          </a:p>
-          <a:p>
-            <a:pPr lvl="2"/>
-            <a:r>
-              <a:rPr lang="en-CA" dirty="0" smtClean="0"/>
-              <a:t>Horizontal: In the back makes the character go faster, in front prevents movement.</a:t>
-            </a:r>
-          </a:p>
-          <a:p>
-            <a:pPr lvl="1">
-              <a:buFont typeface="Courier New" panose="02070309020205020404" pitchFamily="49" charset="0"/>
-              <a:buChar char="o"/>
-            </a:pPr>
-            <a:r>
-              <a:rPr lang="en-CA" dirty="0" smtClean="0"/>
-              <a:t>Falling objects: Timed falling objects that kill the character. Example coconuts.</a:t>
-            </a:r>
-          </a:p>
-          <a:p>
-            <a:pPr lvl="1">
-              <a:buFont typeface="Courier New" panose="02070309020205020404" pitchFamily="49" charset="0"/>
-              <a:buChar char="o"/>
-            </a:pPr>
-            <a:r>
-              <a:rPr lang="en-CA" dirty="0" smtClean="0"/>
-              <a:t>Switches: Not interactable by player, only character. Triggers other objects.</a:t>
-            </a:r>
-          </a:p>
-          <a:p>
-            <a:pPr lvl="1">
-              <a:buFont typeface="Courier New" panose="02070309020205020404" pitchFamily="49" charset="0"/>
-              <a:buChar char="o"/>
-            </a:pPr>
-            <a:r>
-              <a:rPr lang="en-CA" dirty="0" smtClean="0"/>
-              <a:t>End goal: </a:t>
-            </a:r>
-            <a:r>
-              <a:rPr lang="en-CA" dirty="0" smtClean="0"/>
-              <a:t>Not interactable by player, only character. Triggers the end of the puzzle.</a:t>
-            </a:r>
-          </a:p>
-          <a:p>
-            <a:endParaRPr lang="fr-CA" dirty="0"/>
-          </a:p>
-        </p:txBody>
-      </p:sp>
-      <p:sp>
-        <p:nvSpPr>
-          <p:cNvPr id="2" name="Titre 1"/>
-          <p:cNvSpPr>
-            <a:spLocks noGrp="1"/>
-          </p:cNvSpPr>
-          <p:nvPr>
-            <p:ph type="title"/>
-          </p:nvPr>
-        </p:nvSpPr>
-        <p:spPr/>
-        <p:txBody>
-          <a:bodyPr/>
-          <a:lstStyle/>
-          <a:p>
-            <a:r>
-              <a:rPr lang="en-CA" dirty="0" smtClean="0"/>
-              <a:t>Gameplay Mechanics (cont.)</a:t>
-            </a:r>
-            <a:endParaRPr lang="fr-CA" dirty="0"/>
+              <a:t>.</a:t>
+            </a:r>
+            <a:endParaRPr lang="en-CA" dirty="0"/>
           </a:p>
         </p:txBody>
       </p:sp>
     </p:spTree>
     <p:extLst>
       <p:ext uri="{BB962C8B-B14F-4D97-AF65-F5344CB8AC3E}">
-        <p14:creationId xmlns:p14="http://schemas.microsoft.com/office/powerpoint/2010/main" val="2200440245"/>
+        <p14:creationId xmlns:p14="http://schemas.microsoft.com/office/powerpoint/2010/main" val="1201892363"/>
       </p:ext>
     </p:extLst>
   </p:cSld>
@@ -4710,6 +3893,184 @@
       </p:grpSpPr>
       <p:sp>
         <p:nvSpPr>
+          <p:cNvPr id="2" name="Titre 1"/>
+          <p:cNvSpPr>
+            <a:spLocks noGrp="1"/>
+          </p:cNvSpPr>
+          <p:nvPr>
+            <p:ph type="title"/>
+          </p:nvPr>
+        </p:nvSpPr>
+        <p:spPr/>
+        <p:txBody>
+          <a:bodyPr/>
+          <a:lstStyle/>
+          <a:p>
+            <a:r>
+              <a:rPr lang="en-CA" dirty="0" smtClean="0"/>
+              <a:t>Gameplay Mechanics (cont.)</a:t>
+            </a:r>
+            <a:endParaRPr lang="fr-CA" dirty="0"/>
+          </a:p>
+        </p:txBody>
+      </p:sp>
+      <p:sp>
+        <p:nvSpPr>
+          <p:cNvPr id="3" name="Espace réservé du contenu 2"/>
+          <p:cNvSpPr>
+            <a:spLocks noGrp="1"/>
+          </p:cNvSpPr>
+          <p:nvPr>
+            <p:ph idx="1"/>
+          </p:nvPr>
+        </p:nvSpPr>
+        <p:spPr/>
+        <p:txBody>
+          <a:bodyPr>
+            <a:normAutofit/>
+          </a:bodyPr>
+          <a:lstStyle/>
+          <a:p>
+            <a:pPr lvl="1">
+              <a:buFont typeface="Courier New" panose="02070309020205020404" pitchFamily="49" charset="0"/>
+              <a:buChar char="o"/>
+            </a:pPr>
+            <a:r>
+              <a:rPr lang="en-CA" dirty="0" smtClean="0"/>
+              <a:t>Gates</a:t>
+            </a:r>
+            <a:r>
+              <a:rPr lang="en-CA" dirty="0" smtClean="0"/>
+              <a:t>: Blocks path until opened.</a:t>
+            </a:r>
+          </a:p>
+          <a:p>
+            <a:pPr lvl="2"/>
+            <a:r>
+              <a:rPr lang="en-CA" dirty="0" smtClean="0"/>
+              <a:t>Eternal: Remain open.</a:t>
+            </a:r>
+          </a:p>
+          <a:p>
+            <a:pPr lvl="2"/>
+            <a:r>
+              <a:rPr lang="en-CA" dirty="0" smtClean="0"/>
+              <a:t>Closable: Can be closed when interacted.</a:t>
+            </a:r>
+          </a:p>
+          <a:p>
+            <a:pPr lvl="3">
+              <a:buFont typeface="Courier New" panose="02070309020205020404" pitchFamily="49" charset="0"/>
+              <a:buChar char="o"/>
+            </a:pPr>
+            <a:r>
+              <a:rPr lang="en-CA" dirty="0" smtClean="0"/>
+              <a:t>Timed: Reopens after a timed period.</a:t>
+            </a:r>
+          </a:p>
+          <a:p>
+            <a:pPr lvl="3">
+              <a:buFont typeface="Courier New" panose="02070309020205020404" pitchFamily="49" charset="0"/>
+              <a:buChar char="o"/>
+            </a:pPr>
+            <a:r>
+              <a:rPr lang="en-CA" dirty="0" smtClean="0"/>
+              <a:t>Fixed: Remains closed .</a:t>
+            </a:r>
+          </a:p>
+          <a:p>
+            <a:pPr lvl="1">
+              <a:buFont typeface="Courier New" panose="02070309020205020404" pitchFamily="49" charset="0"/>
+              <a:buChar char="o"/>
+            </a:pPr>
+            <a:r>
+              <a:rPr lang="en-CA" dirty="0" smtClean="0"/>
+              <a:t>Fans: Push in the direction they face.</a:t>
+            </a:r>
+          </a:p>
+          <a:p>
+            <a:pPr lvl="2"/>
+            <a:r>
+              <a:rPr lang="en-CA" dirty="0" smtClean="0"/>
+              <a:t>Vertical: Push up or down.</a:t>
+            </a:r>
+          </a:p>
+          <a:p>
+            <a:pPr lvl="2"/>
+            <a:r>
+              <a:rPr lang="en-CA" dirty="0" smtClean="0"/>
+              <a:t>Horizontal: In the back makes the character go faster, in front prevents movement.</a:t>
+            </a:r>
+          </a:p>
+          <a:p>
+            <a:pPr lvl="1">
+              <a:buFont typeface="Courier New" panose="02070309020205020404" pitchFamily="49" charset="0"/>
+              <a:buChar char="o"/>
+            </a:pPr>
+            <a:r>
+              <a:rPr lang="en-CA" dirty="0" smtClean="0"/>
+              <a:t>Falling objects: Timed falling objects that kill the character. Example coconuts.</a:t>
+            </a:r>
+          </a:p>
+          <a:p>
+            <a:pPr lvl="1">
+              <a:buFont typeface="Courier New" panose="02070309020205020404" pitchFamily="49" charset="0"/>
+              <a:buChar char="o"/>
+            </a:pPr>
+            <a:r>
+              <a:rPr lang="en-CA" dirty="0" smtClean="0"/>
+              <a:t>Switches: Not interactable by player, only character. Triggers other objects.</a:t>
+            </a:r>
+          </a:p>
+          <a:p>
+            <a:pPr lvl="1">
+              <a:buFont typeface="Courier New" panose="02070309020205020404" pitchFamily="49" charset="0"/>
+              <a:buChar char="o"/>
+            </a:pPr>
+            <a:r>
+              <a:rPr lang="en-CA" dirty="0" smtClean="0"/>
+              <a:t>End goal: Not interactable by player, only character. Triggers the end of the puzzle</a:t>
+            </a:r>
+            <a:r>
+              <a:rPr lang="en-CA" dirty="0" smtClean="0"/>
+              <a:t>.</a:t>
+            </a:r>
+            <a:endParaRPr lang="en-CA" dirty="0" smtClean="0"/>
+          </a:p>
+        </p:txBody>
+      </p:sp>
+    </p:spTree>
+    <p:extLst>
+      <p:ext uri="{BB962C8B-B14F-4D97-AF65-F5344CB8AC3E}">
+        <p14:creationId xmlns:p14="http://schemas.microsoft.com/office/powerpoint/2010/main" val="2200440245"/>
+      </p:ext>
+    </p:extLst>
+  </p:cSld>
+  <p:clrMapOvr>
+    <a:masterClrMapping/>
+  </p:clrMapOvr>
+</p:sld>
+</file>
+
+<file path=ppt/slides/slide8.xml><?xml version="1.0" encoding="utf-8"?>
+<p:sld xmlns:a="http://schemas.openxmlformats.org/drawingml/2006/main" xmlns:r="http://schemas.openxmlformats.org/officeDocument/2006/relationships" xmlns:p="http://schemas.openxmlformats.org/presentationml/2006/main">
+  <p:cSld>
+    <p:spTree>
+      <p:nvGrpSpPr>
+        <p:cNvPr id="1" name=""/>
+        <p:cNvGrpSpPr/>
+        <p:nvPr/>
+      </p:nvGrpSpPr>
+      <p:grpSpPr>
+        <a:xfrm>
+          <a:off x="0" y="0"/>
+          <a:ext cx="0" cy="0"/>
+          <a:chOff x="0" y="0"/>
+          <a:chExt cx="0" cy="0"/>
+        </a:xfrm>
+      </p:grpSpPr>
+      <p:sp>
+        <p:nvSpPr>
           <p:cNvPr id="4" name="Titre 3"/>
           <p:cNvSpPr>
             <a:spLocks noGrp="1"/>
@@ -4758,7 +4119,7 @@
         </p:blipFill>
         <p:spPr bwMode="auto">
           <a:xfrm>
-            <a:off x="298328" y="400219"/>
+            <a:off x="298328" y="1698870"/>
             <a:ext cx="2029919" cy="1450242"/>
           </a:xfrm>
           <a:prstGeom prst="rect">
@@ -4799,7 +4160,7 @@
         </p:blipFill>
         <p:spPr bwMode="auto">
           <a:xfrm>
-            <a:off x="298329" y="1912989"/>
+            <a:off x="298329" y="3211640"/>
             <a:ext cx="2029918" cy="3044876"/>
           </a:xfrm>
           <a:prstGeom prst="rect">
@@ -4840,7 +4201,7 @@
         </p:blipFill>
         <p:spPr bwMode="auto">
           <a:xfrm>
-            <a:off x="2365256" y="400218"/>
+            <a:off x="2365256" y="1698869"/>
             <a:ext cx="2365539" cy="2951689"/>
           </a:xfrm>
           <a:prstGeom prst="rect">
@@ -4881,7 +4242,7 @@
         </p:blipFill>
         <p:spPr bwMode="auto">
           <a:xfrm>
-            <a:off x="2365256" y="3384781"/>
+            <a:off x="2365256" y="4683432"/>
             <a:ext cx="2365540" cy="1573084"/>
           </a:xfrm>
           <a:prstGeom prst="rect">
@@ -4922,7 +4283,7 @@
         </p:blipFill>
         <p:spPr bwMode="auto">
           <a:xfrm>
-            <a:off x="4792540" y="392037"/>
+            <a:off x="4792540" y="1690688"/>
             <a:ext cx="2837401" cy="1458424"/>
           </a:xfrm>
           <a:prstGeom prst="rect">
@@ -4963,7 +4324,7 @@
         </p:blipFill>
         <p:spPr bwMode="auto">
           <a:xfrm>
-            <a:off x="4792540" y="1912989"/>
+            <a:off x="4792540" y="3211640"/>
             <a:ext cx="2837401" cy="1596038"/>
           </a:xfrm>
           <a:prstGeom prst="rect">
@@ -5004,7 +4365,7 @@
         </p:blipFill>
         <p:spPr bwMode="auto">
           <a:xfrm>
-            <a:off x="4792541" y="3593291"/>
+            <a:off x="4792541" y="4891942"/>
             <a:ext cx="1819430" cy="1364573"/>
           </a:xfrm>
           <a:prstGeom prst="rect">
@@ -5045,7 +4406,7 @@
         </p:blipFill>
         <p:spPr bwMode="auto">
           <a:xfrm>
-            <a:off x="6676659" y="3593291"/>
+            <a:off x="6676659" y="4891942"/>
             <a:ext cx="3119311" cy="1364573"/>
           </a:xfrm>
           <a:prstGeom prst="rect">
@@ -5086,7 +4447,7 @@
         </p:blipFill>
         <p:spPr bwMode="auto">
           <a:xfrm>
-            <a:off x="7723432" y="400219"/>
+            <a:off x="7723432" y="1698870"/>
             <a:ext cx="2072538" cy="3108807"/>
           </a:xfrm>
           <a:prstGeom prst="rect">
@@ -5127,7 +4488,7 @@
         </p:blipFill>
         <p:spPr bwMode="auto">
           <a:xfrm>
-            <a:off x="9866148" y="400220"/>
+            <a:off x="9866148" y="1698871"/>
             <a:ext cx="2073684" cy="1614364"/>
           </a:xfrm>
           <a:prstGeom prst="rect">
@@ -5168,7 +4529,7 @@
         </p:blipFill>
         <p:spPr bwMode="auto">
           <a:xfrm>
-            <a:off x="9866148" y="2092737"/>
+            <a:off x="9866148" y="3391388"/>
             <a:ext cx="2073683" cy="2865127"/>
           </a:xfrm>
           <a:prstGeom prst="rect">
@@ -5200,9 +4561,9 @@
 </file>
 
 <file path=ppt/theme/theme1.xml><?xml version="1.0" encoding="utf-8"?>
-<a:theme xmlns:a="http://schemas.openxmlformats.org/drawingml/2006/main" name="Élémentaire">
+<a:theme xmlns:a="http://schemas.openxmlformats.org/drawingml/2006/main" name="Office Theme">
   <a:themeElements>
-    <a:clrScheme name="Élémentaire">
+    <a:clrScheme name="Office">
       <a:dk1>
         <a:sysClr val="windowText" lastClr="000000"/>
       </a:dk1>
@@ -5210,48 +4571,48 @@
         <a:sysClr val="window" lastClr="FFFFFF"/>
       </a:lt1>
       <a:dk2>
-        <a:srgbClr val="242852"/>
+        <a:srgbClr val="44546A"/>
       </a:dk2>
       <a:lt2>
-        <a:srgbClr val="ACCBF9"/>
+        <a:srgbClr val="E7E6E6"/>
       </a:lt2>
       <a:accent1>
-        <a:srgbClr val="629DD1"/>
+        <a:srgbClr val="5B9BD5"/>
       </a:accent1>
       <a:accent2>
-        <a:srgbClr val="297FD5"/>
+        <a:srgbClr val="ED7D31"/>
       </a:accent2>
       <a:accent3>
-        <a:srgbClr val="7F8FA9"/>
+        <a:srgbClr val="A5A5A5"/>
       </a:accent3>
       <a:accent4>
-        <a:srgbClr val="4A66AC"/>
+        <a:srgbClr val="FFC000"/>
       </a:accent4>
       <a:accent5>
-        <a:srgbClr val="5AA2AE"/>
+        <a:srgbClr val="4472C4"/>
       </a:accent5>
       <a:accent6>
-        <a:srgbClr val="9D90A0"/>
+        <a:srgbClr val="70AD47"/>
       </a:accent6>
       <a:hlink>
-        <a:srgbClr val="9454C3"/>
+        <a:srgbClr val="0563C1"/>
       </a:hlink>
       <a:folHlink>
-        <a:srgbClr val="3EBBF0"/>
+        <a:srgbClr val="954F72"/>
       </a:folHlink>
     </a:clrScheme>
-    <a:fontScheme name="Élémentaire">
+    <a:fontScheme name="Office">
       <a:majorFont>
-        <a:latin typeface="Palatino Linotype"/>
+        <a:latin typeface="Calibri Light" panose="020F0302020204030204"/>
         <a:ea typeface=""/>
         <a:cs typeface=""/>
-        <a:font script="Jpan" typeface="HGS明朝E"/>
+        <a:font script="Jpan" typeface="ＭＳ Ｐゴシック"/>
         <a:font script="Hang" typeface="맑은 고딕"/>
         <a:font script="Hans" typeface="宋体"/>
         <a:font script="Hant" typeface="新細明體"/>
         <a:font script="Arab" typeface="Times New Roman"/>
         <a:font script="Hebr" typeface="Times New Roman"/>
-        <a:font script="Thai" typeface="Browallia New"/>
+        <a:font script="Thai" typeface="Angsana New"/>
         <a:font script="Ethi" typeface="Nyala"/>
         <a:font script="Beng" typeface="Vrinda"/>
         <a:font script="Gujr" typeface="Shruti"/>
@@ -5277,20 +4638,20 @@
         <a:font script="Geor" typeface="Sylfaen"/>
       </a:majorFont>
       <a:minorFont>
-        <a:latin typeface="Palatino Linotype"/>
+        <a:latin typeface="Calibri" panose="020F0502020204030204"/>
         <a:ea typeface=""/>
         <a:cs typeface=""/>
-        <a:font script="Jpan" typeface="HGS明朝E"/>
+        <a:font script="Jpan" typeface="ＭＳ Ｐゴシック"/>
         <a:font script="Hang" typeface="맑은 고딕"/>
         <a:font script="Hans" typeface="宋体"/>
         <a:font script="Hant" typeface="新細明體"/>
-        <a:font script="Arab" typeface="Times New Roman"/>
-        <a:font script="Hebr" typeface="Times New Roman"/>
-        <a:font script="Thai" typeface="Browallia New"/>
+        <a:font script="Arab" typeface="Arial"/>
+        <a:font script="Hebr" typeface="Arial"/>
+        <a:font script="Thai" typeface="Cordia New"/>
         <a:font script="Ethi" typeface="Nyala"/>
         <a:font script="Beng" typeface="Vrinda"/>
         <a:font script="Gujr" typeface="Shruti"/>
-        <a:font script="Khmr" typeface="MoolBoran"/>
+        <a:font script="Khmr" typeface="DaunPenh"/>
         <a:font script="Knda" typeface="Tunga"/>
         <a:font script="Guru" typeface="Raavi"/>
         <a:font script="Cans" typeface="Euphemia"/>
@@ -5307,12 +4668,12 @@
         <a:font script="Laoo" typeface="DokChampa"/>
         <a:font script="Sinh" typeface="Iskoola Pota"/>
         <a:font script="Mong" typeface="Mongolian Baiti"/>
-        <a:font script="Viet" typeface="Times New Roman"/>
+        <a:font script="Viet" typeface="Arial"/>
         <a:font script="Uigh" typeface="Microsoft Uighur"/>
         <a:font script="Geor" typeface="Sylfaen"/>
       </a:minorFont>
     </a:fontScheme>
-    <a:fmtScheme name="Élémentaire">
+    <a:fmtScheme name="Office">
       <a:fillStyleLst>
         <a:solidFill>
           <a:schemeClr val="phClr"/>
@@ -5321,157 +4682,141 @@
           <a:gsLst>
             <a:gs pos="0">
               <a:schemeClr val="phClr">
-                <a:tint val="90000"/>
+                <a:lumMod val="110000"/>
+                <a:satMod val="105000"/>
+                <a:tint val="67000"/>
               </a:schemeClr>
             </a:gs>
-            <a:gs pos="48000">
+            <a:gs pos="50000">
               <a:schemeClr val="phClr">
-                <a:tint val="54000"/>
-                <a:satMod val="140000"/>
+                <a:lumMod val="105000"/>
+                <a:satMod val="103000"/>
+                <a:tint val="73000"/>
               </a:schemeClr>
             </a:gs>
             <a:gs pos="100000">
               <a:schemeClr val="phClr">
-                <a:tint val="24000"/>
-                <a:satMod val="260000"/>
+                <a:lumMod val="105000"/>
+                <a:satMod val="109000"/>
+                <a:tint val="81000"/>
               </a:schemeClr>
             </a:gs>
           </a:gsLst>
-          <a:lin ang="16200000" scaled="1"/>
+          <a:lin ang="5400000" scaled="0"/>
         </a:gradFill>
         <a:gradFill rotWithShape="1">
           <a:gsLst>
             <a:gs pos="0">
-              <a:schemeClr val="phClr"/>
+              <a:schemeClr val="phClr">
+                <a:satMod val="103000"/>
+                <a:lumMod val="102000"/>
+                <a:tint val="94000"/>
+              </a:schemeClr>
             </a:gs>
-            <a:gs pos="100000">
+            <a:gs pos="50000">
               <a:schemeClr val="phClr">
-                <a:shade val="48000"/>
-                <a:satMod val="180000"/>
-                <a:lumMod val="94000"/>
+                <a:satMod val="110000"/>
+                <a:lumMod val="100000"/>
+                <a:shade val="100000"/>
               </a:schemeClr>
             </a:gs>
             <a:gs pos="100000">
               <a:schemeClr val="phClr">
-                <a:shade val="48000"/>
-                <a:satMod val="180000"/>
-                <a:lumMod val="94000"/>
+                <a:lumMod val="99000"/>
+                <a:satMod val="120000"/>
+                <a:shade val="78000"/>
               </a:schemeClr>
             </a:gs>
           </a:gsLst>
-          <a:lin ang="4140000" scaled="1"/>
+          <a:lin ang="5400000" scaled="0"/>
         </a:gradFill>
       </a:fillStyleLst>
       <a:lnStyleLst>
+        <a:ln w="6350" cap="flat" cmpd="sng" algn="ctr">
+          <a:solidFill>
+            <a:schemeClr val="phClr"/>
+          </a:solidFill>
+          <a:prstDash val="solid"/>
+          <a:miter lim="800000"/>
+        </a:ln>
         <a:ln w="12700" cap="flat" cmpd="sng" algn="ctr">
           <a:solidFill>
             <a:schemeClr val="phClr"/>
           </a:solidFill>
           <a:prstDash val="solid"/>
+          <a:miter lim="800000"/>
         </a:ln>
         <a:ln w="19050" cap="flat" cmpd="sng" algn="ctr">
           <a:solidFill>
             <a:schemeClr val="phClr"/>
           </a:solidFill>
           <a:prstDash val="solid"/>
-        </a:ln>
-        <a:ln w="28575" cap="flat" cmpd="sng" algn="ctr">
-          <a:solidFill>
-            <a:schemeClr val="phClr"/>
-          </a:solidFill>
-          <a:prstDash val="solid"/>
+          <a:miter lim="800000"/>
         </a:ln>
       </a:lnStyleLst>
       <a:effectStyleLst>
         <a:effectStyle>
+          <a:effectLst/>
+        </a:effectStyle>
+        <a:effectStyle>
+          <a:effectLst/>
+        </a:effectStyle>
+        <a:effectStyle>
           <a:effectLst>
-            <a:outerShdw blurRad="63500" dist="12700" dir="5400000" sx="102000" sy="102000" rotWithShape="0">
+            <a:outerShdw blurRad="57150" dist="19050" dir="5400000" algn="ctr" rotWithShape="0">
               <a:srgbClr val="000000">
-                <a:alpha val="32000"/>
+                <a:alpha val="63000"/>
               </a:srgbClr>
             </a:outerShdw>
           </a:effectLst>
-        </a:effectStyle>
-        <a:effectStyle>
-          <a:effectLst>
-            <a:outerShdw blurRad="76200" dist="38100" dir="5400000" rotWithShape="0">
-              <a:srgbClr val="000000">
-                <a:alpha val="60000"/>
-              </a:srgbClr>
-            </a:outerShdw>
-          </a:effectLst>
-          <a:scene3d>
-            <a:camera prst="orthographicFront">
-              <a:rot lat="0" lon="0" rev="0"/>
-            </a:camera>
-            <a:lightRig rig="glow" dir="tl">
-              <a:rot lat="0" lon="0" rev="19800000"/>
-            </a:lightRig>
-          </a:scene3d>
-          <a:sp3d prstMaterial="metal">
-            <a:bevelT w="38100" h="38100"/>
-          </a:sp3d>
-        </a:effectStyle>
-        <a:effectStyle>
-          <a:effectLst>
-            <a:outerShdw blurRad="114300" dist="114300" dir="5400000" rotWithShape="0">
-              <a:srgbClr val="000000">
-                <a:alpha val="70000"/>
-              </a:srgbClr>
-            </a:outerShdw>
-          </a:effectLst>
-          <a:scene3d>
-            <a:camera prst="orthographicFront">
-              <a:rot lat="0" lon="0" rev="0"/>
-            </a:camera>
-            <a:lightRig rig="threePt" dir="t">
-              <a:rot lat="0" lon="0" rev="19800000"/>
-            </a:lightRig>
-          </a:scene3d>
-          <a:sp3d prstMaterial="plastic">
-            <a:bevelT w="50800" h="50800"/>
-          </a:sp3d>
         </a:effectStyle>
       </a:effectStyleLst>
       <a:bgFillStyleLst>
         <a:solidFill>
           <a:schemeClr val="phClr"/>
         </a:solidFill>
+        <a:solidFill>
+          <a:schemeClr val="phClr">
+            <a:tint val="95000"/>
+            <a:satMod val="170000"/>
+          </a:schemeClr>
+        </a:solidFill>
         <a:gradFill rotWithShape="1">
           <a:gsLst>
             <a:gs pos="0">
               <a:schemeClr val="phClr">
-                <a:tint val="95000"/>
+                <a:tint val="93000"/>
+                <a:satMod val="150000"/>
+                <a:shade val="98000"/>
+                <a:lumMod val="102000"/>
+              </a:schemeClr>
+            </a:gs>
+            <a:gs pos="50000">
+              <a:schemeClr val="phClr">
+                <a:tint val="98000"/>
+                <a:satMod val="130000"/>
+                <a:shade val="90000"/>
+                <a:lumMod val="103000"/>
               </a:schemeClr>
             </a:gs>
             <a:gs pos="100000">
               <a:schemeClr val="phClr">
-                <a:shade val="40000"/>
-                <a:satMod val="180000"/>
+                <a:shade val="63000"/>
+                <a:satMod val="120000"/>
               </a:schemeClr>
             </a:gs>
           </a:gsLst>
           <a:lin ang="5400000" scaled="0"/>
         </a:gradFill>
-        <a:blipFill>
-          <a:blip xmlns:r="http://schemas.openxmlformats.org/officeDocument/2006/relationships" r:embed="rId1">
-            <a:duotone>
-              <a:schemeClr val="phClr">
-                <a:shade val="14000"/>
-                <a:satMod val="280000"/>
-              </a:schemeClr>
-              <a:schemeClr val="phClr">
-                <a:tint val="60000"/>
-                <a:satMod val="120000"/>
-              </a:schemeClr>
-            </a:duotone>
-          </a:blip>
-          <a:stretch/>
-        </a:blipFill>
       </a:bgFillStyleLst>
     </a:fmtScheme>
   </a:themeElements>
   <a:objectDefaults/>
   <a:extraClrSchemeLst/>
+  <a:extLst>
+    <a:ext uri="{05A4C25C-085E-4340-85A3-A5531E510DB2}">
+      <thm15:themeFamily xmlns:thm15="http://schemas.microsoft.com/office/thememl/2012/main" name="Office Theme" id="{62F939B6-93AF-4DB8-9C6B-D6C7DFDC589F}" vid="{4A3C46E8-61CC-4603-A589-7422A47A8E4A}"/>
+    </a:ext>
+  </a:extLst>
 </a:theme>
 </file>
--- a/Project Game & Watch.pptx
+++ b/Project Game & Watch.pptx
@@ -7,12 +7,13 @@
   <p:sldIdLst>
     <p:sldId id="256" r:id="rId2"/>
     <p:sldId id="257" r:id="rId3"/>
-    <p:sldId id="258" r:id="rId4"/>
-    <p:sldId id="260" r:id="rId5"/>
-    <p:sldId id="261" r:id="rId6"/>
-    <p:sldId id="263" r:id="rId7"/>
-    <p:sldId id="262" r:id="rId8"/>
-    <p:sldId id="259" r:id="rId9"/>
+    <p:sldId id="264" r:id="rId4"/>
+    <p:sldId id="258" r:id="rId5"/>
+    <p:sldId id="260" r:id="rId6"/>
+    <p:sldId id="261" r:id="rId7"/>
+    <p:sldId id="263" r:id="rId8"/>
+    <p:sldId id="262" r:id="rId9"/>
+    <p:sldId id="259" r:id="rId10"/>
   </p:sldIdLst>
   <p:sldSz cx="12192000" cy="6858000"/>
   <p:notesSz cx="6858000" cy="9144000"/>
@@ -113,7 +114,7 @@
   </p:defaultTextStyle>
   <p:extLst>
     <p:ext uri="{EFAFB233-063F-42B5-8137-9DF3F51BA10A}">
-      <p15:sldGuideLst xmlns:p15="http://schemas.microsoft.com/office/powerpoint/2012/main">
+      <p15:sldGuideLst xmlns:p15="http://schemas.microsoft.com/office/powerpoint/2012/main" xmlns="">
         <p15:guide id="1" orient="horz" pos="2160">
           <p15:clr>
             <a:srgbClr val="A4A3A4"/>
@@ -261,7 +262,7 @@
           <a:p>
             <a:fld id="{2BE451C3-0FF4-47C4-B829-773ADF60F88C}" type="datetimeFigureOut">
               <a:rPr lang="en-US" smtClean="0"/>
-              <a:t>1/21/2015</a:t>
+              <a:t>1/22/2015</a:t>
             </a:fld>
             <a:endParaRPr lang="en-US" dirty="0"/>
           </a:p>
@@ -309,7 +310,7 @@
             <a:fld id="{D57F1E4F-1CFF-5643-939E-217C01CDF565}" type="slidenum">
               <a:rPr lang="en-US" smtClean="0"/>
               <a:pPr/>
-              <a:t>‹#›</a:t>
+              <a:t>‹N°›</a:t>
             </a:fld>
             <a:endParaRPr lang="en-US" dirty="0"/>
           </a:p>
@@ -438,7 +439,7 @@
           <a:p>
             <a:fld id="{2BE451C3-0FF4-47C4-B829-773ADF60F88C}" type="datetimeFigureOut">
               <a:rPr lang="en-US" smtClean="0"/>
-              <a:t>1/21/2015</a:t>
+              <a:t>1/22/2015</a:t>
             </a:fld>
             <a:endParaRPr lang="en-US" dirty="0"/>
           </a:p>
@@ -486,7 +487,7 @@
             <a:fld id="{D57F1E4F-1CFF-5643-939E-217C01CDF565}" type="slidenum">
               <a:rPr lang="en-US" smtClean="0"/>
               <a:pPr/>
-              <a:t>‹#›</a:t>
+              <a:t>‹N°›</a:t>
             </a:fld>
             <a:endParaRPr lang="en-US" dirty="0"/>
           </a:p>
@@ -625,7 +626,7 @@
           <a:p>
             <a:fld id="{2BE451C3-0FF4-47C4-B829-773ADF60F88C}" type="datetimeFigureOut">
               <a:rPr lang="en-US" smtClean="0"/>
-              <a:t>1/21/2015</a:t>
+              <a:t>1/22/2015</a:t>
             </a:fld>
             <a:endParaRPr lang="en-US" dirty="0"/>
           </a:p>
@@ -673,7 +674,7 @@
             <a:fld id="{D57F1E4F-1CFF-5643-939E-217C01CDF565}" type="slidenum">
               <a:rPr lang="en-US" smtClean="0"/>
               <a:pPr/>
-              <a:t>‹#›</a:t>
+              <a:t>‹N°›</a:t>
             </a:fld>
             <a:endParaRPr lang="en-US" dirty="0"/>
           </a:p>
@@ -802,7 +803,7 @@
           <a:p>
             <a:fld id="{2BE451C3-0FF4-47C4-B829-773ADF60F88C}" type="datetimeFigureOut">
               <a:rPr lang="en-US" smtClean="0"/>
-              <a:t>1/21/2015</a:t>
+              <a:t>1/22/2015</a:t>
             </a:fld>
             <a:endParaRPr lang="en-US" dirty="0"/>
           </a:p>
@@ -850,7 +851,7 @@
             <a:fld id="{D57F1E4F-1CFF-5643-939E-217C01CDF565}" type="slidenum">
               <a:rPr lang="en-US" smtClean="0"/>
               <a:pPr/>
-              <a:t>‹#›</a:t>
+              <a:t>‹N°›</a:t>
             </a:fld>
             <a:endParaRPr lang="en-US" dirty="0"/>
           </a:p>
@@ -1055,7 +1056,7 @@
           <a:p>
             <a:fld id="{2BE451C3-0FF4-47C4-B829-773ADF60F88C}" type="datetimeFigureOut">
               <a:rPr lang="en-US" smtClean="0"/>
-              <a:t>1/21/2015</a:t>
+              <a:t>1/22/2015</a:t>
             </a:fld>
             <a:endParaRPr lang="en-US" dirty="0"/>
           </a:p>
@@ -1103,7 +1104,7 @@
             <a:fld id="{D57F1E4F-1CFF-5643-939E-217C01CDF565}" type="slidenum">
               <a:rPr lang="en-US" smtClean="0"/>
               <a:pPr/>
-              <a:t>‹#›</a:t>
+              <a:t>‹N°›</a:t>
             </a:fld>
             <a:endParaRPr lang="en-US" dirty="0"/>
           </a:p>
@@ -1294,7 +1295,7 @@
           <a:p>
             <a:fld id="{2BE451C3-0FF4-47C4-B829-773ADF60F88C}" type="datetimeFigureOut">
               <a:rPr lang="en-US" smtClean="0"/>
-              <a:t>1/21/2015</a:t>
+              <a:t>1/22/2015</a:t>
             </a:fld>
             <a:endParaRPr lang="en-US" dirty="0"/>
           </a:p>
@@ -1342,7 +1343,7 @@
             <a:fld id="{D57F1E4F-1CFF-5643-939E-217C01CDF565}" type="slidenum">
               <a:rPr lang="en-US" smtClean="0"/>
               <a:pPr/>
-              <a:t>‹#›</a:t>
+              <a:t>‹N°›</a:t>
             </a:fld>
             <a:endParaRPr lang="en-US" dirty="0"/>
           </a:p>
@@ -1668,7 +1669,7 @@
           <a:p>
             <a:fld id="{2BE451C3-0FF4-47C4-B829-773ADF60F88C}" type="datetimeFigureOut">
               <a:rPr lang="en-US" smtClean="0"/>
-              <a:t>1/21/2015</a:t>
+              <a:t>1/22/2015</a:t>
             </a:fld>
             <a:endParaRPr lang="en-US" dirty="0"/>
           </a:p>
@@ -1716,7 +1717,7 @@
             <a:fld id="{D57F1E4F-1CFF-5643-939E-217C01CDF565}" type="slidenum">
               <a:rPr lang="en-US" smtClean="0"/>
               <a:pPr/>
-              <a:t>‹#›</a:t>
+              <a:t>‹N°›</a:t>
             </a:fld>
             <a:endParaRPr lang="en-US" dirty="0"/>
           </a:p>
@@ -1793,7 +1794,7 @@
           <a:p>
             <a:fld id="{2BE451C3-0FF4-47C4-B829-773ADF60F88C}" type="datetimeFigureOut">
               <a:rPr lang="en-US" smtClean="0"/>
-              <a:t>1/21/2015</a:t>
+              <a:t>1/22/2015</a:t>
             </a:fld>
             <a:endParaRPr lang="en-US" dirty="0"/>
           </a:p>
@@ -1841,7 +1842,7 @@
             <a:fld id="{D57F1E4F-1CFF-5643-939E-217C01CDF565}" type="slidenum">
               <a:rPr lang="en-US" smtClean="0"/>
               <a:pPr/>
-              <a:t>‹#›</a:t>
+              <a:t>‹N°›</a:t>
             </a:fld>
             <a:endParaRPr lang="en-US" dirty="0"/>
           </a:p>
@@ -1895,7 +1896,7 @@
           <a:p>
             <a:fld id="{2BE451C3-0FF4-47C4-B829-773ADF60F88C}" type="datetimeFigureOut">
               <a:rPr lang="en-US" smtClean="0"/>
-              <a:t>1/21/2015</a:t>
+              <a:t>1/22/2015</a:t>
             </a:fld>
             <a:endParaRPr lang="en-US" dirty="0"/>
           </a:p>
@@ -1943,7 +1944,7 @@
             <a:fld id="{D57F1E4F-1CFF-5643-939E-217C01CDF565}" type="slidenum">
               <a:rPr lang="en-US" smtClean="0"/>
               <a:pPr/>
-              <a:t>‹#›</a:t>
+              <a:t>‹N°›</a:t>
             </a:fld>
             <a:endParaRPr lang="en-US" dirty="0"/>
           </a:p>
@@ -2179,7 +2180,7 @@
           <a:p>
             <a:fld id="{2BE451C3-0FF4-47C4-B829-773ADF60F88C}" type="datetimeFigureOut">
               <a:rPr lang="en-US" smtClean="0"/>
-              <a:t>1/21/2015</a:t>
+              <a:t>1/22/2015</a:t>
             </a:fld>
             <a:endParaRPr lang="en-US" dirty="0"/>
           </a:p>
@@ -2227,7 +2228,7 @@
             <a:fld id="{D57F1E4F-1CFF-5643-939E-217C01CDF565}" type="slidenum">
               <a:rPr lang="en-US" smtClean="0"/>
               <a:pPr/>
-              <a:t>‹#›</a:t>
+              <a:t>‹N°›</a:t>
             </a:fld>
             <a:endParaRPr lang="en-US" dirty="0"/>
           </a:p>
@@ -2439,7 +2440,7 @@
           <a:p>
             <a:fld id="{2BE451C3-0FF4-47C4-B829-773ADF60F88C}" type="datetimeFigureOut">
               <a:rPr lang="en-US" smtClean="0"/>
-              <a:t>1/21/2015</a:t>
+              <a:t>1/22/2015</a:t>
             </a:fld>
             <a:endParaRPr lang="en-US" dirty="0"/>
           </a:p>
@@ -2487,7 +2488,7 @@
             <a:fld id="{D57F1E4F-1CFF-5643-939E-217C01CDF565}" type="slidenum">
               <a:rPr lang="en-US" smtClean="0"/>
               <a:pPr/>
-              <a:t>‹#›</a:t>
+              <a:t>‹N°›</a:t>
             </a:fld>
             <a:endParaRPr lang="en-US" dirty="0"/>
           </a:p>
@@ -2659,7 +2660,7 @@
           <a:p>
             <a:fld id="{2BE451C3-0FF4-47C4-B829-773ADF60F88C}" type="datetimeFigureOut">
               <a:rPr lang="en-US" smtClean="0"/>
-              <a:t>1/21/2015</a:t>
+              <a:t>1/22/2015</a:t>
             </a:fld>
             <a:endParaRPr lang="en-US" dirty="0"/>
           </a:p>
@@ -2743,7 +2744,7 @@
             <a:fld id="{D57F1E4F-1CFF-5643-939E-217C01CDF565}" type="slidenum">
               <a:rPr lang="en-US" smtClean="0"/>
               <a:pPr/>
-              <a:t>‹#›</a:t>
+              <a:t>‹N°›</a:t>
             </a:fld>
             <a:endParaRPr lang="en-US" dirty="0"/>
           </a:p>
@@ -3071,6 +3072,47 @@
           <a:chExt cx="0" cy="0"/>
         </a:xfrm>
       </p:grpSpPr>
+      <p:pic>
+        <p:nvPicPr>
+          <p:cNvPr id="1026" name="Picture 2" descr="C:\Users\pconte\Documents\GitHub\Project-G-W\tumblr_nfvigoHWT61qlhvfoo1_500.gif"/>
+          <p:cNvPicPr>
+            <a:picLocks noChangeAspect="1" noChangeArrowheads="1" noCrop="1"/>
+          </p:cNvPicPr>
+          <p:nvPr/>
+        </p:nvPicPr>
+        <p:blipFill>
+          <a:blip r:embed="rId2">
+            <a:extLst>
+              <a:ext uri="{28A0092B-C50C-407E-A947-70E740481C1C}">
+                <a14:useLocalDpi xmlns:a14="http://schemas.microsoft.com/office/drawing/2010/main" val="0"/>
+              </a:ext>
+            </a:extLst>
+          </a:blip>
+          <a:srcRect/>
+          <a:stretch>
+            <a:fillRect/>
+          </a:stretch>
+        </p:blipFill>
+        <p:spPr bwMode="auto">
+          <a:xfrm>
+            <a:off x="-117232" y="-1155948"/>
+            <a:ext cx="14122401" cy="11184944"/>
+          </a:xfrm>
+          <a:prstGeom prst="rect">
+            <a:avLst/>
+          </a:prstGeom>
+          <a:noFill/>
+          <a:extLst>
+            <a:ext uri="{909E8E84-426E-40DD-AFC4-6F175D3DCCD1}">
+              <a14:hiddenFill xmlns:a14="http://schemas.microsoft.com/office/drawing/2010/main">
+                <a:solidFill>
+                  <a:srgbClr val="FFFFFF"/>
+                </a:solidFill>
+              </a14:hiddenFill>
+            </a:ext>
+          </a:extLst>
+        </p:spPr>
+      </p:pic>
       <p:sp>
         <p:nvSpPr>
           <p:cNvPr id="2" name="Title 1"/>
@@ -3133,6 +3175,13 @@
   <p:clrMapOvr>
     <a:masterClrMapping/>
   </p:clrMapOvr>
+  <p:timing>
+    <p:tnLst>
+      <p:par>
+        <p:cTn id="1" dur="indefinite" restart="never" nodeType="tmRoot"/>
+      </p:par>
+    </p:tnLst>
+  </p:timing>
 </p:sld>
 </file>
 
@@ -3153,6 +3202,56 @@
           <a:chExt cx="0" cy="0"/>
         </a:xfrm>
       </p:grpSpPr>
+      <p:pic>
+        <p:nvPicPr>
+          <p:cNvPr id="2050" name="Picture 2" descr="C:\Users\pconte\Documents\GitHub\Project-G-W\tumblr_mptg7fUFz61qblktko1_500.png"/>
+          <p:cNvPicPr>
+            <a:picLocks noChangeAspect="1" noChangeArrowheads="1"/>
+          </p:cNvPicPr>
+          <p:nvPr/>
+        </p:nvPicPr>
+        <p:blipFill>
+          <a:blip r:embed="rId2">
+            <a:extLst>
+              <a:ext uri="{BEBA8EAE-BF5A-486C-A8C5-ECC9F3942E4B}">
+                <a14:imgProps xmlns:a14="http://schemas.microsoft.com/office/drawing/2010/main">
+                  <a14:imgLayer r:embed="rId3">
+                    <a14:imgEffect>
+                      <a14:brightnessContrast bright="20000"/>
+                    </a14:imgEffect>
+                  </a14:imgLayer>
+                </a14:imgProps>
+              </a:ext>
+              <a:ext uri="{28A0092B-C50C-407E-A947-70E740481C1C}">
+                <a14:useLocalDpi xmlns:a14="http://schemas.microsoft.com/office/drawing/2010/main" val="0"/>
+              </a:ext>
+            </a:extLst>
+          </a:blip>
+          <a:srcRect/>
+          <a:stretch>
+            <a:fillRect/>
+          </a:stretch>
+        </p:blipFill>
+        <p:spPr bwMode="auto">
+          <a:xfrm>
+            <a:off x="-234462" y="-5671218"/>
+            <a:ext cx="12793785" cy="16324873"/>
+          </a:xfrm>
+          <a:prstGeom prst="rect">
+            <a:avLst/>
+          </a:prstGeom>
+          <a:noFill/>
+          <a:extLst>
+            <a:ext uri="{909E8E84-426E-40DD-AFC4-6F175D3DCCD1}">
+              <a14:hiddenFill xmlns:a14="http://schemas.microsoft.com/office/drawing/2010/main">
+                <a:solidFill>
+                  <a:srgbClr val="FFFFFF"/>
+                </a:solidFill>
+              </a14:hiddenFill>
+            </a:ext>
+          </a:extLst>
+        </p:spPr>
+      </p:pic>
       <p:sp>
         <p:nvSpPr>
           <p:cNvPr id="4" name="Title 3"/>
@@ -3193,8 +3292,21 @@
           <a:p>
             <a:r>
               <a:rPr lang="en-US" dirty="0" smtClean="0"/>
-              <a:t>Project Game &amp; Watch takes the 80’s theme to the Game &amp; Watch / Tiger handheld games and applies the aesthetics to a puzzle platformer in which you have to guide the main character to the end goal of each puzzle level.</a:t>
-            </a:r>
+              <a:t>Project Game &amp; Watch </a:t>
+            </a:r>
+            <a:r>
+              <a:rPr lang="en-US" dirty="0" smtClean="0"/>
+              <a:t>is a puzzle </a:t>
+            </a:r>
+            <a:r>
+              <a:rPr lang="en-US" dirty="0" smtClean="0"/>
+              <a:t>platformer in which you have to guide the main character to the end goal of each puzzle </a:t>
+            </a:r>
+            <a:r>
+              <a:rPr lang="en-US" dirty="0" smtClean="0"/>
+              <a:t>level by interacting with the different objects in the environment.</a:t>
+            </a:r>
+            <a:endParaRPr lang="en-US" dirty="0" smtClean="0"/>
           </a:p>
         </p:txBody>
       </p:sp>
@@ -3207,7 +3319,7 @@
           <p:nvPr/>
         </p:nvPicPr>
         <p:blipFill>
-          <a:blip r:embed="rId2">
+          <a:blip r:embed="rId4">
             <a:extLst>
               <a:ext uri="{28A0092B-C50C-407E-A947-70E740481C1C}">
                 <a14:useLocalDpi xmlns:a14="http://schemas.microsoft.com/office/drawing/2010/main" val="0"/>
@@ -3227,7 +3339,16 @@
           <a:prstGeom prst="rect">
             <a:avLst/>
           </a:prstGeom>
-          <a:noFill/>
+          <a:ln>
+            <a:noFill/>
+          </a:ln>
+          <a:effectLst>
+            <a:outerShdw blurRad="292100" dist="139700" dir="2700000" algn="tl" rotWithShape="0">
+              <a:srgbClr val="333333">
+                <a:alpha val="65000"/>
+              </a:srgbClr>
+            </a:outerShdw>
+          </a:effectLst>
           <a:extLst>
             <a:ext uri="{909E8E84-426E-40DD-AFC4-6F175D3DCCD1}">
               <a14:hiddenFill xmlns:a14="http://schemas.microsoft.com/office/drawing/2010/main">
@@ -3248,7 +3369,7 @@
           <p:nvPr/>
         </p:nvPicPr>
         <p:blipFill>
-          <a:blip r:embed="rId3">
+          <a:blip r:embed="rId5">
             <a:extLst>
               <a:ext uri="{28A0092B-C50C-407E-A947-70E740481C1C}">
                 <a14:useLocalDpi xmlns:a14="http://schemas.microsoft.com/office/drawing/2010/main" val="0"/>
@@ -3268,7 +3389,16 @@
           <a:prstGeom prst="rect">
             <a:avLst/>
           </a:prstGeom>
-          <a:noFill/>
+          <a:ln>
+            <a:noFill/>
+          </a:ln>
+          <a:effectLst>
+            <a:outerShdw blurRad="292100" dist="139700" dir="2700000" algn="tl" rotWithShape="0">
+              <a:srgbClr val="333333">
+                <a:alpha val="65000"/>
+              </a:srgbClr>
+            </a:outerShdw>
+          </a:effectLst>
           <a:extLst>
             <a:ext uri="{909E8E84-426E-40DD-AFC4-6F175D3DCCD1}">
               <a14:hiddenFill xmlns:a14="http://schemas.microsoft.com/office/drawing/2010/main">
@@ -3290,6 +3420,13 @@
   <p:clrMapOvr>
     <a:masterClrMapping/>
   </p:clrMapOvr>
+  <p:timing>
+    <p:tnLst>
+      <p:par>
+        <p:cTn id="1" dur="indefinite" restart="never" nodeType="tmRoot"/>
+      </p:par>
+    </p:tnLst>
+  </p:timing>
 </p:sld>
 </file>
 
@@ -3310,6 +3447,59 @@
           <a:chExt cx="0" cy="0"/>
         </a:xfrm>
       </p:grpSpPr>
+      <p:pic>
+        <p:nvPicPr>
+          <p:cNvPr id="8194" name="Picture 2" descr="C:\Users\pconte\Documents\GitHub\Project-G-W\tumblr_ncy1jhT3oF1rr2r12o1_500.png"/>
+          <p:cNvPicPr>
+            <a:picLocks noChangeAspect="1" noChangeArrowheads="1"/>
+          </p:cNvPicPr>
+          <p:nvPr/>
+        </p:nvPicPr>
+        <p:blipFill>
+          <a:blip r:embed="rId2">
+            <a:extLst>
+              <a:ext uri="{BEBA8EAE-BF5A-486C-A8C5-ECC9F3942E4B}">
+                <a14:imgProps xmlns:a14="http://schemas.microsoft.com/office/drawing/2010/main">
+                  <a14:imgLayer r:embed="rId3">
+                    <a14:imgEffect>
+                      <a14:saturation sat="33000"/>
+                    </a14:imgEffect>
+                    <a14:imgEffect>
+                      <a14:brightnessContrast bright="20000" contrast="20000"/>
+                    </a14:imgEffect>
+                  </a14:imgLayer>
+                </a14:imgProps>
+              </a:ext>
+              <a:ext uri="{28A0092B-C50C-407E-A947-70E740481C1C}">
+                <a14:useLocalDpi xmlns:a14="http://schemas.microsoft.com/office/drawing/2010/main" val="0"/>
+              </a:ext>
+            </a:extLst>
+          </a:blip>
+          <a:srcRect/>
+          <a:stretch>
+            <a:fillRect/>
+          </a:stretch>
+        </p:blipFill>
+        <p:spPr bwMode="auto">
+          <a:xfrm>
+            <a:off x="-326292" y="-2065704"/>
+            <a:ext cx="12643338" cy="17776533"/>
+          </a:xfrm>
+          <a:prstGeom prst="rect">
+            <a:avLst/>
+          </a:prstGeom>
+          <a:noFill/>
+          <a:extLst>
+            <a:ext uri="{909E8E84-426E-40DD-AFC4-6F175D3DCCD1}">
+              <a14:hiddenFill xmlns:a14="http://schemas.microsoft.com/office/drawing/2010/main">
+                <a:solidFill>
+                  <a:srgbClr val="FFFFFF"/>
+                </a:solidFill>
+              </a14:hiddenFill>
+            </a:ext>
+          </a:extLst>
+        </p:spPr>
+      </p:pic>
       <p:sp>
         <p:nvSpPr>
           <p:cNvPr id="2" name="Titre 1"/>
@@ -3327,7 +3517,7 @@
           <a:p>
             <a:r>
               <a:rPr lang="en-CA" dirty="0" smtClean="0"/>
-              <a:t>Game Experience</a:t>
+              <a:t>Theme</a:t>
             </a:r>
             <a:endParaRPr lang="fr-CA" dirty="0"/>
           </a:p>
@@ -3345,9 +3535,7 @@
         </p:nvSpPr>
         <p:spPr/>
         <p:txBody>
-          <a:bodyPr>
-            <a:normAutofit fontScale="92500" lnSpcReduction="10000"/>
-          </a:bodyPr>
+          <a:bodyPr/>
           <a:lstStyle/>
           <a:p>
             <a:pPr marL="0" indent="0">
@@ -3355,56 +3543,42 @@
             </a:pPr>
             <a:r>
               <a:rPr lang="en-CA" dirty="0" smtClean="0"/>
-              <a:t>Players will be required to interact with the platforms, spikes and other foreground objects to find solutions to the puzzles presented in each level. Getting the highest score is the main source of excitement and goal of each level, but players must pay attention to the amount of tries on each level as this lowers the score multiplier. Timed based puzzles and interactions as well as limited controls also add to the stress. All this should proved players with the following experience:</a:t>
+              <a:t>Project Game &amp; Watch harks back to the first popular handheld devices of the 80’s: </a:t>
+            </a:r>
+            <a:r>
+              <a:rPr lang="en-CA" dirty="0" err="1" smtClean="0"/>
+              <a:t>Game&amp;Watch</a:t>
+            </a:r>
+            <a:r>
+              <a:rPr lang="en-CA" dirty="0" smtClean="0"/>
+              <a:t> and Tiger Electronics handhelds. </a:t>
             </a:r>
           </a:p>
           <a:p>
             <a:pPr marL="0" indent="0">
               <a:buNone/>
             </a:pPr>
-            <a:endParaRPr lang="en-CA" dirty="0" smtClean="0"/>
-          </a:p>
-          <a:p>
-            <a:pPr lvl="1">
-              <a:buFont typeface="Arial" panose="020B0604020202020204" pitchFamily="34" charset="0"/>
-              <a:buChar char="•"/>
+            <a:r>
+              <a:rPr lang="en-CA" dirty="0" smtClean="0"/>
+              <a:t>Using the same type of visuals with detailed and static images as backgrounds and combining this with the LCD images in foreground for the character, platforms and other iteractable objects, Project Game &amp; Watch aims to recreate that aesthetic. </a:t>
+            </a:r>
+          </a:p>
+          <a:p>
+            <a:pPr marL="0" indent="0">
+              <a:buNone/>
             </a:pPr>
             <a:r>
               <a:rPr lang="en-CA" dirty="0" smtClean="0"/>
-              <a:t>Excitement of puzzle solving</a:t>
-            </a:r>
-          </a:p>
-          <a:p>
-            <a:pPr lvl="1">
-              <a:buFont typeface="Arial" panose="020B0604020202020204" pitchFamily="34" charset="0"/>
-              <a:buChar char="•"/>
-            </a:pPr>
+              <a:t>Audio design also shares the same type of aesthetic but with an updated version of the sound effects and new </a:t>
+            </a:r>
+            <a:r>
+              <a:rPr lang="en-CA" dirty="0" err="1" smtClean="0"/>
+              <a:t>chiptune</a:t>
+            </a:r>
             <a:r>
               <a:rPr lang="en-CA" dirty="0" smtClean="0"/>
-              <a:t>Excitement of obtaining high scores</a:t>
-            </a:r>
-          </a:p>
-          <a:p>
-            <a:pPr lvl="1">
-              <a:buFont typeface="Arial" panose="020B0604020202020204" pitchFamily="34" charset="0"/>
-              <a:buChar char="•"/>
-            </a:pPr>
-            <a:r>
-              <a:rPr lang="en-CA" dirty="0" smtClean="0"/>
-              <a:t>Stress of maintaining score multiplier</a:t>
-            </a:r>
-          </a:p>
-          <a:p>
-            <a:pPr lvl="1">
-              <a:buFont typeface="Arial" panose="020B0604020202020204" pitchFamily="34" charset="0"/>
-              <a:buChar char="•"/>
-            </a:pPr>
-            <a:r>
-              <a:rPr lang="en-CA" dirty="0" smtClean="0"/>
-              <a:t>Stress of limited controls</a:t>
-            </a:r>
-          </a:p>
-          <a:p>
+              <a:t> music adapted for each level.</a:t>
+            </a:r>
             <a:endParaRPr lang="fr-CA" dirty="0"/>
           </a:p>
         </p:txBody>
@@ -3412,13 +3586,20 @@
     </p:spTree>
     <p:extLst>
       <p:ext uri="{BB962C8B-B14F-4D97-AF65-F5344CB8AC3E}">
-        <p14:creationId xmlns:p14="http://schemas.microsoft.com/office/powerpoint/2010/main" val="2445994096"/>
+        <p14:creationId xmlns:p14="http://schemas.microsoft.com/office/powerpoint/2010/main" val="974414881"/>
       </p:ext>
     </p:extLst>
   </p:cSld>
   <p:clrMapOvr>
     <a:masterClrMapping/>
   </p:clrMapOvr>
+  <p:timing>
+    <p:tnLst>
+      <p:par>
+        <p:cTn id="1" dur="indefinite" restart="never" nodeType="tmRoot"/>
+      </p:par>
+    </p:tnLst>
+  </p:timing>
 </p:sld>
 </file>
 
@@ -3439,6 +3620,56 @@
           <a:chExt cx="0" cy="0"/>
         </a:xfrm>
       </p:grpSpPr>
+      <p:pic>
+        <p:nvPicPr>
+          <p:cNvPr id="3074" name="Picture 2" descr="C:\Users\pconte\Documents\GitHub\Project-G-W\tumblr_n037qlPdTb1qlhvfoo1_500.gif"/>
+          <p:cNvPicPr>
+            <a:picLocks noChangeAspect="1" noChangeArrowheads="1" noCrop="1"/>
+          </p:cNvPicPr>
+          <p:nvPr/>
+        </p:nvPicPr>
+        <p:blipFill>
+          <a:blip r:embed="rId2">
+            <a:extLst>
+              <a:ext uri="{BEBA8EAE-BF5A-486C-A8C5-ECC9F3942E4B}">
+                <a14:imgProps xmlns:a14="http://schemas.microsoft.com/office/drawing/2010/main">
+                  <a14:imgLayer r:embed="rId3">
+                    <a14:imgEffect>
+                      <a14:saturation sat="66000"/>
+                    </a14:imgEffect>
+                  </a14:imgLayer>
+                </a14:imgProps>
+              </a:ext>
+              <a:ext uri="{28A0092B-C50C-407E-A947-70E740481C1C}">
+                <a14:useLocalDpi xmlns:a14="http://schemas.microsoft.com/office/drawing/2010/main" val="0"/>
+              </a:ext>
+            </a:extLst>
+          </a:blip>
+          <a:srcRect/>
+          <a:stretch>
+            <a:fillRect/>
+          </a:stretch>
+        </p:blipFill>
+        <p:spPr bwMode="auto">
+          <a:xfrm>
+            <a:off x="-5830281" y="-10079167"/>
+            <a:ext cx="18241110" cy="27361666"/>
+          </a:xfrm>
+          <a:prstGeom prst="rect">
+            <a:avLst/>
+          </a:prstGeom>
+          <a:noFill/>
+          <a:extLst>
+            <a:ext uri="{909E8E84-426E-40DD-AFC4-6F175D3DCCD1}">
+              <a14:hiddenFill xmlns:a14="http://schemas.microsoft.com/office/drawing/2010/main">
+                <a:solidFill>
+                  <a:srgbClr val="FFFFFF"/>
+                </a:solidFill>
+              </a14:hiddenFill>
+            </a:ext>
+          </a:extLst>
+        </p:spPr>
+      </p:pic>
       <p:sp>
         <p:nvSpPr>
           <p:cNvPr id="2" name="Titre 1"/>
@@ -3456,7 +3687,7 @@
           <a:p>
             <a:r>
               <a:rPr lang="en-CA" dirty="0" smtClean="0"/>
-              <a:t>Gameplay Mechanics</a:t>
+              <a:t>Game Experience</a:t>
             </a:r>
             <a:endParaRPr lang="fr-CA" dirty="0"/>
           </a:p>
@@ -3475,82 +3706,65 @@
         <p:spPr/>
         <p:txBody>
           <a:bodyPr>
-            <a:normAutofit lnSpcReduction="10000"/>
+            <a:normAutofit fontScale="92500" lnSpcReduction="10000"/>
           </a:bodyPr>
           <a:lstStyle/>
           <a:p>
+            <a:pPr marL="0" indent="0">
+              <a:buNone/>
+            </a:pPr>
             <a:r>
               <a:rPr lang="en-CA" dirty="0" smtClean="0"/>
-              <a:t> The player interacts with the different puzzles pieces:</a:t>
-            </a:r>
+              <a:t>Players will be required to interact with the platforms, spikes and other foreground objects to find solutions to the puzzles presented in each level. Getting the highest score is the main source of excitement and goal of each level, but players must pay attention to the amount of tries on each level as this lowers the score multiplier. Timed based puzzles and interactions as well as limited controls also add to the stress. All this should proved players with the following experience:</a:t>
+            </a:r>
+          </a:p>
+          <a:p>
+            <a:pPr marL="0" indent="0">
+              <a:buNone/>
+            </a:pPr>
+            <a:endParaRPr lang="en-CA" dirty="0" smtClean="0"/>
           </a:p>
           <a:p>
             <a:pPr lvl="1">
-              <a:buFont typeface="Courier New" panose="02070309020205020404" pitchFamily="49" charset="0"/>
-              <a:buChar char="o"/>
+              <a:buFont typeface="Arial" panose="020B0604020202020204" pitchFamily="34" charset="0"/>
+              <a:buChar char="•"/>
             </a:pPr>
             <a:r>
               <a:rPr lang="en-CA" dirty="0" smtClean="0"/>
-              <a:t>Example: Moving platforms, bouncers, spikes,, gates, enemies, fans, falling objects</a:t>
-            </a:r>
-          </a:p>
-          <a:p>
+              <a:t>Excitement of puzzle solving</a:t>
+            </a:r>
+          </a:p>
+          <a:p>
+            <a:pPr lvl="1">
+              <a:buFont typeface="Arial" panose="020B0604020202020204" pitchFamily="34" charset="0"/>
+              <a:buChar char="•"/>
+            </a:pPr>
             <a:r>
               <a:rPr lang="en-CA" dirty="0" smtClean="0"/>
-              <a:t>Player’s must time the activations to perform specific timed puzzles.</a:t>
-            </a:r>
-          </a:p>
-          <a:p>
+              <a:t>Excitement of obtaining high scores</a:t>
+            </a:r>
+          </a:p>
+          <a:p>
+            <a:pPr lvl="1">
+              <a:buFont typeface="Arial" panose="020B0604020202020204" pitchFamily="34" charset="0"/>
+              <a:buChar char="•"/>
+            </a:pPr>
             <a:r>
               <a:rPr lang="en-CA" dirty="0" smtClean="0"/>
-              <a:t>Player’s use the different interactable objects to find the solution to each puzzle/level.</a:t>
-            </a:r>
-          </a:p>
-          <a:p>
+              <a:t>Stress of maintaining score multiplier</a:t>
+            </a:r>
+          </a:p>
+          <a:p>
+            <a:pPr lvl="1">
+              <a:buFont typeface="Arial" panose="020B0604020202020204" pitchFamily="34" charset="0"/>
+              <a:buChar char="•"/>
+            </a:pPr>
             <a:r>
               <a:rPr lang="en-CA" dirty="0" smtClean="0"/>
-              <a:t>Character is AI controlled and moves towards the goal.</a:t>
-            </a:r>
-          </a:p>
-          <a:p>
-            <a:pPr marL="857250" lvl="1" indent="-457200">
-              <a:buFont typeface="Courier New" panose="02070309020205020404" pitchFamily="49" charset="0"/>
-              <a:buChar char="o"/>
-            </a:pPr>
-            <a:r>
-              <a:rPr lang="en-CA" dirty="0" smtClean="0"/>
-              <a:t>Will automatically fall off ledges.</a:t>
-            </a:r>
-          </a:p>
-          <a:p>
-            <a:pPr marL="857250" lvl="1" indent="-457200">
-              <a:buFont typeface="Courier New" panose="02070309020205020404" pitchFamily="49" charset="0"/>
-              <a:buChar char="o"/>
-            </a:pPr>
-            <a:r>
-              <a:rPr lang="en-CA" dirty="0" smtClean="0"/>
-              <a:t>Dies from hitting spikes, enemies, crushed by pillars or gates.</a:t>
-            </a:r>
-          </a:p>
-          <a:p>
-            <a:pPr marL="857250" lvl="1" indent="-457200">
-              <a:buFont typeface="Courier New" panose="02070309020205020404" pitchFamily="49" charset="0"/>
-              <a:buChar char="o"/>
-            </a:pPr>
-            <a:r>
-              <a:rPr lang="en-CA" dirty="0" smtClean="0"/>
-              <a:t>Jumps when falling on bouncers</a:t>
-            </a:r>
-          </a:p>
-          <a:p>
-            <a:pPr marL="857250" lvl="1" indent="-457200">
-              <a:buFont typeface="Courier New" panose="02070309020205020404" pitchFamily="49" charset="0"/>
-              <a:buChar char="o"/>
-            </a:pPr>
-            <a:r>
-              <a:rPr lang="en-CA" dirty="0" smtClean="0"/>
-              <a:t>Floats over vertical fans, move faster or is blocked with horizontal fans.</a:t>
-            </a:r>
+              <a:t>Stress of limited controls</a:t>
+            </a:r>
+          </a:p>
+          <a:p>
             <a:endParaRPr lang="fr-CA" dirty="0"/>
           </a:p>
         </p:txBody>
@@ -3558,13 +3772,20 @@
     </p:spTree>
     <p:extLst>
       <p:ext uri="{BB962C8B-B14F-4D97-AF65-F5344CB8AC3E}">
-        <p14:creationId xmlns:p14="http://schemas.microsoft.com/office/powerpoint/2010/main" val="209346733"/>
+        <p14:creationId xmlns:p14="http://schemas.microsoft.com/office/powerpoint/2010/main" val="2445994096"/>
       </p:ext>
     </p:extLst>
   </p:cSld>
   <p:clrMapOvr>
     <a:masterClrMapping/>
   </p:clrMapOvr>
+  <p:timing>
+    <p:tnLst>
+      <p:par>
+        <p:cTn id="1" dur="indefinite" restart="never" nodeType="tmRoot"/>
+      </p:par>
+    </p:tnLst>
+  </p:timing>
 </p:sld>
 </file>
 
@@ -3585,6 +3806,59 @@
           <a:chExt cx="0" cy="0"/>
         </a:xfrm>
       </p:grpSpPr>
+      <p:pic>
+        <p:nvPicPr>
+          <p:cNvPr id="4098" name="Picture 2" descr="C:\Users\pconte\Documents\GitHub\Project-G-W\af7e552e827a41fc73ffbc46ac723777.jpg"/>
+          <p:cNvPicPr>
+            <a:picLocks noChangeAspect="1" noChangeArrowheads="1"/>
+          </p:cNvPicPr>
+          <p:nvPr/>
+        </p:nvPicPr>
+        <p:blipFill>
+          <a:blip r:embed="rId2">
+            <a:extLst>
+              <a:ext uri="{BEBA8EAE-BF5A-486C-A8C5-ECC9F3942E4B}">
+                <a14:imgProps xmlns:a14="http://schemas.microsoft.com/office/drawing/2010/main">
+                  <a14:imgLayer r:embed="rId3">
+                    <a14:imgEffect>
+                      <a14:saturation sat="33000"/>
+                    </a14:imgEffect>
+                    <a14:imgEffect>
+                      <a14:brightnessContrast bright="20000" contrast="40000"/>
+                    </a14:imgEffect>
+                  </a14:imgLayer>
+                </a14:imgProps>
+              </a:ext>
+              <a:ext uri="{28A0092B-C50C-407E-A947-70E740481C1C}">
+                <a14:useLocalDpi xmlns:a14="http://schemas.microsoft.com/office/drawing/2010/main" val="0"/>
+              </a:ext>
+            </a:extLst>
+          </a:blip>
+          <a:srcRect/>
+          <a:stretch>
+            <a:fillRect/>
+          </a:stretch>
+        </p:blipFill>
+        <p:spPr bwMode="auto">
+          <a:xfrm>
+            <a:off x="-146661" y="-11196111"/>
+            <a:ext cx="12541860" cy="19875665"/>
+          </a:xfrm>
+          <a:prstGeom prst="rect">
+            <a:avLst/>
+          </a:prstGeom>
+          <a:noFill/>
+          <a:extLst>
+            <a:ext uri="{909E8E84-426E-40DD-AFC4-6F175D3DCCD1}">
+              <a14:hiddenFill xmlns:a14="http://schemas.microsoft.com/office/drawing/2010/main">
+                <a:solidFill>
+                  <a:srgbClr val="FFFFFF"/>
+                </a:solidFill>
+              </a14:hiddenFill>
+            </a:ext>
+          </a:extLst>
+        </p:spPr>
+      </p:pic>
       <p:sp>
         <p:nvSpPr>
           <p:cNvPr id="2" name="Titre 1"/>
@@ -3602,7 +3876,7 @@
           <a:p>
             <a:r>
               <a:rPr lang="en-CA" dirty="0" smtClean="0"/>
-              <a:t>Gameplay Mechanics (cont.)</a:t>
+              <a:t>Gameplay Mechanics</a:t>
             </a:r>
             <a:endParaRPr lang="fr-CA" dirty="0"/>
           </a:p>
@@ -3627,7 +3901,7 @@
           <a:p>
             <a:r>
               <a:rPr lang="en-CA" dirty="0" smtClean="0"/>
-              <a:t>Controls are minimalist:</a:t>
+              <a:t> The player interacts with the different puzzles pieces:</a:t>
             </a:r>
           </a:p>
           <a:p>
@@ -3637,112 +3911,87 @@
             </a:pPr>
             <a:r>
               <a:rPr lang="en-CA" dirty="0" smtClean="0"/>
-              <a:t>Left &amp; right: change selected object</a:t>
-            </a:r>
-          </a:p>
-          <a:p>
-            <a:pPr lvl="1">
+              <a:t>Example: Moving platforms, bouncers, spikes,, gates, enemies, fans, falling objects</a:t>
+            </a:r>
+          </a:p>
+          <a:p>
+            <a:r>
+              <a:rPr lang="en-CA" dirty="0" smtClean="0"/>
+              <a:t>Player’s must time the activations to perform specific timed puzzles.</a:t>
+            </a:r>
+          </a:p>
+          <a:p>
+            <a:r>
+              <a:rPr lang="en-CA" dirty="0" smtClean="0"/>
+              <a:t>Player’s use the different interactable objects to find the solution to each puzzle/level.</a:t>
+            </a:r>
+          </a:p>
+          <a:p>
+            <a:r>
+              <a:rPr lang="en-CA" dirty="0" smtClean="0"/>
+              <a:t>Character is AI controlled and moves towards the goal.</a:t>
+            </a:r>
+          </a:p>
+          <a:p>
+            <a:pPr marL="857250" lvl="1" indent="-457200">
               <a:buFont typeface="Courier New" panose="02070309020205020404" pitchFamily="49" charset="0"/>
               <a:buChar char="o"/>
             </a:pPr>
             <a:r>
               <a:rPr lang="en-CA" dirty="0" smtClean="0"/>
-              <a:t>Enter: interact with object</a:t>
-            </a:r>
-          </a:p>
-          <a:p>
-            <a:r>
-              <a:rPr lang="en-CA" dirty="0" smtClean="0"/>
-              <a:t>Object list:</a:t>
-            </a:r>
-          </a:p>
-          <a:p>
-            <a:pPr lvl="1">
+              <a:t>Will automatically fall off ledges.</a:t>
+            </a:r>
+          </a:p>
+          <a:p>
+            <a:pPr marL="857250" lvl="1" indent="-457200">
               <a:buFont typeface="Courier New" panose="02070309020205020404" pitchFamily="49" charset="0"/>
               <a:buChar char="o"/>
             </a:pPr>
             <a:r>
               <a:rPr lang="en-CA" dirty="0" smtClean="0"/>
-              <a:t>Static platform: Doesn’t move.</a:t>
-            </a:r>
-          </a:p>
-          <a:p>
-            <a:pPr lvl="1">
+              <a:t>Dies from hitting spikes, enemies, crushed by pillars or gates.</a:t>
+            </a:r>
+          </a:p>
+          <a:p>
+            <a:pPr marL="857250" lvl="1" indent="-457200">
               <a:buFont typeface="Courier New" panose="02070309020205020404" pitchFamily="49" charset="0"/>
               <a:buChar char="o"/>
             </a:pPr>
             <a:r>
               <a:rPr lang="en-CA" dirty="0" smtClean="0"/>
-              <a:t>Movable platform: </a:t>
-            </a:r>
-          </a:p>
-          <a:p>
-            <a:pPr lvl="2"/>
+              <a:t>Jumps when falling on bouncers</a:t>
+            </a:r>
+          </a:p>
+          <a:p>
+            <a:pPr marL="857250" lvl="1" indent="-457200">
+              <a:buFont typeface="Courier New" panose="02070309020205020404" pitchFamily="49" charset="0"/>
+              <a:buChar char="o"/>
+            </a:pPr>
             <a:r>
               <a:rPr lang="en-CA" dirty="0" smtClean="0"/>
-              <a:t>Horizontal: Moves horizontally. </a:t>
-            </a:r>
-          </a:p>
-          <a:p>
-            <a:pPr lvl="2"/>
-            <a:r>
-              <a:rPr lang="en-CA" dirty="0" smtClean="0"/>
-              <a:t>Vertical: Moves vertically.</a:t>
-            </a:r>
-            <a:endParaRPr lang="en-CA" dirty="0"/>
-          </a:p>
-          <a:p>
-            <a:pPr lvl="2"/>
-            <a:r>
-              <a:rPr lang="en-CA" dirty="0" smtClean="0"/>
-              <a:t>Fixed: Once moved does not automatically move back. Needs to be interacted with again.</a:t>
-            </a:r>
-          </a:p>
-          <a:p>
-            <a:pPr lvl="2"/>
-            <a:r>
-              <a:rPr lang="en-CA" dirty="0" smtClean="0"/>
-              <a:t>Timed: Moves back into position after a set time.</a:t>
-            </a:r>
-          </a:p>
-          <a:p>
-            <a:pPr lvl="2"/>
-            <a:r>
-              <a:rPr lang="en-CA" dirty="0" smtClean="0"/>
-              <a:t>Eternal: Can be used an infinite number of times.</a:t>
-            </a:r>
-          </a:p>
-          <a:p>
-            <a:pPr lvl="2"/>
-            <a:r>
-              <a:rPr lang="en-CA" dirty="0" smtClean="0"/>
-              <a:t>Usage: Can be used only a certain number of times.</a:t>
-            </a:r>
-          </a:p>
-          <a:p>
-            <a:pPr lvl="2"/>
-            <a:r>
-              <a:rPr lang="en-CA" dirty="0" smtClean="0"/>
-              <a:t>Disappearing: Disappears periodically</a:t>
-            </a:r>
-            <a:r>
-              <a:rPr lang="en-CA" dirty="0" smtClean="0"/>
-              <a:t>.</a:t>
-            </a:r>
-            <a:endParaRPr lang="en-CA" dirty="0" smtClean="0"/>
+              <a:t>Floats over vertical fans, move faster or is blocked with horizontal fans.</a:t>
+            </a:r>
+            <a:endParaRPr lang="fr-CA" dirty="0"/>
           </a:p>
         </p:txBody>
       </p:sp>
     </p:spTree>
     <p:extLst>
       <p:ext uri="{BB962C8B-B14F-4D97-AF65-F5344CB8AC3E}">
-        <p14:creationId xmlns:p14="http://schemas.microsoft.com/office/powerpoint/2010/main" val="1173064374"/>
+        <p14:creationId xmlns:p14="http://schemas.microsoft.com/office/powerpoint/2010/main" val="209346733"/>
       </p:ext>
     </p:extLst>
   </p:cSld>
   <p:clrMapOvr>
     <a:masterClrMapping/>
   </p:clrMapOvr>
+  <p:timing>
+    <p:tnLst>
+      <p:par>
+        <p:cTn id="1" dur="indefinite" restart="never" nodeType="tmRoot"/>
+      </p:par>
+    </p:tnLst>
+  </p:timing>
 </p:sld>
 </file>
 
@@ -3763,9 +4012,62 @@
           <a:chExt cx="0" cy="0"/>
         </a:xfrm>
       </p:grpSpPr>
-      <p:sp>
-        <p:nvSpPr>
-          <p:cNvPr id="2" name="Title 1"/>
+      <p:pic>
+        <p:nvPicPr>
+          <p:cNvPr id="5122" name="Picture 2" descr="C:\Users\pconte\Documents\GitHub\Project-G-W\tumblr_nbnv1qhoKj1qlhvfoo1_500.gif"/>
+          <p:cNvPicPr>
+            <a:picLocks noChangeAspect="1" noChangeArrowheads="1" noCrop="1"/>
+          </p:cNvPicPr>
+          <p:nvPr/>
+        </p:nvPicPr>
+        <p:blipFill>
+          <a:blip r:embed="rId2">
+            <a:extLst>
+              <a:ext uri="{BEBA8EAE-BF5A-486C-A8C5-ECC9F3942E4B}">
+                <a14:imgProps xmlns:a14="http://schemas.microsoft.com/office/drawing/2010/main">
+                  <a14:imgLayer r:embed="rId3">
+                    <a14:imgEffect>
+                      <a14:saturation sat="33000"/>
+                    </a14:imgEffect>
+                    <a14:imgEffect>
+                      <a14:brightnessContrast bright="40000"/>
+                    </a14:imgEffect>
+                  </a14:imgLayer>
+                </a14:imgProps>
+              </a:ext>
+              <a:ext uri="{28A0092B-C50C-407E-A947-70E740481C1C}">
+                <a14:useLocalDpi xmlns:a14="http://schemas.microsoft.com/office/drawing/2010/main" val="0"/>
+              </a:ext>
+            </a:extLst>
+          </a:blip>
+          <a:srcRect/>
+          <a:stretch>
+            <a:fillRect/>
+          </a:stretch>
+        </p:blipFill>
+        <p:spPr bwMode="auto">
+          <a:xfrm>
+            <a:off x="-2" y="-4884739"/>
+            <a:ext cx="12479337" cy="18719002"/>
+          </a:xfrm>
+          <a:prstGeom prst="rect">
+            <a:avLst/>
+          </a:prstGeom>
+          <a:noFill/>
+          <a:extLst>
+            <a:ext uri="{909E8E84-426E-40DD-AFC4-6F175D3DCCD1}">
+              <a14:hiddenFill xmlns:a14="http://schemas.microsoft.com/office/drawing/2010/main">
+                <a:solidFill>
+                  <a:srgbClr val="FFFFFF"/>
+                </a:solidFill>
+              </a14:hiddenFill>
+            </a:ext>
+          </a:extLst>
+        </p:spPr>
+      </p:pic>
+      <p:sp>
+        <p:nvSpPr>
+          <p:cNvPr id="2" name="Titre 1"/>
           <p:cNvSpPr>
             <a:spLocks noGrp="1"/>
           </p:cNvSpPr>
@@ -3779,16 +4081,16 @@
           <a:lstStyle/>
           <a:p>
             <a:r>
-              <a:rPr lang="en-CA" dirty="0"/>
+              <a:rPr lang="en-CA" dirty="0" smtClean="0"/>
               <a:t>Gameplay Mechanics (cont.)</a:t>
             </a:r>
-            <a:endParaRPr lang="en-US" dirty="0"/>
-          </a:p>
-        </p:txBody>
-      </p:sp>
-      <p:sp>
-        <p:nvSpPr>
-          <p:cNvPr id="3" name="Content Placeholder 2"/>
+            <a:endParaRPr lang="fr-CA" dirty="0"/>
+          </a:p>
+        </p:txBody>
+      </p:sp>
+      <p:sp>
+        <p:nvSpPr>
+          <p:cNvPr id="3" name="Espace réservé du contenu 2"/>
           <p:cNvSpPr>
             <a:spLocks noGrp="1"/>
           </p:cNvSpPr>
@@ -3798,16 +4100,24 @@
         </p:nvSpPr>
         <p:spPr/>
         <p:txBody>
-          <a:bodyPr/>
-          <a:lstStyle/>
+          <a:bodyPr>
+            <a:normAutofit fontScale="92500" lnSpcReduction="20000"/>
+          </a:bodyPr>
+          <a:lstStyle/>
+          <a:p>
+            <a:r>
+              <a:rPr lang="en-CA" dirty="0" smtClean="0"/>
+              <a:t>Controls are minimalist:</a:t>
+            </a:r>
+          </a:p>
           <a:p>
             <a:pPr lvl="1">
               <a:buFont typeface="Courier New" panose="02070309020205020404" pitchFamily="49" charset="0"/>
               <a:buChar char="o"/>
             </a:pPr>
             <a:r>
-              <a:rPr lang="en-CA" dirty="0"/>
-              <a:t>Bouncers: Bounces the character up at different arcs, needs to be pre-activated.</a:t>
+              <a:rPr lang="en-CA" dirty="0" smtClean="0"/>
+              <a:t>Left &amp; right: change selected object</a:t>
             </a:r>
           </a:p>
           <a:p>
@@ -3816,61 +4126,105 @@
               <a:buChar char="o"/>
             </a:pPr>
             <a:r>
-              <a:rPr lang="en-CA" dirty="0"/>
-              <a:t>Spikes: Kills character on touching.</a:t>
-            </a:r>
-          </a:p>
-          <a:p>
-            <a:pPr lvl="2"/>
-            <a:r>
-              <a:rPr lang="en-CA" dirty="0"/>
-              <a:t>Eternal: Remain open.</a:t>
-            </a:r>
-          </a:p>
-          <a:p>
-            <a:pPr lvl="2"/>
-            <a:r>
-              <a:rPr lang="en-CA" dirty="0"/>
-              <a:t>Closable: Can be closed when interacted.</a:t>
-            </a:r>
-          </a:p>
-          <a:p>
-            <a:pPr lvl="3">
+              <a:rPr lang="en-CA" dirty="0" smtClean="0"/>
+              <a:t>Enter: interact with object</a:t>
+            </a:r>
+          </a:p>
+          <a:p>
+            <a:r>
+              <a:rPr lang="en-CA" dirty="0" smtClean="0"/>
+              <a:t>Object list:</a:t>
+            </a:r>
+          </a:p>
+          <a:p>
+            <a:pPr lvl="1">
               <a:buFont typeface="Courier New" panose="02070309020205020404" pitchFamily="49" charset="0"/>
               <a:buChar char="o"/>
             </a:pPr>
             <a:r>
-              <a:rPr lang="en-CA" dirty="0"/>
-              <a:t>Timed: Reopens after a timed period.</a:t>
-            </a:r>
-          </a:p>
-          <a:p>
-            <a:pPr lvl="3">
+              <a:rPr lang="en-CA" dirty="0" smtClean="0"/>
+              <a:t>Static platform: Doesn’t move.</a:t>
+            </a:r>
+          </a:p>
+          <a:p>
+            <a:pPr lvl="1">
               <a:buFont typeface="Courier New" panose="02070309020205020404" pitchFamily="49" charset="0"/>
               <a:buChar char="o"/>
             </a:pPr>
             <a:r>
-              <a:rPr lang="en-CA" dirty="0"/>
-              <a:t>Fixed: Remains closed </a:t>
-            </a:r>
-            <a:r>
               <a:rPr lang="en-CA" dirty="0" smtClean="0"/>
-              <a:t>.</a:t>
+              <a:t>Movable platform: </a:t>
+            </a:r>
+          </a:p>
+          <a:p>
+            <a:pPr lvl="2"/>
+            <a:r>
+              <a:rPr lang="en-CA" dirty="0" smtClean="0"/>
+              <a:t>Horizontal: Moves horizontally. </a:t>
+            </a:r>
+          </a:p>
+          <a:p>
+            <a:pPr lvl="2"/>
+            <a:r>
+              <a:rPr lang="en-CA" dirty="0" smtClean="0"/>
+              <a:t>Vertical: Moves vertically.</a:t>
             </a:r>
             <a:endParaRPr lang="en-CA" dirty="0"/>
+          </a:p>
+          <a:p>
+            <a:pPr lvl="2"/>
+            <a:r>
+              <a:rPr lang="en-CA" dirty="0" smtClean="0"/>
+              <a:t>Fixed: Once moved does not automatically move back. Needs to be interacted with again.</a:t>
+            </a:r>
+          </a:p>
+          <a:p>
+            <a:pPr lvl="2"/>
+            <a:r>
+              <a:rPr lang="en-CA" dirty="0" smtClean="0"/>
+              <a:t>Timed: Moves back into position after a set time.</a:t>
+            </a:r>
+          </a:p>
+          <a:p>
+            <a:pPr lvl="2"/>
+            <a:r>
+              <a:rPr lang="en-CA" dirty="0" smtClean="0"/>
+              <a:t>Eternal: Can be used an infinite number of times.</a:t>
+            </a:r>
+          </a:p>
+          <a:p>
+            <a:pPr lvl="2"/>
+            <a:r>
+              <a:rPr lang="en-CA" dirty="0" smtClean="0"/>
+              <a:t>Usage: Can be used only a certain number of times.</a:t>
+            </a:r>
+          </a:p>
+          <a:p>
+            <a:pPr lvl="2"/>
+            <a:r>
+              <a:rPr lang="en-CA" dirty="0" smtClean="0"/>
+              <a:t>Disappearing: Disappears periodically.</a:t>
+            </a:r>
           </a:p>
         </p:txBody>
       </p:sp>
     </p:spTree>
     <p:extLst>
       <p:ext uri="{BB962C8B-B14F-4D97-AF65-F5344CB8AC3E}">
-        <p14:creationId xmlns:p14="http://schemas.microsoft.com/office/powerpoint/2010/main" val="1201892363"/>
+        <p14:creationId xmlns:p14="http://schemas.microsoft.com/office/powerpoint/2010/main" val="1173064374"/>
       </p:ext>
     </p:extLst>
   </p:cSld>
   <p:clrMapOvr>
     <a:masterClrMapping/>
   </p:clrMapOvr>
+  <p:timing>
+    <p:tnLst>
+      <p:par>
+        <p:cTn id="1" dur="indefinite" restart="never" nodeType="tmRoot"/>
+      </p:par>
+    </p:tnLst>
+  </p:timing>
 </p:sld>
 </file>
 
@@ -3891,9 +4245,62 @@
           <a:chExt cx="0" cy="0"/>
         </a:xfrm>
       </p:grpSpPr>
-      <p:sp>
-        <p:nvSpPr>
-          <p:cNvPr id="2" name="Titre 1"/>
+      <p:pic>
+        <p:nvPicPr>
+          <p:cNvPr id="6146" name="Picture 2" descr="C:\Users\pconte\Documents\GitHub\Project-G-W\tumblr_n9cijlYiqK1qlhvfoo1_r1_500.gif"/>
+          <p:cNvPicPr>
+            <a:picLocks noChangeAspect="1" noChangeArrowheads="1" noCrop="1"/>
+          </p:cNvPicPr>
+          <p:nvPr/>
+        </p:nvPicPr>
+        <p:blipFill>
+          <a:blip r:embed="rId2">
+            <a:extLst>
+              <a:ext uri="{BEBA8EAE-BF5A-486C-A8C5-ECC9F3942E4B}">
+                <a14:imgProps xmlns:a14="http://schemas.microsoft.com/office/drawing/2010/main">
+                  <a14:imgLayer r:embed="rId3">
+                    <a14:imgEffect>
+                      <a14:saturation sat="66000"/>
+                    </a14:imgEffect>
+                    <a14:imgEffect>
+                      <a14:brightnessContrast bright="20000" contrast="20000"/>
+                    </a14:imgEffect>
+                  </a14:imgLayer>
+                </a14:imgProps>
+              </a:ext>
+              <a:ext uri="{28A0092B-C50C-407E-A947-70E740481C1C}">
+                <a14:useLocalDpi xmlns:a14="http://schemas.microsoft.com/office/drawing/2010/main" val="0"/>
+              </a:ext>
+            </a:extLst>
+          </a:blip>
+          <a:srcRect/>
+          <a:stretch>
+            <a:fillRect/>
+          </a:stretch>
+        </p:blipFill>
+        <p:spPr bwMode="auto">
+          <a:xfrm>
+            <a:off x="-372452" y="-4486884"/>
+            <a:ext cx="12861436" cy="19292154"/>
+          </a:xfrm>
+          <a:prstGeom prst="rect">
+            <a:avLst/>
+          </a:prstGeom>
+          <a:noFill/>
+          <a:extLst>
+            <a:ext uri="{909E8E84-426E-40DD-AFC4-6F175D3DCCD1}">
+              <a14:hiddenFill xmlns:a14="http://schemas.microsoft.com/office/drawing/2010/main">
+                <a:solidFill>
+                  <a:srgbClr val="FFFFFF"/>
+                </a:solidFill>
+              </a14:hiddenFill>
+            </a:ext>
+          </a:extLst>
+        </p:spPr>
+      </p:pic>
+      <p:sp>
+        <p:nvSpPr>
+          <p:cNvPr id="2" name="Title 1"/>
           <p:cNvSpPr>
             <a:spLocks noGrp="1"/>
           </p:cNvSpPr>
@@ -3907,16 +4314,16 @@
           <a:lstStyle/>
           <a:p>
             <a:r>
-              <a:rPr lang="en-CA" dirty="0" smtClean="0"/>
+              <a:rPr lang="en-CA" dirty="0"/>
               <a:t>Gameplay Mechanics (cont.)</a:t>
             </a:r>
-            <a:endParaRPr lang="fr-CA" dirty="0"/>
-          </a:p>
-        </p:txBody>
-      </p:sp>
-      <p:sp>
-        <p:nvSpPr>
-          <p:cNvPr id="3" name="Espace réservé du contenu 2"/>
+            <a:endParaRPr lang="en-US" dirty="0"/>
+          </a:p>
+        </p:txBody>
+      </p:sp>
+      <p:sp>
+        <p:nvSpPr>
+          <p:cNvPr id="3" name="Content Placeholder 2"/>
           <p:cNvSpPr>
             <a:spLocks noGrp="1"/>
           </p:cNvSpPr>
@@ -3926,9 +4333,7 @@
         </p:nvSpPr>
         <p:spPr/>
         <p:txBody>
-          <a:bodyPr>
-            <a:normAutofit/>
-          </a:bodyPr>
+          <a:bodyPr/>
           <a:lstStyle/>
           <a:p>
             <a:pPr lvl="1">
@@ -3936,25 +4341,31 @@
               <a:buChar char="o"/>
             </a:pPr>
             <a:r>
-              <a:rPr lang="en-CA" dirty="0" smtClean="0"/>
-              <a:t>Gates</a:t>
-            </a:r>
-            <a:r>
-              <a:rPr lang="en-CA" dirty="0" smtClean="0"/>
-              <a:t>: Blocks path until opened.</a:t>
+              <a:rPr lang="en-CA" dirty="0"/>
+              <a:t>Bouncers: Bounces the character up at different arcs, needs to be pre-activated.</a:t>
+            </a:r>
+          </a:p>
+          <a:p>
+            <a:pPr lvl="1">
+              <a:buFont typeface="Courier New" panose="02070309020205020404" pitchFamily="49" charset="0"/>
+              <a:buChar char="o"/>
+            </a:pPr>
+            <a:r>
+              <a:rPr lang="en-CA" dirty="0"/>
+              <a:t>Spikes: Kills character on touching.</a:t>
             </a:r>
           </a:p>
           <a:p>
             <a:pPr lvl="2"/>
             <a:r>
-              <a:rPr lang="en-CA" dirty="0" smtClean="0"/>
+              <a:rPr lang="en-CA" dirty="0"/>
               <a:t>Eternal: Remain open.</a:t>
             </a:r>
           </a:p>
           <a:p>
             <a:pPr lvl="2"/>
             <a:r>
-              <a:rPr lang="en-CA" dirty="0" smtClean="0"/>
+              <a:rPr lang="en-CA" dirty="0"/>
               <a:t>Closable: Can be closed when interacted.</a:t>
             </a:r>
           </a:p>
@@ -3964,7 +4375,7 @@
               <a:buChar char="o"/>
             </a:pPr>
             <a:r>
-              <a:rPr lang="en-CA" dirty="0" smtClean="0"/>
+              <a:rPr lang="en-CA" dirty="0"/>
               <a:t>Timed: Reopens after a timed period.</a:t>
             </a:r>
           </a:p>
@@ -3974,81 +4385,34 @@
               <a:buChar char="o"/>
             </a:pPr>
             <a:r>
-              <a:rPr lang="en-CA" dirty="0" smtClean="0"/>
-              <a:t>Fixed: Remains closed .</a:t>
-            </a:r>
-          </a:p>
-          <a:p>
-            <a:pPr lvl="1">
-              <a:buFont typeface="Courier New" panose="02070309020205020404" pitchFamily="49" charset="0"/>
-              <a:buChar char="o"/>
-            </a:pPr>
-            <a:r>
-              <a:rPr lang="en-CA" dirty="0" smtClean="0"/>
-              <a:t>Fans: Push in the direction they face.</a:t>
-            </a:r>
-          </a:p>
-          <a:p>
-            <a:pPr lvl="2"/>
-            <a:r>
-              <a:rPr lang="en-CA" dirty="0" smtClean="0"/>
-              <a:t>Vertical: Push up or down.</a:t>
-            </a:r>
-          </a:p>
-          <a:p>
-            <a:pPr lvl="2"/>
-            <a:r>
-              <a:rPr lang="en-CA" dirty="0" smtClean="0"/>
-              <a:t>Horizontal: In the back makes the character go faster, in front prevents movement.</a:t>
-            </a:r>
-          </a:p>
-          <a:p>
-            <a:pPr lvl="1">
-              <a:buFont typeface="Courier New" panose="02070309020205020404" pitchFamily="49" charset="0"/>
-              <a:buChar char="o"/>
-            </a:pPr>
-            <a:r>
-              <a:rPr lang="en-CA" dirty="0" smtClean="0"/>
-              <a:t>Falling objects: Timed falling objects that kill the character. Example coconuts.</a:t>
-            </a:r>
-          </a:p>
-          <a:p>
-            <a:pPr lvl="1">
-              <a:buFont typeface="Courier New" panose="02070309020205020404" pitchFamily="49" charset="0"/>
-              <a:buChar char="o"/>
-            </a:pPr>
-            <a:r>
-              <a:rPr lang="en-CA" dirty="0" smtClean="0"/>
-              <a:t>Switches: Not interactable by player, only character. Triggers other objects.</a:t>
-            </a:r>
-          </a:p>
-          <a:p>
-            <a:pPr lvl="1">
-              <a:buFont typeface="Courier New" panose="02070309020205020404" pitchFamily="49" charset="0"/>
-              <a:buChar char="o"/>
-            </a:pPr>
-            <a:r>
-              <a:rPr lang="en-CA" dirty="0" smtClean="0"/>
-              <a:t>End goal: Not interactable by player, only character. Triggers the end of the puzzle</a:t>
+              <a:rPr lang="en-CA" dirty="0"/>
+              <a:t>Fixed: Remains closed </a:t>
             </a:r>
             <a:r>
               <a:rPr lang="en-CA" dirty="0" smtClean="0"/>
               <a:t>.</a:t>
             </a:r>
-            <a:endParaRPr lang="en-CA" dirty="0" smtClean="0"/>
+            <a:endParaRPr lang="en-CA" dirty="0"/>
           </a:p>
         </p:txBody>
       </p:sp>
     </p:spTree>
     <p:extLst>
       <p:ext uri="{BB962C8B-B14F-4D97-AF65-F5344CB8AC3E}">
-        <p14:creationId xmlns:p14="http://schemas.microsoft.com/office/powerpoint/2010/main" val="2200440245"/>
+        <p14:creationId xmlns:p14="http://schemas.microsoft.com/office/powerpoint/2010/main" val="1201892363"/>
       </p:ext>
     </p:extLst>
   </p:cSld>
   <p:clrMapOvr>
     <a:masterClrMapping/>
   </p:clrMapOvr>
+  <p:timing>
+    <p:tnLst>
+      <p:par>
+        <p:cTn id="1" dur="indefinite" restart="never" nodeType="tmRoot"/>
+      </p:par>
+    </p:tnLst>
+  </p:timing>
 </p:sld>
 </file>
 
@@ -4069,6 +4433,276 @@
           <a:chExt cx="0" cy="0"/>
         </a:xfrm>
       </p:grpSpPr>
+      <p:pic>
+        <p:nvPicPr>
+          <p:cNvPr id="7170" name="Picture 2" descr="C:\Users\pconte\Documents\GitHub\Project-G-W\large.png"/>
+          <p:cNvPicPr>
+            <a:picLocks noChangeAspect="1" noChangeArrowheads="1"/>
+          </p:cNvPicPr>
+          <p:nvPr/>
+        </p:nvPicPr>
+        <p:blipFill>
+          <a:blip r:embed="rId2">
+            <a:extLst>
+              <a:ext uri="{BEBA8EAE-BF5A-486C-A8C5-ECC9F3942E4B}">
+                <a14:imgProps xmlns:a14="http://schemas.microsoft.com/office/drawing/2010/main">
+                  <a14:imgLayer r:embed="rId3">
+                    <a14:imgEffect>
+                      <a14:saturation sat="33000"/>
+                    </a14:imgEffect>
+                    <a14:imgEffect>
+                      <a14:brightnessContrast bright="20000" contrast="40000"/>
+                    </a14:imgEffect>
+                  </a14:imgLayer>
+                </a14:imgProps>
+              </a:ext>
+              <a:ext uri="{28A0092B-C50C-407E-A947-70E740481C1C}">
+                <a14:useLocalDpi xmlns:a14="http://schemas.microsoft.com/office/drawing/2010/main" val="0"/>
+              </a:ext>
+            </a:extLst>
+          </a:blip>
+          <a:srcRect/>
+          <a:stretch>
+            <a:fillRect/>
+          </a:stretch>
+        </p:blipFill>
+        <p:spPr bwMode="auto">
+          <a:xfrm>
+            <a:off x="-101600" y="-4307010"/>
+            <a:ext cx="12416082" cy="18177140"/>
+          </a:xfrm>
+          <a:prstGeom prst="rect">
+            <a:avLst/>
+          </a:prstGeom>
+          <a:noFill/>
+          <a:extLst>
+            <a:ext uri="{909E8E84-426E-40DD-AFC4-6F175D3DCCD1}">
+              <a14:hiddenFill xmlns:a14="http://schemas.microsoft.com/office/drawing/2010/main">
+                <a:solidFill>
+                  <a:srgbClr val="FFFFFF"/>
+                </a:solidFill>
+              </a14:hiddenFill>
+            </a:ext>
+          </a:extLst>
+        </p:spPr>
+      </p:pic>
+      <p:sp>
+        <p:nvSpPr>
+          <p:cNvPr id="2" name="Titre 1"/>
+          <p:cNvSpPr>
+            <a:spLocks noGrp="1"/>
+          </p:cNvSpPr>
+          <p:nvPr>
+            <p:ph type="title"/>
+          </p:nvPr>
+        </p:nvSpPr>
+        <p:spPr/>
+        <p:txBody>
+          <a:bodyPr/>
+          <a:lstStyle/>
+          <a:p>
+            <a:r>
+              <a:rPr lang="en-CA" dirty="0" smtClean="0"/>
+              <a:t>Gameplay Mechanics (cont.)</a:t>
+            </a:r>
+            <a:endParaRPr lang="fr-CA" dirty="0"/>
+          </a:p>
+        </p:txBody>
+      </p:sp>
+      <p:sp>
+        <p:nvSpPr>
+          <p:cNvPr id="3" name="Espace réservé du contenu 2"/>
+          <p:cNvSpPr>
+            <a:spLocks noGrp="1"/>
+          </p:cNvSpPr>
+          <p:nvPr>
+            <p:ph idx="1"/>
+          </p:nvPr>
+        </p:nvSpPr>
+        <p:spPr/>
+        <p:txBody>
+          <a:bodyPr>
+            <a:normAutofit fontScale="92500"/>
+          </a:bodyPr>
+          <a:lstStyle/>
+          <a:p>
+            <a:pPr lvl="1">
+              <a:buFont typeface="Courier New" panose="02070309020205020404" pitchFamily="49" charset="0"/>
+              <a:buChar char="o"/>
+            </a:pPr>
+            <a:r>
+              <a:rPr lang="en-CA" dirty="0" smtClean="0"/>
+              <a:t>Gates: Blocks path until opened.</a:t>
+            </a:r>
+          </a:p>
+          <a:p>
+            <a:pPr lvl="2"/>
+            <a:r>
+              <a:rPr lang="en-CA" dirty="0" smtClean="0"/>
+              <a:t>Eternal: Remain open.</a:t>
+            </a:r>
+          </a:p>
+          <a:p>
+            <a:pPr lvl="2"/>
+            <a:r>
+              <a:rPr lang="en-CA" dirty="0" smtClean="0"/>
+              <a:t>Closable: Can be closed when interacted.</a:t>
+            </a:r>
+          </a:p>
+          <a:p>
+            <a:pPr lvl="3">
+              <a:buFont typeface="Courier New" panose="02070309020205020404" pitchFamily="49" charset="0"/>
+              <a:buChar char="o"/>
+            </a:pPr>
+            <a:r>
+              <a:rPr lang="en-CA" dirty="0" smtClean="0"/>
+              <a:t>Timed: Reopens after a timed period.</a:t>
+            </a:r>
+          </a:p>
+          <a:p>
+            <a:pPr lvl="3">
+              <a:buFont typeface="Courier New" panose="02070309020205020404" pitchFamily="49" charset="0"/>
+              <a:buChar char="o"/>
+            </a:pPr>
+            <a:r>
+              <a:rPr lang="en-CA" dirty="0" smtClean="0"/>
+              <a:t>Fixed: Remains closed .</a:t>
+            </a:r>
+          </a:p>
+          <a:p>
+            <a:pPr lvl="1">
+              <a:buFont typeface="Courier New" panose="02070309020205020404" pitchFamily="49" charset="0"/>
+              <a:buChar char="o"/>
+            </a:pPr>
+            <a:r>
+              <a:rPr lang="en-CA" dirty="0" smtClean="0"/>
+              <a:t>Fans: Push in the direction they face.</a:t>
+            </a:r>
+          </a:p>
+          <a:p>
+            <a:pPr lvl="2"/>
+            <a:r>
+              <a:rPr lang="en-CA" dirty="0" smtClean="0"/>
+              <a:t>Vertical: Push up or down.</a:t>
+            </a:r>
+          </a:p>
+          <a:p>
+            <a:pPr lvl="2"/>
+            <a:r>
+              <a:rPr lang="en-CA" dirty="0" smtClean="0"/>
+              <a:t>Horizontal: In the back makes the character go faster, in front prevents movement.</a:t>
+            </a:r>
+          </a:p>
+          <a:p>
+            <a:pPr lvl="1">
+              <a:buFont typeface="Courier New" panose="02070309020205020404" pitchFamily="49" charset="0"/>
+              <a:buChar char="o"/>
+            </a:pPr>
+            <a:r>
+              <a:rPr lang="en-CA" dirty="0" smtClean="0"/>
+              <a:t>Falling objects: Timed falling objects that kill the character. Example coconuts.</a:t>
+            </a:r>
+          </a:p>
+          <a:p>
+            <a:pPr lvl="1">
+              <a:buFont typeface="Courier New" panose="02070309020205020404" pitchFamily="49" charset="0"/>
+              <a:buChar char="o"/>
+            </a:pPr>
+            <a:r>
+              <a:rPr lang="en-CA" dirty="0" smtClean="0"/>
+              <a:t>Switches: Not interactable by player, only character. Triggers other objects.</a:t>
+            </a:r>
+          </a:p>
+          <a:p>
+            <a:pPr lvl="1">
+              <a:buFont typeface="Courier New" panose="02070309020205020404" pitchFamily="49" charset="0"/>
+              <a:buChar char="o"/>
+            </a:pPr>
+            <a:r>
+              <a:rPr lang="en-CA" dirty="0" smtClean="0"/>
+              <a:t>End goal: Not interactable by player, only character. Triggers the end of the puzzle.</a:t>
+            </a:r>
+          </a:p>
+        </p:txBody>
+      </p:sp>
+    </p:spTree>
+    <p:extLst>
+      <p:ext uri="{BB962C8B-B14F-4D97-AF65-F5344CB8AC3E}">
+        <p14:creationId xmlns:p14="http://schemas.microsoft.com/office/powerpoint/2010/main" val="2200440245"/>
+      </p:ext>
+    </p:extLst>
+  </p:cSld>
+  <p:clrMapOvr>
+    <a:masterClrMapping/>
+  </p:clrMapOvr>
+  <p:timing>
+    <p:tnLst>
+      <p:par>
+        <p:cTn id="1" dur="indefinite" restart="never" nodeType="tmRoot"/>
+      </p:par>
+    </p:tnLst>
+  </p:timing>
+</p:sld>
+</file>
+
+<file path=ppt/slides/slide9.xml><?xml version="1.0" encoding="utf-8"?>
+<p:sld xmlns:a="http://schemas.openxmlformats.org/drawingml/2006/main" xmlns:r="http://schemas.openxmlformats.org/officeDocument/2006/relationships" xmlns:p="http://schemas.openxmlformats.org/presentationml/2006/main">
+  <p:cSld>
+    <p:spTree>
+      <p:nvGrpSpPr>
+        <p:cNvPr id="1" name=""/>
+        <p:cNvGrpSpPr/>
+        <p:nvPr/>
+      </p:nvGrpSpPr>
+      <p:grpSpPr>
+        <a:xfrm>
+          <a:off x="0" y="0"/>
+          <a:ext cx="0" cy="0"/>
+          <a:chOff x="0" y="0"/>
+          <a:chExt cx="0" cy="0"/>
+        </a:xfrm>
+      </p:grpSpPr>
+      <p:pic>
+        <p:nvPicPr>
+          <p:cNvPr id="9218" name="Picture 2" descr="C:\Users\pconte\Documents\GitHub\Project-G-W\39.jpg"/>
+          <p:cNvPicPr>
+            <a:picLocks noChangeAspect="1" noChangeArrowheads="1"/>
+          </p:cNvPicPr>
+          <p:nvPr/>
+        </p:nvPicPr>
+        <p:blipFill>
+          <a:blip r:embed="rId2">
+            <a:extLst>
+              <a:ext uri="{28A0092B-C50C-407E-A947-70E740481C1C}">
+                <a14:useLocalDpi xmlns:a14="http://schemas.microsoft.com/office/drawing/2010/main" val="0"/>
+              </a:ext>
+            </a:extLst>
+          </a:blip>
+          <a:srcRect/>
+          <a:stretch>
+            <a:fillRect/>
+          </a:stretch>
+        </p:blipFill>
+        <p:spPr bwMode="auto">
+          <a:xfrm>
+            <a:off x="-122727" y="-1187939"/>
+            <a:ext cx="12424142" cy="8262055"/>
+          </a:xfrm>
+          <a:prstGeom prst="rect">
+            <a:avLst/>
+          </a:prstGeom>
+          <a:noFill/>
+          <a:extLst>
+            <a:ext uri="{909E8E84-426E-40DD-AFC4-6F175D3DCCD1}">
+              <a14:hiddenFill xmlns:a14="http://schemas.microsoft.com/office/drawing/2010/main">
+                <a:solidFill>
+                  <a:srgbClr val="FFFFFF"/>
+                </a:solidFill>
+              </a14:hiddenFill>
+            </a:ext>
+          </a:extLst>
+        </p:spPr>
+      </p:pic>
       <p:sp>
         <p:nvSpPr>
           <p:cNvPr id="4" name="Titre 3"/>
@@ -4085,14 +4719,26 @@
           <a:lstStyle/>
           <a:p>
             <a:r>
-              <a:rPr lang="en-CA" dirty="0" err="1" smtClean="0"/>
+              <a:rPr lang="en-CA" dirty="0" err="1" smtClean="0">
+                <a:solidFill>
+                  <a:schemeClr val="bg1"/>
+                </a:solidFill>
+              </a:rPr>
               <a:t>Moodboad</a:t>
             </a:r>
             <a:r>
-              <a:rPr lang="en-CA" dirty="0" smtClean="0"/>
+              <a:rPr lang="en-CA" dirty="0" smtClean="0">
+                <a:solidFill>
+                  <a:schemeClr val="bg1"/>
+                </a:solidFill>
+              </a:rPr>
               <a:t> / Inspiration</a:t>
             </a:r>
-            <a:endParaRPr lang="fr-CA" dirty="0"/>
+            <a:endParaRPr lang="fr-CA" dirty="0">
+              <a:solidFill>
+                <a:schemeClr val="bg1"/>
+              </a:solidFill>
+            </a:endParaRPr>
           </a:p>
         </p:txBody>
       </p:sp>
@@ -4105,7 +4751,7 @@
           <p:nvPr/>
         </p:nvPicPr>
         <p:blipFill>
-          <a:blip r:embed="rId2">
+          <a:blip r:embed="rId3">
             <a:extLst>
               <a:ext uri="{28A0092B-C50C-407E-A947-70E740481C1C}">
                 <a14:useLocalDpi xmlns:a14="http://schemas.microsoft.com/office/drawing/2010/main" val="0"/>
@@ -4146,7 +4792,7 @@
           <p:nvPr/>
         </p:nvPicPr>
         <p:blipFill>
-          <a:blip r:embed="rId3">
+          <a:blip r:embed="rId4">
             <a:extLst>
               <a:ext uri="{28A0092B-C50C-407E-A947-70E740481C1C}">
                 <a14:useLocalDpi xmlns:a14="http://schemas.microsoft.com/office/drawing/2010/main" val="0"/>
@@ -4187,7 +4833,7 @@
           <p:nvPr/>
         </p:nvPicPr>
         <p:blipFill>
-          <a:blip r:embed="rId4">
+          <a:blip r:embed="rId5">
             <a:extLst>
               <a:ext uri="{28A0092B-C50C-407E-A947-70E740481C1C}">
                 <a14:useLocalDpi xmlns:a14="http://schemas.microsoft.com/office/drawing/2010/main" val="0"/>
@@ -4228,7 +4874,7 @@
           <p:nvPr/>
         </p:nvPicPr>
         <p:blipFill>
-          <a:blip r:embed="rId5">
+          <a:blip r:embed="rId2">
             <a:extLst>
               <a:ext uri="{28A0092B-C50C-407E-A947-70E740481C1C}">
                 <a14:useLocalDpi xmlns:a14="http://schemas.microsoft.com/office/drawing/2010/main" val="0"/>
@@ -4557,6 +5203,13 @@
   <p:clrMapOvr>
     <a:masterClrMapping/>
   </p:clrMapOvr>
+  <p:timing>
+    <p:tnLst>
+      <p:par>
+        <p:cTn id="1" dur="indefinite" restart="never" nodeType="tmRoot"/>
+      </p:par>
+    </p:tnLst>
+  </p:timing>
 </p:sld>
 </file>
 
@@ -4601,16 +5254,51 @@
         <a:srgbClr val="954F72"/>
       </a:folHlink>
     </a:clrScheme>
-    <a:fontScheme name="Office">
+    <a:fontScheme name="Urbain">
       <a:majorFont>
-        <a:latin typeface="Calibri Light" panose="020F0302020204030204"/>
+        <a:latin typeface="Trebuchet MS"/>
         <a:ea typeface=""/>
         <a:cs typeface=""/>
-        <a:font script="Jpan" typeface="ＭＳ Ｐゴシック"/>
+        <a:font script="Jpan" typeface="HGｺﾞｼｯｸM"/>
+        <a:font script="Hang" typeface="맑은 고딕"/>
+        <a:font script="Hans" typeface="方正姚体"/>
+        <a:font script="Hant" typeface="微軟正黑體"/>
+        <a:font script="Arab" typeface="Tahoma"/>
+        <a:font script="Hebr" typeface="Arial"/>
+        <a:font script="Thai" typeface="Cordia New"/>
+        <a:font script="Ethi" typeface="Nyala"/>
+        <a:font script="Beng" typeface="Vrinda"/>
+        <a:font script="Gujr" typeface="Shruti"/>
+        <a:font script="Khmr" typeface="DaunPenh"/>
+        <a:font script="Knda" typeface="Tunga"/>
+        <a:font script="Guru" typeface="Raavi"/>
+        <a:font script="Cans" typeface="Euphemia"/>
+        <a:font script="Cher" typeface="Plantagenet Cherokee"/>
+        <a:font script="Yiii" typeface="Microsoft Yi Baiti"/>
+        <a:font script="Tibt" typeface="Microsoft Himalaya"/>
+        <a:font script="Thaa" typeface="MV Boli"/>
+        <a:font script="Deva" typeface="Mangal"/>
+        <a:font script="Telu" typeface="Gautami"/>
+        <a:font script="Taml" typeface="Latha"/>
+        <a:font script="Syrc" typeface="Estrangelo Edessa"/>
+        <a:font script="Orya" typeface="Kalinga"/>
+        <a:font script="Mlym" typeface="Kartika"/>
+        <a:font script="Laoo" typeface="DokChampa"/>
+        <a:font script="Sinh" typeface="Iskoola Pota"/>
+        <a:font script="Mong" typeface="Mongolian Baiti"/>
+        <a:font script="Viet" typeface="Tahoma"/>
+        <a:font script="Uigh" typeface="Microsoft Uighur"/>
+        <a:font script="Geor" typeface="Sylfaen"/>
+      </a:majorFont>
+      <a:minorFont>
+        <a:latin typeface="Georgia"/>
+        <a:ea typeface=""/>
+        <a:cs typeface=""/>
+        <a:font script="Jpan" typeface="HG明朝B"/>
         <a:font script="Hang" typeface="맑은 고딕"/>
         <a:font script="Hans" typeface="宋体"/>
         <a:font script="Hant" typeface="新細明體"/>
-        <a:font script="Arab" typeface="Times New Roman"/>
+        <a:font script="Arab" typeface="Arial"/>
         <a:font script="Hebr" typeface="Times New Roman"/>
         <a:font script="Thai" typeface="Angsana New"/>
         <a:font script="Ethi" typeface="Nyala"/>
@@ -4634,41 +5322,6 @@
         <a:font script="Sinh" typeface="Iskoola Pota"/>
         <a:font script="Mong" typeface="Mongolian Baiti"/>
         <a:font script="Viet" typeface="Times New Roman"/>
-        <a:font script="Uigh" typeface="Microsoft Uighur"/>
-        <a:font script="Geor" typeface="Sylfaen"/>
-      </a:majorFont>
-      <a:minorFont>
-        <a:latin typeface="Calibri" panose="020F0502020204030204"/>
-        <a:ea typeface=""/>
-        <a:cs typeface=""/>
-        <a:font script="Jpan" typeface="ＭＳ Ｐゴシック"/>
-        <a:font script="Hang" typeface="맑은 고딕"/>
-        <a:font script="Hans" typeface="宋体"/>
-        <a:font script="Hant" typeface="新細明體"/>
-        <a:font script="Arab" typeface="Arial"/>
-        <a:font script="Hebr" typeface="Arial"/>
-        <a:font script="Thai" typeface="Cordia New"/>
-        <a:font script="Ethi" typeface="Nyala"/>
-        <a:font script="Beng" typeface="Vrinda"/>
-        <a:font script="Gujr" typeface="Shruti"/>
-        <a:font script="Khmr" typeface="DaunPenh"/>
-        <a:font script="Knda" typeface="Tunga"/>
-        <a:font script="Guru" typeface="Raavi"/>
-        <a:font script="Cans" typeface="Euphemia"/>
-        <a:font script="Cher" typeface="Plantagenet Cherokee"/>
-        <a:font script="Yiii" typeface="Microsoft Yi Baiti"/>
-        <a:font script="Tibt" typeface="Microsoft Himalaya"/>
-        <a:font script="Thaa" typeface="MV Boli"/>
-        <a:font script="Deva" typeface="Mangal"/>
-        <a:font script="Telu" typeface="Gautami"/>
-        <a:font script="Taml" typeface="Latha"/>
-        <a:font script="Syrc" typeface="Estrangelo Edessa"/>
-        <a:font script="Orya" typeface="Kalinga"/>
-        <a:font script="Mlym" typeface="Kartika"/>
-        <a:font script="Laoo" typeface="DokChampa"/>
-        <a:font script="Sinh" typeface="Iskoola Pota"/>
-        <a:font script="Mong" typeface="Mongolian Baiti"/>
-        <a:font script="Viet" typeface="Arial"/>
         <a:font script="Uigh" typeface="Microsoft Uighur"/>
         <a:font script="Geor" typeface="Sylfaen"/>
       </a:minorFont>
@@ -4815,7 +5468,7 @@
   <a:extraClrSchemeLst/>
   <a:extLst>
     <a:ext uri="{05A4C25C-085E-4340-85A3-A5531E510DB2}">
-      <thm15:themeFamily xmlns:thm15="http://schemas.microsoft.com/office/thememl/2012/main" name="Office Theme" id="{62F939B6-93AF-4DB8-9C6B-D6C7DFDC589F}" vid="{4A3C46E8-61CC-4603-A589-7422A47A8E4A}"/>
+      <thm15:themeFamily xmlns:thm15="http://schemas.microsoft.com/office/thememl/2012/main" xmlns="" name="Office Theme" id="{62F939B6-93AF-4DB8-9C6B-D6C7DFDC589F}" vid="{4A3C46E8-61CC-4603-A589-7422A47A8E4A}"/>
     </a:ext>
   </a:extLst>
 </a:theme>

--- a/Project Game & Watch.pptx
+++ b/Project Game & Watch.pptx
@@ -14,6 +14,7 @@
     <p:sldId id="263" r:id="rId8"/>
     <p:sldId id="262" r:id="rId9"/>
     <p:sldId id="259" r:id="rId10"/>
+    <p:sldId id="265" r:id="rId11"/>
   </p:sldIdLst>
   <p:sldSz cx="12192000" cy="6858000"/>
   <p:notesSz cx="6858000" cy="9144000"/>
@@ -114,7 +115,7 @@
   </p:defaultTextStyle>
   <p:extLst>
     <p:ext uri="{EFAFB233-063F-42B5-8137-9DF3F51BA10A}">
-      <p15:sldGuideLst xmlns:p15="http://schemas.microsoft.com/office/powerpoint/2012/main" xmlns="">
+      <p15:sldGuideLst xmlns:p15="http://schemas.microsoft.com/office/powerpoint/2012/main">
         <p15:guide id="1" orient="horz" pos="2160">
           <p15:clr>
             <a:srgbClr val="A4A3A4"/>
@@ -262,7 +263,7 @@
           <a:p>
             <a:fld id="{2BE451C3-0FF4-47C4-B829-773ADF60F88C}" type="datetimeFigureOut">
               <a:rPr lang="en-US" smtClean="0"/>
-              <a:t>1/22/2015</a:t>
+              <a:t>1/26/2015</a:t>
             </a:fld>
             <a:endParaRPr lang="en-US" dirty="0"/>
           </a:p>
@@ -310,7 +311,7 @@
             <a:fld id="{D57F1E4F-1CFF-5643-939E-217C01CDF565}" type="slidenum">
               <a:rPr lang="en-US" smtClean="0"/>
               <a:pPr/>
-              <a:t>‹N°›</a:t>
+              <a:t>‹#›</a:t>
             </a:fld>
             <a:endParaRPr lang="en-US" dirty="0"/>
           </a:p>
@@ -439,7 +440,7 @@
           <a:p>
             <a:fld id="{2BE451C3-0FF4-47C4-B829-773ADF60F88C}" type="datetimeFigureOut">
               <a:rPr lang="en-US" smtClean="0"/>
-              <a:t>1/22/2015</a:t>
+              <a:t>1/26/2015</a:t>
             </a:fld>
             <a:endParaRPr lang="en-US" dirty="0"/>
           </a:p>
@@ -487,7 +488,7 @@
             <a:fld id="{D57F1E4F-1CFF-5643-939E-217C01CDF565}" type="slidenum">
               <a:rPr lang="en-US" smtClean="0"/>
               <a:pPr/>
-              <a:t>‹N°›</a:t>
+              <a:t>‹#›</a:t>
             </a:fld>
             <a:endParaRPr lang="en-US" dirty="0"/>
           </a:p>
@@ -626,7 +627,7 @@
           <a:p>
             <a:fld id="{2BE451C3-0FF4-47C4-B829-773ADF60F88C}" type="datetimeFigureOut">
               <a:rPr lang="en-US" smtClean="0"/>
-              <a:t>1/22/2015</a:t>
+              <a:t>1/26/2015</a:t>
             </a:fld>
             <a:endParaRPr lang="en-US" dirty="0"/>
           </a:p>
@@ -674,7 +675,7 @@
             <a:fld id="{D57F1E4F-1CFF-5643-939E-217C01CDF565}" type="slidenum">
               <a:rPr lang="en-US" smtClean="0"/>
               <a:pPr/>
-              <a:t>‹N°›</a:t>
+              <a:t>‹#›</a:t>
             </a:fld>
             <a:endParaRPr lang="en-US" dirty="0"/>
           </a:p>
@@ -803,7 +804,7 @@
           <a:p>
             <a:fld id="{2BE451C3-0FF4-47C4-B829-773ADF60F88C}" type="datetimeFigureOut">
               <a:rPr lang="en-US" smtClean="0"/>
-              <a:t>1/22/2015</a:t>
+              <a:t>1/26/2015</a:t>
             </a:fld>
             <a:endParaRPr lang="en-US" dirty="0"/>
           </a:p>
@@ -851,7 +852,7 @@
             <a:fld id="{D57F1E4F-1CFF-5643-939E-217C01CDF565}" type="slidenum">
               <a:rPr lang="en-US" smtClean="0"/>
               <a:pPr/>
-              <a:t>‹N°›</a:t>
+              <a:t>‹#›</a:t>
             </a:fld>
             <a:endParaRPr lang="en-US" dirty="0"/>
           </a:p>
@@ -1056,7 +1057,7 @@
           <a:p>
             <a:fld id="{2BE451C3-0FF4-47C4-B829-773ADF60F88C}" type="datetimeFigureOut">
               <a:rPr lang="en-US" smtClean="0"/>
-              <a:t>1/22/2015</a:t>
+              <a:t>1/26/2015</a:t>
             </a:fld>
             <a:endParaRPr lang="en-US" dirty="0"/>
           </a:p>
@@ -1104,7 +1105,7 @@
             <a:fld id="{D57F1E4F-1CFF-5643-939E-217C01CDF565}" type="slidenum">
               <a:rPr lang="en-US" smtClean="0"/>
               <a:pPr/>
-              <a:t>‹N°›</a:t>
+              <a:t>‹#›</a:t>
             </a:fld>
             <a:endParaRPr lang="en-US" dirty="0"/>
           </a:p>
@@ -1295,7 +1296,7 @@
           <a:p>
             <a:fld id="{2BE451C3-0FF4-47C4-B829-773ADF60F88C}" type="datetimeFigureOut">
               <a:rPr lang="en-US" smtClean="0"/>
-              <a:t>1/22/2015</a:t>
+              <a:t>1/26/2015</a:t>
             </a:fld>
             <a:endParaRPr lang="en-US" dirty="0"/>
           </a:p>
@@ -1343,7 +1344,7 @@
             <a:fld id="{D57F1E4F-1CFF-5643-939E-217C01CDF565}" type="slidenum">
               <a:rPr lang="en-US" smtClean="0"/>
               <a:pPr/>
-              <a:t>‹N°›</a:t>
+              <a:t>‹#›</a:t>
             </a:fld>
             <a:endParaRPr lang="en-US" dirty="0"/>
           </a:p>
@@ -1669,7 +1670,7 @@
           <a:p>
             <a:fld id="{2BE451C3-0FF4-47C4-B829-773ADF60F88C}" type="datetimeFigureOut">
               <a:rPr lang="en-US" smtClean="0"/>
-              <a:t>1/22/2015</a:t>
+              <a:t>1/26/2015</a:t>
             </a:fld>
             <a:endParaRPr lang="en-US" dirty="0"/>
           </a:p>
@@ -1717,7 +1718,7 @@
             <a:fld id="{D57F1E4F-1CFF-5643-939E-217C01CDF565}" type="slidenum">
               <a:rPr lang="en-US" smtClean="0"/>
               <a:pPr/>
-              <a:t>‹N°›</a:t>
+              <a:t>‹#›</a:t>
             </a:fld>
             <a:endParaRPr lang="en-US" dirty="0"/>
           </a:p>
@@ -1794,7 +1795,7 @@
           <a:p>
             <a:fld id="{2BE451C3-0FF4-47C4-B829-773ADF60F88C}" type="datetimeFigureOut">
               <a:rPr lang="en-US" smtClean="0"/>
-              <a:t>1/22/2015</a:t>
+              <a:t>1/26/2015</a:t>
             </a:fld>
             <a:endParaRPr lang="en-US" dirty="0"/>
           </a:p>
@@ -1842,7 +1843,7 @@
             <a:fld id="{D57F1E4F-1CFF-5643-939E-217C01CDF565}" type="slidenum">
               <a:rPr lang="en-US" smtClean="0"/>
               <a:pPr/>
-              <a:t>‹N°›</a:t>
+              <a:t>‹#›</a:t>
             </a:fld>
             <a:endParaRPr lang="en-US" dirty="0"/>
           </a:p>
@@ -1896,7 +1897,7 @@
           <a:p>
             <a:fld id="{2BE451C3-0FF4-47C4-B829-773ADF60F88C}" type="datetimeFigureOut">
               <a:rPr lang="en-US" smtClean="0"/>
-              <a:t>1/22/2015</a:t>
+              <a:t>1/26/2015</a:t>
             </a:fld>
             <a:endParaRPr lang="en-US" dirty="0"/>
           </a:p>
@@ -1944,7 +1945,7 @@
             <a:fld id="{D57F1E4F-1CFF-5643-939E-217C01CDF565}" type="slidenum">
               <a:rPr lang="en-US" smtClean="0"/>
               <a:pPr/>
-              <a:t>‹N°›</a:t>
+              <a:t>‹#›</a:t>
             </a:fld>
             <a:endParaRPr lang="en-US" dirty="0"/>
           </a:p>
@@ -2180,7 +2181,7 @@
           <a:p>
             <a:fld id="{2BE451C3-0FF4-47C4-B829-773ADF60F88C}" type="datetimeFigureOut">
               <a:rPr lang="en-US" smtClean="0"/>
-              <a:t>1/22/2015</a:t>
+              <a:t>1/26/2015</a:t>
             </a:fld>
             <a:endParaRPr lang="en-US" dirty="0"/>
           </a:p>
@@ -2228,7 +2229,7 @@
             <a:fld id="{D57F1E4F-1CFF-5643-939E-217C01CDF565}" type="slidenum">
               <a:rPr lang="en-US" smtClean="0"/>
               <a:pPr/>
-              <a:t>‹N°›</a:t>
+              <a:t>‹#›</a:t>
             </a:fld>
             <a:endParaRPr lang="en-US" dirty="0"/>
           </a:p>
@@ -2440,7 +2441,7 @@
           <a:p>
             <a:fld id="{2BE451C3-0FF4-47C4-B829-773ADF60F88C}" type="datetimeFigureOut">
               <a:rPr lang="en-US" smtClean="0"/>
-              <a:t>1/22/2015</a:t>
+              <a:t>1/26/2015</a:t>
             </a:fld>
             <a:endParaRPr lang="en-US" dirty="0"/>
           </a:p>
@@ -2488,7 +2489,7 @@
             <a:fld id="{D57F1E4F-1CFF-5643-939E-217C01CDF565}" type="slidenum">
               <a:rPr lang="en-US" smtClean="0"/>
               <a:pPr/>
-              <a:t>‹N°›</a:t>
+              <a:t>‹#›</a:t>
             </a:fld>
             <a:endParaRPr lang="en-US" dirty="0"/>
           </a:p>
@@ -2660,7 +2661,7 @@
           <a:p>
             <a:fld id="{2BE451C3-0FF4-47C4-B829-773ADF60F88C}" type="datetimeFigureOut">
               <a:rPr lang="en-US" smtClean="0"/>
-              <a:t>1/22/2015</a:t>
+              <a:t>1/26/2015</a:t>
             </a:fld>
             <a:endParaRPr lang="en-US" dirty="0"/>
           </a:p>
@@ -2744,7 +2745,7 @@
             <a:fld id="{D57F1E4F-1CFF-5643-939E-217C01CDF565}" type="slidenum">
               <a:rPr lang="en-US" smtClean="0"/>
               <a:pPr/>
-              <a:t>‹N°›</a:t>
+              <a:t>‹#›</a:t>
             </a:fld>
             <a:endParaRPr lang="en-US" dirty="0"/>
           </a:p>
@@ -3185,6 +3186,136 @@
 </p:sld>
 </file>
 
+<file path=ppt/slides/slide10.xml><?xml version="1.0" encoding="utf-8"?>
+<p:sld xmlns:a="http://schemas.openxmlformats.org/drawingml/2006/main" xmlns:r="http://schemas.openxmlformats.org/officeDocument/2006/relationships" xmlns:p="http://schemas.openxmlformats.org/presentationml/2006/main">
+  <p:cSld>
+    <p:spTree>
+      <p:nvGrpSpPr>
+        <p:cNvPr id="1" name=""/>
+        <p:cNvGrpSpPr/>
+        <p:nvPr/>
+      </p:nvGrpSpPr>
+      <p:grpSpPr>
+        <a:xfrm>
+          <a:off x="0" y="0"/>
+          <a:ext cx="0" cy="0"/>
+          <a:chOff x="0" y="0"/>
+          <a:chExt cx="0" cy="0"/>
+        </a:xfrm>
+      </p:grpSpPr>
+      <p:pic>
+        <p:nvPicPr>
+          <p:cNvPr id="4" name="Picture 3"/>
+          <p:cNvPicPr>
+            <a:picLocks noChangeAspect="1"/>
+          </p:cNvPicPr>
+          <p:nvPr/>
+        </p:nvPicPr>
+        <p:blipFill>
+          <a:blip r:embed="rId2">
+            <a:extLst>
+              <a:ext uri="{28A0092B-C50C-407E-A947-70E740481C1C}">
+                <a14:useLocalDpi xmlns:a14="http://schemas.microsoft.com/office/drawing/2010/main" val="0"/>
+              </a:ext>
+            </a:extLst>
+          </a:blip>
+          <a:stretch>
+            <a:fillRect/>
+          </a:stretch>
+        </p:blipFill>
+        <p:spPr>
+          <a:xfrm>
+            <a:off x="-352862" y="-312479"/>
+            <a:ext cx="13079112" cy="10141854"/>
+          </a:xfrm>
+          <a:prstGeom prst="rect">
+            <a:avLst/>
+          </a:prstGeom>
+        </p:spPr>
+      </p:pic>
+      <p:sp>
+        <p:nvSpPr>
+          <p:cNvPr id="2" name="Title 1"/>
+          <p:cNvSpPr>
+            <a:spLocks noGrp="1"/>
+          </p:cNvSpPr>
+          <p:nvPr>
+            <p:ph type="title"/>
+          </p:nvPr>
+        </p:nvSpPr>
+        <p:spPr/>
+        <p:txBody>
+          <a:bodyPr/>
+          <a:lstStyle/>
+          <a:p>
+            <a:endParaRPr lang="en-US"/>
+          </a:p>
+        </p:txBody>
+      </p:sp>
+      <p:pic>
+        <p:nvPicPr>
+          <p:cNvPr id="3" name="Picture 2"/>
+          <p:cNvPicPr>
+            <a:picLocks noChangeAspect="1"/>
+          </p:cNvPicPr>
+          <p:nvPr/>
+        </p:nvPicPr>
+        <p:blipFill>
+          <a:blip r:embed="rId3">
+            <a:extLst>
+              <a:ext uri="{28A0092B-C50C-407E-A947-70E740481C1C}">
+                <a14:useLocalDpi xmlns:a14="http://schemas.microsoft.com/office/drawing/2010/main" val="0"/>
+              </a:ext>
+            </a:extLst>
+          </a:blip>
+          <a:stretch>
+            <a:fillRect/>
+          </a:stretch>
+        </p:blipFill>
+        <p:spPr>
+          <a:xfrm>
+            <a:off x="2622606" y="201186"/>
+            <a:ext cx="7128176" cy="6463157"/>
+          </a:xfrm>
+          <a:prstGeom prst="rect">
+            <a:avLst/>
+          </a:prstGeom>
+          <a:ln w="38100" cap="sq">
+            <a:solidFill>
+              <a:srgbClr val="000000"/>
+            </a:solidFill>
+            <a:prstDash val="solid"/>
+            <a:miter lim="800000"/>
+          </a:ln>
+          <a:effectLst>
+            <a:outerShdw blurRad="50800" dist="38100" dir="2700000" algn="tl" rotWithShape="0">
+              <a:srgbClr val="000000">
+                <a:alpha val="43000"/>
+              </a:srgbClr>
+            </a:outerShdw>
+          </a:effectLst>
+        </p:spPr>
+      </p:pic>
+    </p:spTree>
+    <p:extLst>
+      <p:ext uri="{BB962C8B-B14F-4D97-AF65-F5344CB8AC3E}">
+        <p14:creationId xmlns:p14="http://schemas.microsoft.com/office/powerpoint/2010/main" val="903836069"/>
+      </p:ext>
+    </p:extLst>
+  </p:cSld>
+  <p:clrMapOvr>
+    <a:masterClrMapping/>
+  </p:clrMapOvr>
+  <p:timing>
+    <p:tnLst>
+      <p:par>
+        <p:cTn id="1" dur="indefinite" restart="never" nodeType="tmRoot"/>
+      </p:par>
+    </p:tnLst>
+  </p:timing>
+</p:sld>
+</file>
+
 <file path=ppt/slides/slide2.xml><?xml version="1.0" encoding="utf-8"?>
 <p:sld xmlns:a="http://schemas.openxmlformats.org/drawingml/2006/main" xmlns:r="http://schemas.openxmlformats.org/officeDocument/2006/relationships" xmlns:p="http://schemas.openxmlformats.org/presentationml/2006/main">
   <p:cSld>
@@ -3292,21 +3423,8 @@
           <a:p>
             <a:r>
               <a:rPr lang="en-US" dirty="0" smtClean="0"/>
-              <a:t>Project Game &amp; Watch </a:t>
-            </a:r>
-            <a:r>
-              <a:rPr lang="en-US" dirty="0" smtClean="0"/>
-              <a:t>is a puzzle </a:t>
-            </a:r>
-            <a:r>
-              <a:rPr lang="en-US" dirty="0" smtClean="0"/>
-              <a:t>platformer in which you have to guide the main character to the end goal of each puzzle </a:t>
-            </a:r>
-            <a:r>
-              <a:rPr lang="en-US" dirty="0" smtClean="0"/>
-              <a:t>level by interacting with the different objects in the environment.</a:t>
-            </a:r>
-            <a:endParaRPr lang="en-US" dirty="0" smtClean="0"/>
+              <a:t>Project Game &amp; Watch is a puzzle platformer in which you have to guide the main character to the end goal of each puzzle level by interacting with the different objects in the environment.</a:t>
+            </a:r>
           </a:p>
         </p:txBody>
       </p:sp>
@@ -5468,7 +5586,7 @@
   <a:extraClrSchemeLst/>
   <a:extLst>
     <a:ext uri="{05A4C25C-085E-4340-85A3-A5531E510DB2}">
-      <thm15:themeFamily xmlns:thm15="http://schemas.microsoft.com/office/thememl/2012/main" xmlns="" name="Office Theme" id="{62F939B6-93AF-4DB8-9C6B-D6C7DFDC589F}" vid="{4A3C46E8-61CC-4603-A589-7422A47A8E4A}"/>
+      <thm15:themeFamily xmlns:thm15="http://schemas.microsoft.com/office/thememl/2012/main" name="Office Theme" id="{62F939B6-93AF-4DB8-9C6B-D6C7DFDC589F}" vid="{4A3C46E8-61CC-4603-A589-7422A47A8E4A}"/>
     </a:ext>
   </a:extLst>
 </a:theme>
